--- a/Docs/Progress slides.pptx
+++ b/Docs/Progress slides.pptx
@@ -7,15 +7,20 @@
   <p:sldIdLst>
     <p:sldId id="256" r:id="rId2"/>
     <p:sldId id="257" r:id="rId3"/>
-    <p:sldId id="258" r:id="rId4"/>
-    <p:sldId id="259" r:id="rId5"/>
-    <p:sldId id="262" r:id="rId6"/>
-    <p:sldId id="266" r:id="rId7"/>
-    <p:sldId id="260" r:id="rId8"/>
-    <p:sldId id="263" r:id="rId9"/>
-    <p:sldId id="264" r:id="rId10"/>
-    <p:sldId id="265" r:id="rId11"/>
-    <p:sldId id="267" r:id="rId12"/>
+    <p:sldId id="268" r:id="rId4"/>
+    <p:sldId id="269" r:id="rId5"/>
+    <p:sldId id="270" r:id="rId6"/>
+    <p:sldId id="271" r:id="rId7"/>
+    <p:sldId id="272" r:id="rId8"/>
+    <p:sldId id="258" r:id="rId9"/>
+    <p:sldId id="259" r:id="rId10"/>
+    <p:sldId id="262" r:id="rId11"/>
+    <p:sldId id="266" r:id="rId12"/>
+    <p:sldId id="260" r:id="rId13"/>
+    <p:sldId id="263" r:id="rId14"/>
+    <p:sldId id="264" r:id="rId15"/>
+    <p:sldId id="265" r:id="rId16"/>
+    <p:sldId id="267" r:id="rId17"/>
   </p:sldIdLst>
   <p:sldSz cx="12192000" cy="6858000"/>
   <p:notesSz cx="6858000" cy="9144000"/>
@@ -114,6 +119,11 @@
       </a:defRPr>
     </a:lvl9pPr>
   </p:defaultTextStyle>
+  <p:extLst>
+    <p:ext uri="{EFAFB233-063F-42B5-8137-9DF3F51BA10A}">
+      <p15:sldGuideLst xmlns:p15="http://schemas.microsoft.com/office/powerpoint/2012/main"/>
+    </p:ext>
+  </p:extLst>
 </p:presentation>
 </file>
 
@@ -159,10 +169,9 @@
           </a:lstStyle>
           <a:p>
             <a:r>
-              <a:rPr lang="en-US" smtClean="0"/>
+              <a:rPr lang="en-US"/>
               <a:t>Click to edit Master title style</a:t>
             </a:r>
-            <a:endParaRPr lang="en-US"/>
           </a:p>
         </p:txBody>
       </p:sp>
@@ -224,10 +233,9 @@
           </a:lstStyle>
           <a:p>
             <a:r>
-              <a:rPr lang="en-US" smtClean="0"/>
+              <a:rPr lang="en-US"/>
               <a:t>Click to edit Master subtitle style</a:t>
             </a:r>
-            <a:endParaRPr lang="en-US"/>
           </a:p>
         </p:txBody>
       </p:sp>
@@ -248,7 +256,7 @@
           <a:p>
             <a:fld id="{8D2E760F-CC1E-4233-984A-FEB50F5CF30D}" type="datetimeFigureOut">
               <a:rPr lang="en-US" smtClean="0"/>
-              <a:t>2/21/2018</a:t>
+              <a:t>2/28/18</a:t>
             </a:fld>
             <a:endParaRPr lang="en-US"/>
           </a:p>
@@ -342,10 +350,9 @@
           <a:lstStyle/>
           <a:p>
             <a:r>
-              <a:rPr lang="en-US" smtClean="0"/>
+              <a:rPr lang="en-US"/>
               <a:t>Click to edit Master title style</a:t>
             </a:r>
-            <a:endParaRPr lang="en-US"/>
           </a:p>
         </p:txBody>
       </p:sp>
@@ -366,38 +373,37 @@
           <a:p>
             <a:pPr lvl="0"/>
             <a:r>
-              <a:rPr lang="en-US" smtClean="0"/>
+              <a:rPr lang="en-US"/>
               <a:t>Edit Master text styles</a:t>
             </a:r>
           </a:p>
           <a:p>
             <a:pPr lvl="1"/>
             <a:r>
-              <a:rPr lang="en-US" smtClean="0"/>
+              <a:rPr lang="en-US"/>
               <a:t>Second level</a:t>
             </a:r>
           </a:p>
           <a:p>
             <a:pPr lvl="2"/>
             <a:r>
-              <a:rPr lang="en-US" smtClean="0"/>
+              <a:rPr lang="en-US"/>
               <a:t>Third level</a:t>
             </a:r>
           </a:p>
           <a:p>
             <a:pPr lvl="3"/>
             <a:r>
-              <a:rPr lang="en-US" smtClean="0"/>
+              <a:rPr lang="en-US"/>
               <a:t>Fourth level</a:t>
             </a:r>
           </a:p>
           <a:p>
             <a:pPr lvl="4"/>
             <a:r>
-              <a:rPr lang="en-US" smtClean="0"/>
+              <a:rPr lang="en-US"/>
               <a:t>Fifth level</a:t>
             </a:r>
-            <a:endParaRPr lang="en-US"/>
           </a:p>
         </p:txBody>
       </p:sp>
@@ -418,7 +424,7 @@
           <a:p>
             <a:fld id="{8D2E760F-CC1E-4233-984A-FEB50F5CF30D}" type="datetimeFigureOut">
               <a:rPr lang="en-US" smtClean="0"/>
-              <a:t>2/21/2018</a:t>
+              <a:t>2/28/18</a:t>
             </a:fld>
             <a:endParaRPr lang="en-US"/>
           </a:p>
@@ -517,10 +523,9 @@
           <a:lstStyle/>
           <a:p>
             <a:r>
-              <a:rPr lang="en-US" smtClean="0"/>
+              <a:rPr lang="en-US"/>
               <a:t>Click to edit Master title style</a:t>
             </a:r>
-            <a:endParaRPr lang="en-US"/>
           </a:p>
         </p:txBody>
       </p:sp>
@@ -546,38 +551,37 @@
           <a:p>
             <a:pPr lvl="0"/>
             <a:r>
-              <a:rPr lang="en-US" smtClean="0"/>
+              <a:rPr lang="en-US"/>
               <a:t>Edit Master text styles</a:t>
             </a:r>
           </a:p>
           <a:p>
             <a:pPr lvl="1"/>
             <a:r>
-              <a:rPr lang="en-US" smtClean="0"/>
+              <a:rPr lang="en-US"/>
               <a:t>Second level</a:t>
             </a:r>
           </a:p>
           <a:p>
             <a:pPr lvl="2"/>
             <a:r>
-              <a:rPr lang="en-US" smtClean="0"/>
+              <a:rPr lang="en-US"/>
               <a:t>Third level</a:t>
             </a:r>
           </a:p>
           <a:p>
             <a:pPr lvl="3"/>
             <a:r>
-              <a:rPr lang="en-US" smtClean="0"/>
+              <a:rPr lang="en-US"/>
               <a:t>Fourth level</a:t>
             </a:r>
           </a:p>
           <a:p>
             <a:pPr lvl="4"/>
             <a:r>
-              <a:rPr lang="en-US" smtClean="0"/>
+              <a:rPr lang="en-US"/>
               <a:t>Fifth level</a:t>
             </a:r>
-            <a:endParaRPr lang="en-US"/>
           </a:p>
         </p:txBody>
       </p:sp>
@@ -598,7 +602,7 @@
           <a:p>
             <a:fld id="{8D2E760F-CC1E-4233-984A-FEB50F5CF30D}" type="datetimeFigureOut">
               <a:rPr lang="en-US" smtClean="0"/>
-              <a:t>2/21/2018</a:t>
+              <a:t>2/28/18</a:t>
             </a:fld>
             <a:endParaRPr lang="en-US"/>
           </a:p>
@@ -692,10 +696,9 @@
           <a:lstStyle/>
           <a:p>
             <a:r>
-              <a:rPr lang="en-US" smtClean="0"/>
+              <a:rPr lang="en-US"/>
               <a:t>Click to edit Master title style</a:t>
             </a:r>
-            <a:endParaRPr lang="en-US"/>
           </a:p>
         </p:txBody>
       </p:sp>
@@ -716,38 +719,37 @@
           <a:p>
             <a:pPr lvl="0"/>
             <a:r>
-              <a:rPr lang="en-US" smtClean="0"/>
+              <a:rPr lang="en-US"/>
               <a:t>Edit Master text styles</a:t>
             </a:r>
           </a:p>
           <a:p>
             <a:pPr lvl="1"/>
             <a:r>
-              <a:rPr lang="en-US" smtClean="0"/>
+              <a:rPr lang="en-US"/>
               <a:t>Second level</a:t>
             </a:r>
           </a:p>
           <a:p>
             <a:pPr lvl="2"/>
             <a:r>
-              <a:rPr lang="en-US" smtClean="0"/>
+              <a:rPr lang="en-US"/>
               <a:t>Third level</a:t>
             </a:r>
           </a:p>
           <a:p>
             <a:pPr lvl="3"/>
             <a:r>
-              <a:rPr lang="en-US" smtClean="0"/>
+              <a:rPr lang="en-US"/>
               <a:t>Fourth level</a:t>
             </a:r>
           </a:p>
           <a:p>
             <a:pPr lvl="4"/>
             <a:r>
-              <a:rPr lang="en-US" smtClean="0"/>
+              <a:rPr lang="en-US"/>
               <a:t>Fifth level</a:t>
             </a:r>
-            <a:endParaRPr lang="en-US"/>
           </a:p>
         </p:txBody>
       </p:sp>
@@ -768,7 +770,7 @@
           <a:p>
             <a:fld id="{8D2E760F-CC1E-4233-984A-FEB50F5CF30D}" type="datetimeFigureOut">
               <a:rPr lang="en-US" smtClean="0"/>
-              <a:t>2/21/2018</a:t>
+              <a:t>2/28/18</a:t>
             </a:fld>
             <a:endParaRPr lang="en-US"/>
           </a:p>
@@ -871,10 +873,9 @@
           </a:lstStyle>
           <a:p>
             <a:r>
-              <a:rPr lang="en-US" smtClean="0"/>
+              <a:rPr lang="en-US"/>
               <a:t>Click to edit Master title style</a:t>
             </a:r>
-            <a:endParaRPr lang="en-US"/>
           </a:p>
         </p:txBody>
       </p:sp>
@@ -991,7 +992,7 @@
           <a:p>
             <a:pPr lvl="0"/>
             <a:r>
-              <a:rPr lang="en-US" smtClean="0"/>
+              <a:rPr lang="en-US"/>
               <a:t>Edit Master text styles</a:t>
             </a:r>
           </a:p>
@@ -1014,7 +1015,7 @@
           <a:p>
             <a:fld id="{8D2E760F-CC1E-4233-984A-FEB50F5CF30D}" type="datetimeFigureOut">
               <a:rPr lang="en-US" smtClean="0"/>
-              <a:t>2/21/2018</a:t>
+              <a:t>2/28/18</a:t>
             </a:fld>
             <a:endParaRPr lang="en-US"/>
           </a:p>
@@ -1108,10 +1109,9 @@
           <a:lstStyle/>
           <a:p>
             <a:r>
-              <a:rPr lang="en-US" smtClean="0"/>
+              <a:rPr lang="en-US"/>
               <a:t>Click to edit Master title style</a:t>
             </a:r>
-            <a:endParaRPr lang="en-US"/>
           </a:p>
         </p:txBody>
       </p:sp>
@@ -1137,38 +1137,37 @@
           <a:p>
             <a:pPr lvl="0"/>
             <a:r>
-              <a:rPr lang="en-US" smtClean="0"/>
+              <a:rPr lang="en-US"/>
               <a:t>Edit Master text styles</a:t>
             </a:r>
           </a:p>
           <a:p>
             <a:pPr lvl="1"/>
             <a:r>
-              <a:rPr lang="en-US" smtClean="0"/>
+              <a:rPr lang="en-US"/>
               <a:t>Second level</a:t>
             </a:r>
           </a:p>
           <a:p>
             <a:pPr lvl="2"/>
             <a:r>
-              <a:rPr lang="en-US" smtClean="0"/>
+              <a:rPr lang="en-US"/>
               <a:t>Third level</a:t>
             </a:r>
           </a:p>
           <a:p>
             <a:pPr lvl="3"/>
             <a:r>
-              <a:rPr lang="en-US" smtClean="0"/>
+              <a:rPr lang="en-US"/>
               <a:t>Fourth level</a:t>
             </a:r>
           </a:p>
           <a:p>
             <a:pPr lvl="4"/>
             <a:r>
-              <a:rPr lang="en-US" smtClean="0"/>
+              <a:rPr lang="en-US"/>
               <a:t>Fifth level</a:t>
             </a:r>
-            <a:endParaRPr lang="en-US"/>
           </a:p>
         </p:txBody>
       </p:sp>
@@ -1194,38 +1193,37 @@
           <a:p>
             <a:pPr lvl="0"/>
             <a:r>
-              <a:rPr lang="en-US" smtClean="0"/>
+              <a:rPr lang="en-US"/>
               <a:t>Edit Master text styles</a:t>
             </a:r>
           </a:p>
           <a:p>
             <a:pPr lvl="1"/>
             <a:r>
-              <a:rPr lang="en-US" smtClean="0"/>
+              <a:rPr lang="en-US"/>
               <a:t>Second level</a:t>
             </a:r>
           </a:p>
           <a:p>
             <a:pPr lvl="2"/>
             <a:r>
-              <a:rPr lang="en-US" smtClean="0"/>
+              <a:rPr lang="en-US"/>
               <a:t>Third level</a:t>
             </a:r>
           </a:p>
           <a:p>
             <a:pPr lvl="3"/>
             <a:r>
-              <a:rPr lang="en-US" smtClean="0"/>
+              <a:rPr lang="en-US"/>
               <a:t>Fourth level</a:t>
             </a:r>
           </a:p>
           <a:p>
             <a:pPr lvl="4"/>
             <a:r>
-              <a:rPr lang="en-US" smtClean="0"/>
+              <a:rPr lang="en-US"/>
               <a:t>Fifth level</a:t>
             </a:r>
-            <a:endParaRPr lang="en-US"/>
           </a:p>
         </p:txBody>
       </p:sp>
@@ -1246,7 +1244,7 @@
           <a:p>
             <a:fld id="{8D2E760F-CC1E-4233-984A-FEB50F5CF30D}" type="datetimeFigureOut">
               <a:rPr lang="en-US" smtClean="0"/>
-              <a:t>2/21/2018</a:t>
+              <a:t>2/28/18</a:t>
             </a:fld>
             <a:endParaRPr lang="en-US"/>
           </a:p>
@@ -1345,10 +1343,9 @@
           <a:lstStyle/>
           <a:p>
             <a:r>
-              <a:rPr lang="en-US" smtClean="0"/>
+              <a:rPr lang="en-US"/>
               <a:t>Click to edit Master title style</a:t>
             </a:r>
-            <a:endParaRPr lang="en-US"/>
           </a:p>
         </p:txBody>
       </p:sp>
@@ -1411,7 +1408,7 @@
           <a:p>
             <a:pPr lvl="0"/>
             <a:r>
-              <a:rPr lang="en-US" smtClean="0"/>
+              <a:rPr lang="en-US"/>
               <a:t>Edit Master text styles</a:t>
             </a:r>
           </a:p>
@@ -1439,38 +1436,37 @@
           <a:p>
             <a:pPr lvl="0"/>
             <a:r>
-              <a:rPr lang="en-US" smtClean="0"/>
+              <a:rPr lang="en-US"/>
               <a:t>Edit Master text styles</a:t>
             </a:r>
           </a:p>
           <a:p>
             <a:pPr lvl="1"/>
             <a:r>
-              <a:rPr lang="en-US" smtClean="0"/>
+              <a:rPr lang="en-US"/>
               <a:t>Second level</a:t>
             </a:r>
           </a:p>
           <a:p>
             <a:pPr lvl="2"/>
             <a:r>
-              <a:rPr lang="en-US" smtClean="0"/>
+              <a:rPr lang="en-US"/>
               <a:t>Third level</a:t>
             </a:r>
           </a:p>
           <a:p>
             <a:pPr lvl="3"/>
             <a:r>
-              <a:rPr lang="en-US" smtClean="0"/>
+              <a:rPr lang="en-US"/>
               <a:t>Fourth level</a:t>
             </a:r>
           </a:p>
           <a:p>
             <a:pPr lvl="4"/>
             <a:r>
-              <a:rPr lang="en-US" smtClean="0"/>
+              <a:rPr lang="en-US"/>
               <a:t>Fifth level</a:t>
             </a:r>
-            <a:endParaRPr lang="en-US"/>
           </a:p>
         </p:txBody>
       </p:sp>
@@ -1533,7 +1529,7 @@
           <a:p>
             <a:pPr lvl="0"/>
             <a:r>
-              <a:rPr lang="en-US" smtClean="0"/>
+              <a:rPr lang="en-US"/>
               <a:t>Edit Master text styles</a:t>
             </a:r>
           </a:p>
@@ -1561,38 +1557,37 @@
           <a:p>
             <a:pPr lvl="0"/>
             <a:r>
-              <a:rPr lang="en-US" smtClean="0"/>
+              <a:rPr lang="en-US"/>
               <a:t>Edit Master text styles</a:t>
             </a:r>
           </a:p>
           <a:p>
             <a:pPr lvl="1"/>
             <a:r>
-              <a:rPr lang="en-US" smtClean="0"/>
+              <a:rPr lang="en-US"/>
               <a:t>Second level</a:t>
             </a:r>
           </a:p>
           <a:p>
             <a:pPr lvl="2"/>
             <a:r>
-              <a:rPr lang="en-US" smtClean="0"/>
+              <a:rPr lang="en-US"/>
               <a:t>Third level</a:t>
             </a:r>
           </a:p>
           <a:p>
             <a:pPr lvl="3"/>
             <a:r>
-              <a:rPr lang="en-US" smtClean="0"/>
+              <a:rPr lang="en-US"/>
               <a:t>Fourth level</a:t>
             </a:r>
           </a:p>
           <a:p>
             <a:pPr lvl="4"/>
             <a:r>
-              <a:rPr lang="en-US" smtClean="0"/>
+              <a:rPr lang="en-US"/>
               <a:t>Fifth level</a:t>
             </a:r>
-            <a:endParaRPr lang="en-US"/>
           </a:p>
         </p:txBody>
       </p:sp>
@@ -1613,7 +1608,7 @@
           <a:p>
             <a:fld id="{8D2E760F-CC1E-4233-984A-FEB50F5CF30D}" type="datetimeFigureOut">
               <a:rPr lang="en-US" smtClean="0"/>
-              <a:t>2/21/2018</a:t>
+              <a:t>2/28/18</a:t>
             </a:fld>
             <a:endParaRPr lang="en-US"/>
           </a:p>
@@ -1707,10 +1702,9 @@
           <a:lstStyle/>
           <a:p>
             <a:r>
-              <a:rPr lang="en-US" smtClean="0"/>
+              <a:rPr lang="en-US"/>
               <a:t>Click to edit Master title style</a:t>
             </a:r>
-            <a:endParaRPr lang="en-US"/>
           </a:p>
         </p:txBody>
       </p:sp>
@@ -1731,7 +1725,7 @@
           <a:p>
             <a:fld id="{8D2E760F-CC1E-4233-984A-FEB50F5CF30D}" type="datetimeFigureOut">
               <a:rPr lang="en-US" smtClean="0"/>
-              <a:t>2/21/2018</a:t>
+              <a:t>2/28/18</a:t>
             </a:fld>
             <a:endParaRPr lang="en-US"/>
           </a:p>
@@ -1826,7 +1820,7 @@
           <a:p>
             <a:fld id="{8D2E760F-CC1E-4233-984A-FEB50F5CF30D}" type="datetimeFigureOut">
               <a:rPr lang="en-US" smtClean="0"/>
-              <a:t>2/21/2018</a:t>
+              <a:t>2/28/18</a:t>
             </a:fld>
             <a:endParaRPr lang="en-US"/>
           </a:p>
@@ -1929,10 +1923,9 @@
           </a:lstStyle>
           <a:p>
             <a:r>
-              <a:rPr lang="en-US" smtClean="0"/>
+              <a:rPr lang="en-US"/>
               <a:t>Click to edit Master title style</a:t>
             </a:r>
-            <a:endParaRPr lang="en-US"/>
           </a:p>
         </p:txBody>
       </p:sp>
@@ -1986,38 +1979,37 @@
           <a:p>
             <a:pPr lvl="0"/>
             <a:r>
-              <a:rPr lang="en-US" smtClean="0"/>
+              <a:rPr lang="en-US"/>
               <a:t>Edit Master text styles</a:t>
             </a:r>
           </a:p>
           <a:p>
             <a:pPr lvl="1"/>
             <a:r>
-              <a:rPr lang="en-US" smtClean="0"/>
+              <a:rPr lang="en-US"/>
               <a:t>Second level</a:t>
             </a:r>
           </a:p>
           <a:p>
             <a:pPr lvl="2"/>
             <a:r>
-              <a:rPr lang="en-US" smtClean="0"/>
+              <a:rPr lang="en-US"/>
               <a:t>Third level</a:t>
             </a:r>
           </a:p>
           <a:p>
             <a:pPr lvl="3"/>
             <a:r>
-              <a:rPr lang="en-US" smtClean="0"/>
+              <a:rPr lang="en-US"/>
               <a:t>Fourth level</a:t>
             </a:r>
           </a:p>
           <a:p>
             <a:pPr lvl="4"/>
             <a:r>
-              <a:rPr lang="en-US" smtClean="0"/>
+              <a:rPr lang="en-US"/>
               <a:t>Fifth level</a:t>
             </a:r>
-            <a:endParaRPr lang="en-US"/>
           </a:p>
         </p:txBody>
       </p:sp>
@@ -2080,7 +2072,7 @@
           <a:p>
             <a:pPr lvl="0"/>
             <a:r>
-              <a:rPr lang="en-US" smtClean="0"/>
+              <a:rPr lang="en-US"/>
               <a:t>Edit Master text styles</a:t>
             </a:r>
           </a:p>
@@ -2103,7 +2095,7 @@
           <a:p>
             <a:fld id="{8D2E760F-CC1E-4233-984A-FEB50F5CF30D}" type="datetimeFigureOut">
               <a:rPr lang="en-US" smtClean="0"/>
-              <a:t>2/21/2018</a:t>
+              <a:t>2/28/18</a:t>
             </a:fld>
             <a:endParaRPr lang="en-US"/>
           </a:p>
@@ -2206,10 +2198,9 @@
           </a:lstStyle>
           <a:p>
             <a:r>
-              <a:rPr lang="en-US" smtClean="0"/>
+              <a:rPr lang="en-US"/>
               <a:t>Click to edit Master title style</a:t>
             </a:r>
-            <a:endParaRPr lang="en-US"/>
           </a:p>
         </p:txBody>
       </p:sp>
@@ -2333,7 +2324,7 @@
           <a:p>
             <a:pPr lvl="0"/>
             <a:r>
-              <a:rPr lang="en-US" smtClean="0"/>
+              <a:rPr lang="en-US"/>
               <a:t>Edit Master text styles</a:t>
             </a:r>
           </a:p>
@@ -2356,7 +2347,7 @@
           <a:p>
             <a:fld id="{8D2E760F-CC1E-4233-984A-FEB50F5CF30D}" type="datetimeFigureOut">
               <a:rPr lang="en-US" smtClean="0"/>
-              <a:t>2/21/2018</a:t>
+              <a:t>2/28/18</a:t>
             </a:fld>
             <a:endParaRPr lang="en-US"/>
           </a:p>
@@ -2465,10 +2456,9 @@
           <a:lstStyle/>
           <a:p>
             <a:r>
-              <a:rPr lang="en-US" smtClean="0"/>
+              <a:rPr lang="en-US"/>
               <a:t>Click to edit Master title style</a:t>
             </a:r>
-            <a:endParaRPr lang="en-US"/>
           </a:p>
         </p:txBody>
       </p:sp>
@@ -2499,38 +2489,37 @@
           <a:p>
             <a:pPr lvl="0"/>
             <a:r>
-              <a:rPr lang="en-US" smtClean="0"/>
+              <a:rPr lang="en-US"/>
               <a:t>Edit Master text styles</a:t>
             </a:r>
           </a:p>
           <a:p>
             <a:pPr lvl="1"/>
             <a:r>
-              <a:rPr lang="en-US" smtClean="0"/>
+              <a:rPr lang="en-US"/>
               <a:t>Second level</a:t>
             </a:r>
           </a:p>
           <a:p>
             <a:pPr lvl="2"/>
             <a:r>
-              <a:rPr lang="en-US" smtClean="0"/>
+              <a:rPr lang="en-US"/>
               <a:t>Third level</a:t>
             </a:r>
           </a:p>
           <a:p>
             <a:pPr lvl="3"/>
             <a:r>
-              <a:rPr lang="en-US" smtClean="0"/>
+              <a:rPr lang="en-US"/>
               <a:t>Fourth level</a:t>
             </a:r>
           </a:p>
           <a:p>
             <a:pPr lvl="4"/>
             <a:r>
-              <a:rPr lang="en-US" smtClean="0"/>
+              <a:rPr lang="en-US"/>
               <a:t>Fifth level</a:t>
             </a:r>
-            <a:endParaRPr lang="en-US"/>
           </a:p>
         </p:txBody>
       </p:sp>
@@ -2569,7 +2558,7 @@
           <a:p>
             <a:fld id="{8D2E760F-CC1E-4233-984A-FEB50F5CF30D}" type="datetimeFigureOut">
               <a:rPr lang="en-US" smtClean="0"/>
-              <a:t>2/21/2018</a:t>
+              <a:t>2/28/18</a:t>
             </a:fld>
             <a:endParaRPr lang="en-US"/>
           </a:p>
@@ -2992,10 +2981,9 @@
           <a:lstStyle/>
           <a:p>
             <a:r>
-              <a:rPr lang="en-US" dirty="0" smtClean="0"/>
+              <a:rPr lang="en-US" dirty="0"/>
               <a:t>Adversarial examples of Neural Networks</a:t>
             </a:r>
-            <a:endParaRPr lang="en-US" dirty="0"/>
           </a:p>
         </p:txBody>
       </p:sp>
@@ -3020,46 +3008,45 @@
           <a:lstStyle/>
           <a:p>
             <a:r>
-              <a:rPr lang="en-US" dirty="0" smtClean="0"/>
+              <a:rPr lang="en-US" dirty="0"/>
               <a:t>Spring 2018</a:t>
             </a:r>
           </a:p>
           <a:p>
             <a:r>
-              <a:rPr lang="en-US" dirty="0" smtClean="0"/>
+              <a:rPr lang="en-US" dirty="0"/>
               <a:t>UROP: </a:t>
             </a:r>
             <a:r>
-              <a:rPr lang="en-US" dirty="0" err="1" smtClean="0"/>
+              <a:rPr lang="en-US" dirty="0" err="1"/>
               <a:t>Karunya</a:t>
             </a:r>
             <a:r>
-              <a:rPr lang="en-US" dirty="0" smtClean="0"/>
+              <a:rPr lang="en-US" dirty="0"/>
               <a:t> </a:t>
             </a:r>
             <a:r>
-              <a:rPr lang="en-US" dirty="0" err="1" smtClean="0"/>
+              <a:rPr lang="en-US" dirty="0" err="1"/>
               <a:t>Sethuraman</a:t>
             </a:r>
             <a:r>
-              <a:rPr lang="en-US" dirty="0" smtClean="0"/>
+              <a:rPr lang="en-US" dirty="0"/>
               <a:t>, Mentor: Lily </a:t>
             </a:r>
             <a:r>
-              <a:rPr lang="en-US" dirty="0" err="1" smtClean="0"/>
+              <a:rPr lang="en-US" dirty="0" err="1"/>
               <a:t>Weng</a:t>
             </a:r>
             <a:r>
-              <a:rPr lang="en-US" dirty="0" smtClean="0"/>
+              <a:rPr lang="en-US" dirty="0"/>
               <a:t>, Advisor: Luca Daniel</a:t>
             </a:r>
           </a:p>
           <a:p>
             <a:r>
-              <a:rPr lang="en-US" dirty="0" smtClean="0"/>
+              <a:rPr lang="en-US" dirty="0"/>
               <a:t>MIT EECS</a:t>
             </a:r>
-            <a:endParaRPr lang="en-US" dirty="0"/>
           </a:p>
         </p:txBody>
       </p:sp>
@@ -3109,18 +3096,56 @@
           <a:lstStyle/>
           <a:p>
             <a:r>
-              <a:rPr lang="en-US" dirty="0" smtClean="0">
+              <a:rPr lang="en-US" dirty="0">
                 <a:solidFill>
                   <a:srgbClr val="FF0000"/>
                 </a:solidFill>
               </a:rPr>
-              <a:t>Method 4: CW</a:t>
-            </a:r>
-            <a:endParaRPr lang="en-US" dirty="0">
-              <a:solidFill>
-                <a:srgbClr val="FF0000"/>
-              </a:solidFill>
-            </a:endParaRPr>
+              <a:t>Method 1: </a:t>
+            </a:r>
+            <a:r>
+              <a:rPr lang="en-US" dirty="0" err="1">
+                <a:solidFill>
+                  <a:srgbClr val="FF0000"/>
+                </a:solidFill>
+              </a:rPr>
+              <a:t>DeepFool</a:t>
+            </a:r>
+            <a:r>
+              <a:rPr lang="en-US" dirty="0">
+                <a:solidFill>
+                  <a:srgbClr val="FF0000"/>
+                </a:solidFill>
+              </a:rPr>
+              <a:t> (Instructions)</a:t>
+            </a:r>
+          </a:p>
+        </p:txBody>
+      </p:sp>
+      <p:sp>
+        <p:nvSpPr>
+          <p:cNvPr id="7" name="Text Placeholder 6"/>
+          <p:cNvSpPr>
+            <a:spLocks noGrp="1"/>
+          </p:cNvSpPr>
+          <p:nvPr>
+            <p:ph type="body" idx="1"/>
+          </p:nvPr>
+        </p:nvSpPr>
+        <p:spPr/>
+        <p:txBody>
+          <a:bodyPr/>
+          <a:lstStyle/>
+          <a:p>
+            <a:pPr marL="0" lvl="1">
+              <a:spcBef>
+                <a:spcPts val="1000"/>
+              </a:spcBef>
+            </a:pPr>
+            <a:r>
+              <a:rPr lang="en-US" dirty="0"/>
+              <a:t>1. Summarize important and basic ideas in the slides</a:t>
+            </a:r>
           </a:p>
         </p:txBody>
       </p:sp>
@@ -3131,22 +3156,122 @@
             <a:spLocks noGrp="1"/>
           </p:cNvSpPr>
           <p:nvPr>
-            <p:ph idx="1"/>
-          </p:nvPr>
-        </p:nvSpPr>
-        <p:spPr/>
-        <p:txBody>
-          <a:bodyPr/>
-          <a:lstStyle/>
-          <a:p>
-            <a:endParaRPr lang="en-US"/>
+            <p:ph sz="half" idx="2"/>
+          </p:nvPr>
+        </p:nvSpPr>
+        <p:spPr/>
+        <p:txBody>
+          <a:bodyPr>
+            <a:normAutofit/>
+          </a:bodyPr>
+          <a:lstStyle/>
+          <a:p>
+            <a:r>
+              <a:rPr lang="en-US" sz="2400" dirty="0"/>
+              <a:t>1. How does it work</a:t>
+            </a:r>
+          </a:p>
+          <a:p>
+            <a:r>
+              <a:rPr lang="en-US" sz="2400" dirty="0"/>
+              <a:t>2. Try to think of 1-2 pros and cons of this method</a:t>
+            </a:r>
+          </a:p>
+          <a:p>
+            <a:r>
+              <a:rPr lang="en-US" sz="2400" dirty="0"/>
+              <a:t>3. Any ideas to possibly improve this method?</a:t>
+            </a:r>
+          </a:p>
+          <a:p>
+            <a:r>
+              <a:rPr lang="en-US" sz="2400" dirty="0">
+                <a:solidFill>
+                  <a:srgbClr val="0000FF"/>
+                </a:solidFill>
+              </a:rPr>
+              <a:t>This will help you familiarize with current state-of-the-art methods</a:t>
+            </a:r>
+          </a:p>
+        </p:txBody>
+      </p:sp>
+      <p:sp>
+        <p:nvSpPr>
+          <p:cNvPr id="8" name="Text Placeholder 7"/>
+          <p:cNvSpPr>
+            <a:spLocks noGrp="1"/>
+          </p:cNvSpPr>
+          <p:nvPr>
+            <p:ph type="body" sz="quarter" idx="3"/>
+          </p:nvPr>
+        </p:nvSpPr>
+        <p:spPr/>
+        <p:txBody>
+          <a:bodyPr/>
+          <a:lstStyle/>
+          <a:p>
+            <a:pPr marL="0" lvl="1">
+              <a:spcBef>
+                <a:spcPts val="1000"/>
+              </a:spcBef>
+            </a:pPr>
+            <a:r>
+              <a:rPr lang="en-US" dirty="0"/>
+              <a:t>2. Write down pipeline of designing an adversarial example</a:t>
+            </a:r>
+          </a:p>
+        </p:txBody>
+      </p:sp>
+      <p:sp>
+        <p:nvSpPr>
+          <p:cNvPr id="9" name="Content Placeholder 8"/>
+          <p:cNvSpPr>
+            <a:spLocks noGrp="1"/>
+          </p:cNvSpPr>
+          <p:nvPr>
+            <p:ph sz="quarter" idx="4"/>
+          </p:nvPr>
+        </p:nvSpPr>
+        <p:spPr/>
+        <p:txBody>
+          <a:bodyPr>
+            <a:noAutofit/>
+          </a:bodyPr>
+          <a:lstStyle/>
+          <a:p>
+            <a:r>
+              <a:rPr lang="en-US" sz="2400" dirty="0"/>
+              <a:t>For the very first two times, detail in slides how you do Step 1 and Step 2 (see next page).</a:t>
+            </a:r>
+          </a:p>
+          <a:p>
+            <a:r>
+              <a:rPr lang="en-US" sz="2400" dirty="0"/>
+              <a:t>Then, summarize the words/numbers (green box, see next page) into tables and show in slides</a:t>
+            </a:r>
+          </a:p>
+          <a:p>
+            <a:r>
+              <a:rPr lang="en-US" sz="2400" dirty="0"/>
+              <a:t>If you encounter any problems, try to summarize them in slides too </a:t>
+            </a:r>
+          </a:p>
+          <a:p>
+            <a:r>
+              <a:rPr lang="en-US" sz="2400" dirty="0">
+                <a:solidFill>
+                  <a:srgbClr val="0000FF"/>
+                </a:solidFill>
+              </a:rPr>
+              <a:t>This will help you familiarize with the standard pipelines </a:t>
+            </a:r>
           </a:p>
         </p:txBody>
       </p:sp>
     </p:spTree>
     <p:extLst>
       <p:ext uri="{BB962C8B-B14F-4D97-AF65-F5344CB8AC3E}">
-        <p14:creationId xmlns:p14="http://schemas.microsoft.com/office/powerpoint/2010/main" val="2283639848"/>
+        <p14:creationId xmlns:p14="http://schemas.microsoft.com/office/powerpoint/2010/main" val="2608683107"/>
       </p:ext>
     </p:extLst>
   </p:cSld>
@@ -3189,10 +3314,1120 @@
           <a:lstStyle/>
           <a:p>
             <a:r>
-              <a:rPr lang="en-US" dirty="0" smtClean="0"/>
+              <a:rPr lang="en-US" dirty="0">
+                <a:solidFill>
+                  <a:srgbClr val="FF0000"/>
+                </a:solidFill>
+              </a:rPr>
+              <a:t>Method 1: </a:t>
+            </a:r>
+            <a:r>
+              <a:rPr lang="en-US" dirty="0" err="1">
+                <a:solidFill>
+                  <a:srgbClr val="FF0000"/>
+                </a:solidFill>
+              </a:rPr>
+              <a:t>DeepFool</a:t>
+            </a:r>
+            <a:r>
+              <a:rPr lang="en-US" dirty="0">
+                <a:solidFill>
+                  <a:srgbClr val="FF0000"/>
+                </a:solidFill>
+              </a:rPr>
+              <a:t> (Instructions)</a:t>
+            </a:r>
+            <a:endParaRPr lang="en-US" dirty="0"/>
+          </a:p>
+        </p:txBody>
+      </p:sp>
+      <p:sp>
+        <p:nvSpPr>
+          <p:cNvPr id="8" name="Rounded Rectangle 7"/>
+          <p:cNvSpPr/>
+          <p:nvPr/>
+        </p:nvSpPr>
+        <p:spPr>
+          <a:xfrm>
+            <a:off x="838200" y="1681978"/>
+            <a:ext cx="3126378" cy="844732"/>
+          </a:xfrm>
+          <a:prstGeom prst="roundRect">
+            <a:avLst/>
+          </a:prstGeom>
+        </p:spPr>
+        <p:style>
+          <a:lnRef idx="2">
+            <a:schemeClr val="dk1"/>
+          </a:lnRef>
+          <a:fillRef idx="1">
+            <a:schemeClr val="lt1"/>
+          </a:fillRef>
+          <a:effectRef idx="0">
+            <a:schemeClr val="dk1"/>
+          </a:effectRef>
+          <a:fontRef idx="minor">
+            <a:schemeClr val="dk1"/>
+          </a:fontRef>
+        </p:style>
+        <p:txBody>
+          <a:bodyPr rtlCol="0" anchor="ctr"/>
+          <a:lstStyle/>
+          <a:p>
+            <a:pPr algn="ctr"/>
+            <a:r>
+              <a:rPr lang="en-US" dirty="0"/>
+              <a:t>Step 1. Train a neural network classifier on a dataset</a:t>
+            </a:r>
+          </a:p>
+        </p:txBody>
+      </p:sp>
+      <p:sp>
+        <p:nvSpPr>
+          <p:cNvPr id="9" name="Rounded Rectangle 8"/>
+          <p:cNvSpPr/>
+          <p:nvPr/>
+        </p:nvSpPr>
+        <p:spPr>
+          <a:xfrm>
+            <a:off x="4654731" y="1690688"/>
+            <a:ext cx="2882537" cy="844732"/>
+          </a:xfrm>
+          <a:prstGeom prst="roundRect">
+            <a:avLst/>
+          </a:prstGeom>
+        </p:spPr>
+        <p:style>
+          <a:lnRef idx="2">
+            <a:schemeClr val="dk1"/>
+          </a:lnRef>
+          <a:fillRef idx="1">
+            <a:schemeClr val="lt1"/>
+          </a:fillRef>
+          <a:effectRef idx="0">
+            <a:schemeClr val="dk1"/>
+          </a:effectRef>
+          <a:fontRef idx="minor">
+            <a:schemeClr val="dk1"/>
+          </a:fontRef>
+        </p:style>
+        <p:txBody>
+          <a:bodyPr rtlCol="0" anchor="ctr"/>
+          <a:lstStyle/>
+          <a:p>
+            <a:pPr algn="ctr"/>
+            <a:r>
+              <a:rPr lang="en-US" dirty="0"/>
+              <a:t>Step 2. Craft adversarial examples via methods 1-4</a:t>
+            </a:r>
+          </a:p>
+        </p:txBody>
+      </p:sp>
+      <p:sp>
+        <p:nvSpPr>
+          <p:cNvPr id="10" name="TextBox 9"/>
+          <p:cNvSpPr txBox="1"/>
+          <p:nvPr/>
+        </p:nvSpPr>
+        <p:spPr>
+          <a:xfrm>
+            <a:off x="683621" y="2697204"/>
+            <a:ext cx="3640182" cy="3970318"/>
+          </a:xfrm>
+          <a:prstGeom prst="rect">
+            <a:avLst/>
+          </a:prstGeom>
+          <a:solidFill>
+            <a:schemeClr val="accent6">
+              <a:lumMod val="20000"/>
+              <a:lumOff val="80000"/>
+            </a:schemeClr>
+          </a:solidFill>
+        </p:spPr>
+        <p:txBody>
+          <a:bodyPr wrap="square" rtlCol="0">
+            <a:spAutoFit/>
+          </a:bodyPr>
+          <a:lstStyle/>
+          <a:p>
+            <a:pPr marL="285750" indent="-285750">
+              <a:buFont typeface="Arial" panose="020B0604020202020204" pitchFamily="34" charset="0"/>
+              <a:buChar char="•"/>
+            </a:pPr>
+            <a:r>
+              <a:rPr lang="en-US" dirty="0"/>
+              <a:t>Dataset</a:t>
+            </a:r>
+          </a:p>
+          <a:p>
+            <a:pPr marL="742950" lvl="1" indent="-285750">
+              <a:buFont typeface="Arial" panose="020B0604020202020204" pitchFamily="34" charset="0"/>
+              <a:buChar char="•"/>
+            </a:pPr>
+            <a:r>
+              <a:rPr lang="en-US" dirty="0" err="1"/>
+              <a:t>mnist</a:t>
+            </a:r>
+            <a:r>
+              <a:rPr lang="en-US" dirty="0"/>
+              <a:t>, </a:t>
+            </a:r>
+            <a:r>
+              <a:rPr lang="en-US" dirty="0" err="1"/>
+              <a:t>cifar</a:t>
+            </a:r>
+            <a:r>
+              <a:rPr lang="en-US" dirty="0"/>
+              <a:t>, </a:t>
+            </a:r>
+            <a:r>
+              <a:rPr lang="en-US" dirty="0" err="1"/>
+              <a:t>imagenet</a:t>
+            </a:r>
+            <a:endParaRPr lang="en-US" dirty="0"/>
+          </a:p>
+          <a:p>
+            <a:pPr marL="285750" indent="-285750">
+              <a:buFont typeface="Arial" panose="020B0604020202020204" pitchFamily="34" charset="0"/>
+              <a:buChar char="•"/>
+            </a:pPr>
+            <a:r>
+              <a:rPr lang="en-US" dirty="0"/>
+              <a:t>Network architecture</a:t>
+            </a:r>
+          </a:p>
+          <a:p>
+            <a:pPr marL="742950" lvl="1" indent="-285750">
+              <a:buFont typeface="Arial" panose="020B0604020202020204" pitchFamily="34" charset="0"/>
+              <a:buChar char="•"/>
+            </a:pPr>
+            <a:r>
+              <a:rPr lang="en-US" dirty="0"/>
+              <a:t>MLP, CNN, </a:t>
+            </a:r>
+            <a:r>
+              <a:rPr lang="en-US" dirty="0" err="1"/>
+              <a:t>ResNet</a:t>
+            </a:r>
+            <a:endParaRPr lang="en-US" dirty="0"/>
+          </a:p>
+          <a:p>
+            <a:pPr marL="742950" lvl="1" indent="-285750">
+              <a:buFont typeface="Arial" panose="020B0604020202020204" pitchFamily="34" charset="0"/>
+              <a:buChar char="•"/>
+            </a:pPr>
+            <a:r>
+              <a:rPr lang="en-US" dirty="0"/>
+              <a:t># of layers, neurons</a:t>
+            </a:r>
+          </a:p>
+          <a:p>
+            <a:pPr marL="742950" lvl="1" indent="-285750">
+              <a:buFont typeface="Arial" panose="020B0604020202020204" pitchFamily="34" charset="0"/>
+              <a:buChar char="•"/>
+            </a:pPr>
+            <a:r>
+              <a:rPr lang="en-US" dirty="0"/>
+              <a:t>Activation function</a:t>
+            </a:r>
+          </a:p>
+          <a:p>
+            <a:pPr marL="285750" indent="-285750">
+              <a:buFont typeface="Arial" panose="020B0604020202020204" pitchFamily="34" charset="0"/>
+              <a:buChar char="•"/>
+            </a:pPr>
+            <a:r>
+              <a:rPr lang="en-US" dirty="0"/>
+              <a:t>Packages</a:t>
+            </a:r>
+          </a:p>
+          <a:p>
+            <a:pPr marL="742950" lvl="1" indent="-285750">
+              <a:buFont typeface="Arial" panose="020B0604020202020204" pitchFamily="34" charset="0"/>
+              <a:buChar char="•"/>
+            </a:pPr>
+            <a:r>
+              <a:rPr lang="en-US" dirty="0" err="1"/>
+              <a:t>Tensorflow</a:t>
+            </a:r>
+            <a:r>
+              <a:rPr lang="en-US" dirty="0"/>
+              <a:t>, </a:t>
+            </a:r>
+            <a:r>
+              <a:rPr lang="en-US" dirty="0" err="1"/>
+              <a:t>pytorch</a:t>
+            </a:r>
+            <a:endParaRPr lang="en-US" dirty="0"/>
+          </a:p>
+          <a:p>
+            <a:pPr marL="285750" indent="-285750">
+              <a:buFont typeface="Arial" panose="020B0604020202020204" pitchFamily="34" charset="0"/>
+              <a:buChar char="•"/>
+            </a:pPr>
+            <a:r>
+              <a:rPr lang="en-US" dirty="0"/>
+              <a:t>Machine</a:t>
+            </a:r>
+          </a:p>
+          <a:p>
+            <a:pPr marL="742950" lvl="1" indent="-285750">
+              <a:buFont typeface="Arial" panose="020B0604020202020204" pitchFamily="34" charset="0"/>
+              <a:buChar char="•"/>
+            </a:pPr>
+            <a:r>
+              <a:rPr lang="en-US" dirty="0"/>
+              <a:t>CPU, GPU spec</a:t>
+            </a:r>
+          </a:p>
+          <a:p>
+            <a:pPr marL="285750" indent="-285750">
+              <a:buFont typeface="Arial" panose="020B0604020202020204" pitchFamily="34" charset="0"/>
+              <a:buChar char="•"/>
+            </a:pPr>
+            <a:r>
+              <a:rPr lang="en-US" dirty="0"/>
+              <a:t>Training algorithms</a:t>
+            </a:r>
+          </a:p>
+          <a:p>
+            <a:pPr marL="742950" lvl="1" indent="-285750">
+              <a:buFont typeface="Arial" panose="020B0604020202020204" pitchFamily="34" charset="0"/>
+              <a:buChar char="•"/>
+            </a:pPr>
+            <a:r>
+              <a:rPr lang="en-US" dirty="0"/>
+              <a:t>SGD, learning rate, epochs</a:t>
+            </a:r>
+          </a:p>
+          <a:p>
+            <a:pPr marL="285750" indent="-285750">
+              <a:buFont typeface="Arial" panose="020B0604020202020204" pitchFamily="34" charset="0"/>
+              <a:buChar char="•"/>
+            </a:pPr>
+            <a:r>
+              <a:rPr lang="en-US" dirty="0"/>
+              <a:t>Performance criteria</a:t>
+            </a:r>
+          </a:p>
+          <a:p>
+            <a:pPr marL="742950" lvl="1" indent="-285750">
+              <a:buFont typeface="Arial" panose="020B0604020202020204" pitchFamily="34" charset="0"/>
+              <a:buChar char="•"/>
+            </a:pPr>
+            <a:r>
+              <a:rPr lang="en-US" dirty="0"/>
+              <a:t>Test set accuracy</a:t>
+            </a:r>
+          </a:p>
+        </p:txBody>
+      </p:sp>
+      <mc:AlternateContent xmlns:mc="http://schemas.openxmlformats.org/markup-compatibility/2006" xmlns:a14="http://schemas.microsoft.com/office/drawing/2010/main">
+        <mc:Choice Requires="a14">
+          <p:sp>
+            <p:nvSpPr>
+              <p:cNvPr id="11" name="TextBox 10"/>
+              <p:cNvSpPr txBox="1"/>
+              <p:nvPr/>
+            </p:nvSpPr>
+            <p:spPr>
+              <a:xfrm>
+                <a:off x="4654731" y="2697204"/>
+                <a:ext cx="2978332" cy="3139321"/>
+              </a:xfrm>
+              <a:prstGeom prst="rect">
+                <a:avLst/>
+              </a:prstGeom>
+              <a:solidFill>
+                <a:schemeClr val="accent6">
+                  <a:lumMod val="20000"/>
+                  <a:lumOff val="80000"/>
+                </a:schemeClr>
+              </a:solidFill>
+            </p:spPr>
+            <p:txBody>
+              <a:bodyPr wrap="square" rtlCol="0">
+                <a:spAutoFit/>
+              </a:bodyPr>
+              <a:lstStyle/>
+              <a:p>
+                <a:pPr marL="285750" indent="-285750">
+                  <a:buFont typeface="Arial" panose="020B0604020202020204" pitchFamily="34" charset="0"/>
+                  <a:buChar char="•"/>
+                </a:pPr>
+                <a:r>
+                  <a:rPr lang="en-US" dirty="0"/>
+                  <a:t>Methods</a:t>
+                </a:r>
+              </a:p>
+              <a:p>
+                <a:pPr marL="742950" lvl="1" indent="-285750">
+                  <a:buFont typeface="Arial" panose="020B0604020202020204" pitchFamily="34" charset="0"/>
+                  <a:buChar char="•"/>
+                </a:pPr>
+                <a:r>
+                  <a:rPr lang="en-US" dirty="0" err="1"/>
+                  <a:t>DeepFool</a:t>
+                </a:r>
+                <a:r>
+                  <a:rPr lang="en-US" dirty="0"/>
+                  <a:t>, FGSM</a:t>
+                </a:r>
+              </a:p>
+              <a:p>
+                <a:pPr marL="742950" lvl="1" indent="-285750">
+                  <a:buFont typeface="Arial" panose="020B0604020202020204" pitchFamily="34" charset="0"/>
+                  <a:buChar char="•"/>
+                </a:pPr>
+                <a:r>
+                  <a:rPr lang="en-US" dirty="0"/>
+                  <a:t>I-FGSM, CW</a:t>
+                </a:r>
+              </a:p>
+              <a:p>
+                <a:pPr marL="285750" indent="-285750">
+                  <a:buFont typeface="Arial" panose="020B0604020202020204" pitchFamily="34" charset="0"/>
+                  <a:buChar char="•"/>
+                </a:pPr>
+                <a:r>
+                  <a:rPr lang="en-US" dirty="0"/>
+                  <a:t>Distance metric</a:t>
+                </a:r>
+              </a:p>
+              <a:p>
+                <a:pPr marL="742950" lvl="1" indent="-285750">
+                  <a:buFont typeface="Arial" panose="020B0604020202020204" pitchFamily="34" charset="0"/>
+                  <a:buChar char="•"/>
+                </a:pPr>
+                <a:r>
+                  <a:rPr lang="en-US" dirty="0" err="1"/>
+                  <a:t>L</a:t>
+                </a:r>
+                <a14:m>
+                  <m:oMath xmlns:m="http://schemas.openxmlformats.org/officeDocument/2006/math">
+                    <m:r>
+                      <a:rPr lang="en-US" b="0" i="1" baseline="-25000" dirty="0" smtClean="0">
+                        <a:latin typeface="Cambria Math" panose="02040503050406030204" pitchFamily="18" charset="0"/>
+                      </a:rPr>
+                      <m:t>∞</m:t>
+                    </m:r>
+                  </m:oMath>
+                </a14:m>
+                <a:r>
+                  <a:rPr lang="en-US" dirty="0"/>
+                  <a:t>, L</a:t>
+                </a:r>
+                <a:r>
+                  <a:rPr lang="en-US" baseline="-25000" dirty="0"/>
+                  <a:t>2</a:t>
+                </a:r>
+                <a:r>
+                  <a:rPr lang="en-US" dirty="0"/>
+                  <a:t>, L</a:t>
+                </a:r>
+                <a:r>
+                  <a:rPr lang="en-US" baseline="-25000" dirty="0"/>
+                  <a:t>1</a:t>
+                </a:r>
+                <a:r>
+                  <a:rPr lang="en-US" dirty="0"/>
+                  <a:t>, L</a:t>
+                </a:r>
+                <a:r>
+                  <a:rPr lang="en-US" baseline="-25000" dirty="0"/>
+                  <a:t>0</a:t>
+                </a:r>
+              </a:p>
+              <a:p>
+                <a:pPr marL="285750" indent="-285750">
+                  <a:buFont typeface="Arial" panose="020B0604020202020204" pitchFamily="34" charset="0"/>
+                  <a:buChar char="•"/>
+                </a:pPr>
+                <a:r>
+                  <a:rPr lang="en-US" dirty="0"/>
+                  <a:t>Performance criteria</a:t>
+                </a:r>
+              </a:p>
+              <a:p>
+                <a:pPr marL="742950" lvl="1" indent="-285750">
+                  <a:buFont typeface="Arial" panose="020B0604020202020204" pitchFamily="34" charset="0"/>
+                  <a:buChar char="•"/>
+                </a:pPr>
+                <a:r>
+                  <a:rPr lang="en-US" dirty="0"/>
+                  <a:t>distortion of each image</a:t>
+                </a:r>
+              </a:p>
+              <a:p>
+                <a:pPr marL="742950" lvl="1" indent="-285750">
+                  <a:buFont typeface="Arial" panose="020B0604020202020204" pitchFamily="34" charset="0"/>
+                  <a:buChar char="•"/>
+                </a:pPr>
+                <a:r>
+                  <a:rPr lang="en-US" dirty="0"/>
+                  <a:t>average distortion </a:t>
+                </a:r>
+              </a:p>
+              <a:p>
+                <a:pPr marL="742950" lvl="1" indent="-285750">
+                  <a:buFont typeface="Arial" panose="020B0604020202020204" pitchFamily="34" charset="0"/>
+                  <a:buChar char="•"/>
+                </a:pPr>
+                <a:r>
+                  <a:rPr lang="en-US" dirty="0"/>
+                  <a:t>Success rate </a:t>
+                </a:r>
+              </a:p>
+              <a:p>
+                <a:pPr marL="742950" lvl="1" indent="-285750">
+                  <a:buFont typeface="Arial" panose="020B0604020202020204" pitchFamily="34" charset="0"/>
+                  <a:buChar char="•"/>
+                </a:pPr>
+                <a:endParaRPr lang="en-US" dirty="0"/>
+              </a:p>
+            </p:txBody>
+          </p:sp>
+        </mc:Choice>
+        <mc:Fallback xmlns="">
+          <p:sp>
+            <p:nvSpPr>
+              <p:cNvPr id="11" name="TextBox 10"/>
+              <p:cNvSpPr txBox="1">
+                <a:spLocks noRot="1" noChangeAspect="1" noMove="1" noResize="1" noEditPoints="1" noAdjustHandles="1" noChangeArrowheads="1" noChangeShapeType="1" noTextEdit="1"/>
+              </p:cNvSpPr>
+              <p:nvPr/>
+            </p:nvSpPr>
+            <p:spPr>
+              <a:xfrm>
+                <a:off x="4654731" y="2697204"/>
+                <a:ext cx="2978332" cy="3139321"/>
+              </a:xfrm>
+              <a:prstGeom prst="rect">
+                <a:avLst/>
+              </a:prstGeom>
+              <a:blipFill>
+                <a:blip r:embed="rId2"/>
+                <a:stretch>
+                  <a:fillRect l="-1434" t="-971"/>
+                </a:stretch>
+              </a:blipFill>
+            </p:spPr>
+            <p:txBody>
+              <a:bodyPr/>
+              <a:lstStyle/>
+              <a:p>
+                <a:r>
+                  <a:rPr lang="en-US">
+                    <a:noFill/>
+                  </a:rPr>
+                  <a:t> </a:t>
+                </a:r>
+              </a:p>
+            </p:txBody>
+          </p:sp>
+        </mc:Fallback>
+      </mc:AlternateContent>
+      <mc:AlternateContent xmlns:mc="http://schemas.openxmlformats.org/markup-compatibility/2006" xmlns:a14="http://schemas.microsoft.com/office/drawing/2010/main">
+        <mc:Choice Requires="a14">
+          <p:sp>
+            <p:nvSpPr>
+              <p:cNvPr id="12" name="TextBox 11"/>
+              <p:cNvSpPr txBox="1"/>
+              <p:nvPr/>
+            </p:nvSpPr>
+            <p:spPr>
+              <a:xfrm>
+                <a:off x="8094617" y="1881049"/>
+                <a:ext cx="3914503" cy="4062651"/>
+              </a:xfrm>
+              <a:prstGeom prst="rect">
+                <a:avLst/>
+              </a:prstGeom>
+              <a:solidFill>
+                <a:schemeClr val="accent4">
+                  <a:lumMod val="20000"/>
+                  <a:lumOff val="80000"/>
+                </a:schemeClr>
+              </a:solidFill>
+            </p:spPr>
+            <p:txBody>
+              <a:bodyPr wrap="square" rtlCol="0">
+                <a:spAutoFit/>
+              </a:bodyPr>
+              <a:lstStyle/>
+              <a:p>
+                <a:r>
+                  <a:rPr lang="en-US" sz="2400" b="1" dirty="0">
+                    <a:solidFill>
+                      <a:srgbClr val="FF0000"/>
+                    </a:solidFill>
+                  </a:rPr>
+                  <a:t>The Pipeline: </a:t>
+                </a:r>
+              </a:p>
+              <a:p>
+                <a:r>
+                  <a:rPr lang="en-US" dirty="0"/>
+                  <a:t>For each method,</a:t>
+                </a:r>
+              </a:p>
+              <a:p>
+                <a:pPr marL="342900" indent="-342900">
+                  <a:buAutoNum type="alphaLcParenBoth"/>
+                </a:pPr>
+                <a:r>
+                  <a:rPr lang="en-US" dirty="0"/>
+                  <a:t>First use available models from the codes and do Step 2 to make sure we can run the codes</a:t>
+                </a:r>
+              </a:p>
+              <a:p>
+                <a:pPr marL="342900" indent="-342900">
+                  <a:buAutoNum type="alphaLcParenBoth"/>
+                </a:pPr>
+                <a:r>
+                  <a:rPr lang="en-US" dirty="0"/>
+                  <a:t>Second, go to Step 1 and start from simplest dataset (MNIST and CIFAR) and train a NN-classifier ourselves </a:t>
+                </a:r>
+              </a:p>
+              <a:p>
+                <a:pPr marL="342900" indent="-342900">
+                  <a:buAutoNum type="alphaLcParenBoth"/>
+                </a:pPr>
+                <a:r>
+                  <a:rPr lang="en-US" dirty="0"/>
+                  <a:t>Use the model that we trained in Step 1 and craft adversarial examples for distance L</a:t>
+                </a:r>
+                <a14:m>
+                  <m:oMath xmlns:m="http://schemas.openxmlformats.org/officeDocument/2006/math">
+                    <m:r>
+                      <a:rPr lang="en-US" b="0" i="1" baseline="-25000" dirty="0" smtClean="0">
+                        <a:latin typeface="Cambria Math" panose="02040503050406030204" pitchFamily="18" charset="0"/>
+                      </a:rPr>
+                      <m:t>∞</m:t>
+                    </m:r>
+                  </m:oMath>
+                </a14:m>
+                <a:r>
+                  <a:rPr lang="en-US" dirty="0"/>
+                  <a:t>, and/or L</a:t>
+                </a:r>
+                <a:r>
+                  <a:rPr lang="en-US" baseline="-25000" dirty="0"/>
+                  <a:t>2</a:t>
+                </a:r>
+              </a:p>
+              <a:p>
+                <a:pPr marL="342900" indent="-342900">
+                  <a:buAutoNum type="alphaLcParenBoth"/>
+                </a:pPr>
+                <a:r>
+                  <a:rPr lang="en-US" dirty="0"/>
+                  <a:t>Evaluate the crafting results in Step 2 and summarize all the parameters/results in the slides</a:t>
+                </a:r>
+              </a:p>
+            </p:txBody>
+          </p:sp>
+        </mc:Choice>
+        <mc:Fallback xmlns="">
+          <p:sp>
+            <p:nvSpPr>
+              <p:cNvPr id="12" name="TextBox 11"/>
+              <p:cNvSpPr txBox="1">
+                <a:spLocks noRot="1" noChangeAspect="1" noMove="1" noResize="1" noEditPoints="1" noAdjustHandles="1" noChangeArrowheads="1" noChangeShapeType="1" noTextEdit="1"/>
+              </p:cNvSpPr>
+              <p:nvPr/>
+            </p:nvSpPr>
+            <p:spPr>
+              <a:xfrm>
+                <a:off x="8094617" y="1881049"/>
+                <a:ext cx="3914503" cy="4062651"/>
+              </a:xfrm>
+              <a:prstGeom prst="rect">
+                <a:avLst/>
+              </a:prstGeom>
+              <a:blipFill>
+                <a:blip r:embed="rId3"/>
+                <a:stretch>
+                  <a:fillRect l="-2492" t="-1201" r="-467" b="-1502"/>
+                </a:stretch>
+              </a:blipFill>
+            </p:spPr>
+            <p:txBody>
+              <a:bodyPr/>
+              <a:lstStyle/>
+              <a:p>
+                <a:r>
+                  <a:rPr lang="en-US">
+                    <a:noFill/>
+                  </a:rPr>
+                  <a:t> </a:t>
+                </a:r>
+              </a:p>
+            </p:txBody>
+          </p:sp>
+        </mc:Fallback>
+      </mc:AlternateContent>
+    </p:spTree>
+    <p:extLst>
+      <p:ext uri="{BB962C8B-B14F-4D97-AF65-F5344CB8AC3E}">
+        <p14:creationId xmlns:p14="http://schemas.microsoft.com/office/powerpoint/2010/main" val="1263648481"/>
+      </p:ext>
+    </p:extLst>
+  </p:cSld>
+  <p:clrMapOvr>
+    <a:masterClrMapping/>
+  </p:clrMapOvr>
+</p:sld>
+</file>
+
+<file path=ppt/slides/slide12.xml><?xml version="1.0" encoding="utf-8"?>
+<p:sld xmlns:a="http://schemas.openxmlformats.org/drawingml/2006/main" xmlns:r="http://schemas.openxmlformats.org/officeDocument/2006/relationships" xmlns:p="http://schemas.openxmlformats.org/presentationml/2006/main">
+  <p:cSld>
+    <p:spTree>
+      <p:nvGrpSpPr>
+        <p:cNvPr id="1" name=""/>
+        <p:cNvGrpSpPr/>
+        <p:nvPr/>
+      </p:nvGrpSpPr>
+      <p:grpSpPr>
+        <a:xfrm>
+          <a:off x="0" y="0"/>
+          <a:ext cx="0" cy="0"/>
+          <a:chOff x="0" y="0"/>
+          <a:chExt cx="0" cy="0"/>
+        </a:xfrm>
+      </p:grpSpPr>
+      <p:sp>
+        <p:nvSpPr>
+          <p:cNvPr id="2" name="Title 1"/>
+          <p:cNvSpPr>
+            <a:spLocks noGrp="1"/>
+          </p:cNvSpPr>
+          <p:nvPr>
+            <p:ph type="title"/>
+          </p:nvPr>
+        </p:nvSpPr>
+        <p:spPr/>
+        <p:txBody>
+          <a:bodyPr/>
+          <a:lstStyle/>
+          <a:p>
+            <a:r>
+              <a:rPr lang="en-US" dirty="0">
+                <a:solidFill>
+                  <a:srgbClr val="FF0000"/>
+                </a:solidFill>
+              </a:rPr>
+              <a:t>Result presentation example (final presentation of this semester’s result)</a:t>
+            </a:r>
+          </a:p>
+        </p:txBody>
+      </p:sp>
+      <p:sp>
+        <p:nvSpPr>
+          <p:cNvPr id="6" name="Text Placeholder 5"/>
+          <p:cNvSpPr>
+            <a:spLocks noGrp="1"/>
+          </p:cNvSpPr>
+          <p:nvPr>
+            <p:ph type="body" idx="1"/>
+          </p:nvPr>
+        </p:nvSpPr>
+        <p:spPr/>
+        <p:txBody>
+          <a:bodyPr/>
+          <a:lstStyle/>
+          <a:p>
+            <a:r>
+              <a:rPr lang="en-US" dirty="0"/>
+              <a:t>1. Visual illustration</a:t>
+            </a:r>
+          </a:p>
+        </p:txBody>
+      </p:sp>
+      <p:sp>
+        <p:nvSpPr>
+          <p:cNvPr id="8" name="Text Placeholder 7"/>
+          <p:cNvSpPr>
+            <a:spLocks noGrp="1"/>
+          </p:cNvSpPr>
+          <p:nvPr>
+            <p:ph type="body" sz="quarter" idx="3"/>
+          </p:nvPr>
+        </p:nvSpPr>
+        <p:spPr/>
+        <p:txBody>
+          <a:bodyPr/>
+          <a:lstStyle/>
+          <a:p>
+            <a:r>
+              <a:rPr lang="en-US" dirty="0"/>
+              <a:t>2. Quantitative analysis</a:t>
+            </a:r>
+          </a:p>
+        </p:txBody>
+      </p:sp>
+      <p:pic>
+        <p:nvPicPr>
+          <p:cNvPr id="12" name="Content Placeholder 3"/>
+          <p:cNvPicPr>
+            <a:picLocks noGrp="1" noChangeAspect="1"/>
+          </p:cNvPicPr>
+          <p:nvPr>
+            <p:ph sz="half" idx="2"/>
+          </p:nvPr>
+        </p:nvPicPr>
+        <p:blipFill rotWithShape="1">
+          <a:blip r:embed="rId2"/>
+          <a:srcRect l="13893" t="41789" r="75921" b="21576"/>
+          <a:stretch/>
+        </p:blipFill>
+        <p:spPr>
+          <a:xfrm>
+            <a:off x="1675633" y="2663301"/>
+            <a:ext cx="3486096" cy="3526362"/>
+          </a:xfrm>
+          <a:prstGeom prst="rect">
+            <a:avLst/>
+          </a:prstGeom>
+        </p:spPr>
+      </p:pic>
+      <p:pic>
+        <p:nvPicPr>
+          <p:cNvPr id="15" name="Content Placeholder 12"/>
+          <p:cNvPicPr>
+            <a:picLocks noGrp="1" noChangeAspect="1"/>
+          </p:cNvPicPr>
+          <p:nvPr>
+            <p:ph sz="quarter" idx="4"/>
+          </p:nvPr>
+        </p:nvPicPr>
+        <p:blipFill rotWithShape="1">
+          <a:blip r:embed="rId3"/>
+          <a:srcRect l="13147" t="46890" r="75092" b="20851"/>
+          <a:stretch/>
+        </p:blipFill>
+        <p:spPr>
+          <a:xfrm>
+            <a:off x="6612942" y="2688127"/>
+            <a:ext cx="4301703" cy="3318483"/>
+          </a:xfrm>
+          <a:prstGeom prst="rect">
+            <a:avLst/>
+          </a:prstGeom>
+        </p:spPr>
+      </p:pic>
+      <p:sp>
+        <p:nvSpPr>
+          <p:cNvPr id="16" name="TextBox 15"/>
+          <p:cNvSpPr txBox="1"/>
+          <p:nvPr/>
+        </p:nvSpPr>
+        <p:spPr>
+          <a:xfrm>
+            <a:off x="6522718" y="2510790"/>
+            <a:ext cx="4241075" cy="369332"/>
+          </a:xfrm>
+          <a:prstGeom prst="rect">
+            <a:avLst/>
+          </a:prstGeom>
+          <a:noFill/>
+        </p:spPr>
+        <p:txBody>
+          <a:bodyPr wrap="square" rtlCol="0">
+            <a:spAutoFit/>
+          </a:bodyPr>
+          <a:lstStyle/>
+          <a:p>
+            <a:r>
+              <a:rPr lang="en-US" dirty="0"/>
+              <a:t>Average distortion, success rate, </a:t>
+            </a:r>
+            <a:r>
+              <a:rPr lang="en-US" dirty="0" err="1"/>
+              <a:t>etc</a:t>
+            </a:r>
+            <a:r>
+              <a:rPr lang="en-US" dirty="0"/>
+              <a:t> </a:t>
+            </a:r>
+          </a:p>
+        </p:txBody>
+      </p:sp>
+    </p:spTree>
+    <p:extLst>
+      <p:ext uri="{BB962C8B-B14F-4D97-AF65-F5344CB8AC3E}">
+        <p14:creationId xmlns:p14="http://schemas.microsoft.com/office/powerpoint/2010/main" val="3469207618"/>
+      </p:ext>
+    </p:extLst>
+  </p:cSld>
+  <p:clrMapOvr>
+    <a:masterClrMapping/>
+  </p:clrMapOvr>
+</p:sld>
+</file>
+
+<file path=ppt/slides/slide13.xml><?xml version="1.0" encoding="utf-8"?>
+<p:sld xmlns:a="http://schemas.openxmlformats.org/drawingml/2006/main" xmlns:r="http://schemas.openxmlformats.org/officeDocument/2006/relationships" xmlns:p="http://schemas.openxmlformats.org/presentationml/2006/main">
+  <p:cSld>
+    <p:spTree>
+      <p:nvGrpSpPr>
+        <p:cNvPr id="1" name=""/>
+        <p:cNvGrpSpPr/>
+        <p:nvPr/>
+      </p:nvGrpSpPr>
+      <p:grpSpPr>
+        <a:xfrm>
+          <a:off x="0" y="0"/>
+          <a:ext cx="0" cy="0"/>
+          <a:chOff x="0" y="0"/>
+          <a:chExt cx="0" cy="0"/>
+        </a:xfrm>
+      </p:grpSpPr>
+      <p:sp>
+        <p:nvSpPr>
+          <p:cNvPr id="2" name="Title 1"/>
+          <p:cNvSpPr>
+            <a:spLocks noGrp="1"/>
+          </p:cNvSpPr>
+          <p:nvPr>
+            <p:ph type="title"/>
+          </p:nvPr>
+        </p:nvSpPr>
+        <p:spPr/>
+        <p:txBody>
+          <a:bodyPr/>
+          <a:lstStyle/>
+          <a:p>
+            <a:r>
+              <a:rPr lang="en-US" dirty="0">
+                <a:solidFill>
+                  <a:srgbClr val="FF0000"/>
+                </a:solidFill>
+              </a:rPr>
+              <a:t>Method 2: FGSM</a:t>
+            </a:r>
+          </a:p>
+        </p:txBody>
+      </p:sp>
+      <p:sp>
+        <p:nvSpPr>
+          <p:cNvPr id="3" name="Content Placeholder 2"/>
+          <p:cNvSpPr>
+            <a:spLocks noGrp="1"/>
+          </p:cNvSpPr>
+          <p:nvPr>
+            <p:ph idx="1"/>
+          </p:nvPr>
+        </p:nvSpPr>
+        <p:spPr/>
+        <p:txBody>
+          <a:bodyPr/>
+          <a:lstStyle/>
+          <a:p>
+            <a:endParaRPr lang="en-US"/>
+          </a:p>
+        </p:txBody>
+      </p:sp>
+    </p:spTree>
+    <p:extLst>
+      <p:ext uri="{BB962C8B-B14F-4D97-AF65-F5344CB8AC3E}">
+        <p14:creationId xmlns:p14="http://schemas.microsoft.com/office/powerpoint/2010/main" val="398368996"/>
+      </p:ext>
+    </p:extLst>
+  </p:cSld>
+  <p:clrMapOvr>
+    <a:masterClrMapping/>
+  </p:clrMapOvr>
+</p:sld>
+</file>
+
+<file path=ppt/slides/slide14.xml><?xml version="1.0" encoding="utf-8"?>
+<p:sld xmlns:a="http://schemas.openxmlformats.org/drawingml/2006/main" xmlns:r="http://schemas.openxmlformats.org/officeDocument/2006/relationships" xmlns:p="http://schemas.openxmlformats.org/presentationml/2006/main">
+  <p:cSld>
+    <p:spTree>
+      <p:nvGrpSpPr>
+        <p:cNvPr id="1" name=""/>
+        <p:cNvGrpSpPr/>
+        <p:nvPr/>
+      </p:nvGrpSpPr>
+      <p:grpSpPr>
+        <a:xfrm>
+          <a:off x="0" y="0"/>
+          <a:ext cx="0" cy="0"/>
+          <a:chOff x="0" y="0"/>
+          <a:chExt cx="0" cy="0"/>
+        </a:xfrm>
+      </p:grpSpPr>
+      <p:sp>
+        <p:nvSpPr>
+          <p:cNvPr id="2" name="Title 1"/>
+          <p:cNvSpPr>
+            <a:spLocks noGrp="1"/>
+          </p:cNvSpPr>
+          <p:nvPr>
+            <p:ph type="title"/>
+          </p:nvPr>
+        </p:nvSpPr>
+        <p:spPr/>
+        <p:txBody>
+          <a:bodyPr/>
+          <a:lstStyle/>
+          <a:p>
+            <a:r>
+              <a:rPr lang="en-US" dirty="0">
+                <a:solidFill>
+                  <a:srgbClr val="FF0000"/>
+                </a:solidFill>
+              </a:rPr>
+              <a:t>Method 3: I-FGSM</a:t>
+            </a:r>
+          </a:p>
+        </p:txBody>
+      </p:sp>
+      <p:sp>
+        <p:nvSpPr>
+          <p:cNvPr id="3" name="Content Placeholder 2"/>
+          <p:cNvSpPr>
+            <a:spLocks noGrp="1"/>
+          </p:cNvSpPr>
+          <p:nvPr>
+            <p:ph idx="1"/>
+          </p:nvPr>
+        </p:nvSpPr>
+        <p:spPr/>
+        <p:txBody>
+          <a:bodyPr/>
+          <a:lstStyle/>
+          <a:p>
+            <a:endParaRPr lang="en-US"/>
+          </a:p>
+        </p:txBody>
+      </p:sp>
+    </p:spTree>
+    <p:extLst>
+      <p:ext uri="{BB962C8B-B14F-4D97-AF65-F5344CB8AC3E}">
+        <p14:creationId xmlns:p14="http://schemas.microsoft.com/office/powerpoint/2010/main" val="421577842"/>
+      </p:ext>
+    </p:extLst>
+  </p:cSld>
+  <p:clrMapOvr>
+    <a:masterClrMapping/>
+  </p:clrMapOvr>
+</p:sld>
+</file>
+
+<file path=ppt/slides/slide15.xml><?xml version="1.0" encoding="utf-8"?>
+<p:sld xmlns:a="http://schemas.openxmlformats.org/drawingml/2006/main" xmlns:r="http://schemas.openxmlformats.org/officeDocument/2006/relationships" xmlns:p="http://schemas.openxmlformats.org/presentationml/2006/main">
+  <p:cSld>
+    <p:spTree>
+      <p:nvGrpSpPr>
+        <p:cNvPr id="1" name=""/>
+        <p:cNvGrpSpPr/>
+        <p:nvPr/>
+      </p:nvGrpSpPr>
+      <p:grpSpPr>
+        <a:xfrm>
+          <a:off x="0" y="0"/>
+          <a:ext cx="0" cy="0"/>
+          <a:chOff x="0" y="0"/>
+          <a:chExt cx="0" cy="0"/>
+        </a:xfrm>
+      </p:grpSpPr>
+      <p:sp>
+        <p:nvSpPr>
+          <p:cNvPr id="2" name="Title 1"/>
+          <p:cNvSpPr>
+            <a:spLocks noGrp="1"/>
+          </p:cNvSpPr>
+          <p:nvPr>
+            <p:ph type="title"/>
+          </p:nvPr>
+        </p:nvSpPr>
+        <p:spPr/>
+        <p:txBody>
+          <a:bodyPr/>
+          <a:lstStyle/>
+          <a:p>
+            <a:r>
+              <a:rPr lang="en-US" dirty="0">
+                <a:solidFill>
+                  <a:srgbClr val="FF0000"/>
+                </a:solidFill>
+              </a:rPr>
+              <a:t>Method 4: CW</a:t>
+            </a:r>
+          </a:p>
+        </p:txBody>
+      </p:sp>
+      <p:sp>
+        <p:nvSpPr>
+          <p:cNvPr id="3" name="Content Placeholder 2"/>
+          <p:cNvSpPr>
+            <a:spLocks noGrp="1"/>
+          </p:cNvSpPr>
+          <p:nvPr>
+            <p:ph idx="1"/>
+          </p:nvPr>
+        </p:nvSpPr>
+        <p:spPr/>
+        <p:txBody>
+          <a:bodyPr/>
+          <a:lstStyle/>
+          <a:p>
+            <a:endParaRPr lang="en-US"/>
+          </a:p>
+        </p:txBody>
+      </p:sp>
+    </p:spTree>
+    <p:extLst>
+      <p:ext uri="{BB962C8B-B14F-4D97-AF65-F5344CB8AC3E}">
+        <p14:creationId xmlns:p14="http://schemas.microsoft.com/office/powerpoint/2010/main" val="2283639848"/>
+      </p:ext>
+    </p:extLst>
+  </p:cSld>
+  <p:clrMapOvr>
+    <a:masterClrMapping/>
+  </p:clrMapOvr>
+</p:sld>
+</file>
+
+<file path=ppt/slides/slide16.xml><?xml version="1.0" encoding="utf-8"?>
+<p:sld xmlns:a="http://schemas.openxmlformats.org/drawingml/2006/main" xmlns:r="http://schemas.openxmlformats.org/officeDocument/2006/relationships" xmlns:p="http://schemas.openxmlformats.org/presentationml/2006/main">
+  <p:cSld>
+    <p:spTree>
+      <p:nvGrpSpPr>
+        <p:cNvPr id="1" name=""/>
+        <p:cNvGrpSpPr/>
+        <p:nvPr/>
+      </p:nvGrpSpPr>
+      <p:grpSpPr>
+        <a:xfrm>
+          <a:off x="0" y="0"/>
+          <a:ext cx="0" cy="0"/>
+          <a:chOff x="0" y="0"/>
+          <a:chExt cx="0" cy="0"/>
+        </a:xfrm>
+      </p:grpSpPr>
+      <p:sp>
+        <p:nvSpPr>
+          <p:cNvPr id="2" name="Title 1"/>
+          <p:cNvSpPr>
+            <a:spLocks noGrp="1"/>
+          </p:cNvSpPr>
+          <p:nvPr>
+            <p:ph type="title"/>
+          </p:nvPr>
+        </p:nvSpPr>
+        <p:spPr/>
+        <p:txBody>
+          <a:bodyPr/>
+          <a:lstStyle/>
+          <a:p>
+            <a:r>
+              <a:rPr lang="en-US" dirty="0"/>
               <a:t>Tentative Agenda</a:t>
             </a:r>
-            <a:endParaRPr lang="en-US" dirty="0"/>
           </a:p>
         </p:txBody>
       </p:sp>
@@ -3261,10 +4496,9 @@
                     <a:lstStyle/>
                     <a:p>
                       <a:r>
-                        <a:rPr lang="en-US" dirty="0" smtClean="0"/>
+                        <a:rPr lang="en-US" dirty="0"/>
                         <a:t>Topic</a:t>
                       </a:r>
-                      <a:endParaRPr lang="en-US" dirty="0"/>
                     </a:p>
                   </a:txBody>
                   <a:tcPr/>
@@ -3275,10 +4509,9 @@
                     <a:lstStyle/>
                     <a:p>
                       <a:r>
-                        <a:rPr lang="en-US" dirty="0" smtClean="0"/>
+                        <a:rPr lang="en-US" dirty="0"/>
                         <a:t>Expectation </a:t>
                       </a:r>
-                      <a:endParaRPr lang="en-US" dirty="0"/>
                     </a:p>
                   </a:txBody>
                   <a:tcPr/>
@@ -3296,10 +4529,9 @@
                     <a:lstStyle/>
                     <a:p>
                       <a:r>
-                        <a:rPr lang="en-US" dirty="0" smtClean="0"/>
+                        <a:rPr lang="en-US" dirty="0"/>
                         <a:t>02.21</a:t>
                       </a:r>
-                      <a:endParaRPr lang="en-US" dirty="0"/>
                     </a:p>
                   </a:txBody>
                   <a:tcPr/>
@@ -3310,11 +4542,11 @@
                     <a:lstStyle/>
                     <a:p>
                       <a:r>
-                        <a:rPr lang="en-US" dirty="0" smtClean="0"/>
+                        <a:rPr lang="en-US" dirty="0"/>
                         <a:t>Intro </a:t>
                       </a:r>
                       <a:r>
-                        <a:rPr lang="en-US" dirty="0" err="1" smtClean="0"/>
+                        <a:rPr lang="en-US" dirty="0" err="1"/>
                         <a:t>DeepFool</a:t>
                       </a:r>
                       <a:endParaRPr lang="en-US" dirty="0"/>
@@ -3328,10 +4560,9 @@
                     <a:lstStyle/>
                     <a:p>
                       <a:r>
-                        <a:rPr lang="en-US" dirty="0" smtClean="0"/>
+                        <a:rPr lang="en-US" dirty="0"/>
                         <a:t>-</a:t>
                       </a:r>
-                      <a:endParaRPr lang="en-US" dirty="0"/>
                     </a:p>
                   </a:txBody>
                   <a:tcPr/>
@@ -3349,10 +4580,9 @@
                     <a:lstStyle/>
                     <a:p>
                       <a:r>
-                        <a:rPr lang="en-US" dirty="0" smtClean="0"/>
+                        <a:rPr lang="en-US" dirty="0"/>
                         <a:t>02.28</a:t>
                       </a:r>
-                      <a:endParaRPr lang="en-US" dirty="0"/>
                     </a:p>
                   </a:txBody>
                   <a:tcPr/>
@@ -3363,7 +4593,7 @@
                     <a:lstStyle/>
                     <a:p>
                       <a:r>
-                        <a:rPr lang="en-US" dirty="0" err="1" smtClean="0"/>
+                        <a:rPr lang="en-US" dirty="0" err="1"/>
                         <a:t>DeepFool</a:t>
                       </a:r>
                       <a:endParaRPr lang="en-US" dirty="0"/>
@@ -3377,19 +4607,19 @@
                     <a:lstStyle/>
                     <a:p>
                       <a:r>
-                        <a:rPr lang="en-US" dirty="0" smtClean="0"/>
+                        <a:rPr lang="en-US" dirty="0"/>
                         <a:t>Understand the motivation</a:t>
                       </a:r>
                       <a:r>
-                        <a:rPr lang="en-US" baseline="0" dirty="0" smtClean="0"/>
+                        <a:rPr lang="en-US" baseline="0" dirty="0"/>
                         <a:t> and idea of </a:t>
                       </a:r>
                       <a:r>
-                        <a:rPr lang="en-US" baseline="0" dirty="0" err="1" smtClean="0"/>
+                        <a:rPr lang="en-US" baseline="0" dirty="0" err="1"/>
                         <a:t>deepfool</a:t>
                       </a:r>
                       <a:r>
-                        <a:rPr lang="en-US" baseline="0" dirty="0" smtClean="0"/>
+                        <a:rPr lang="en-US" baseline="0" dirty="0"/>
                         <a:t> and get codes running</a:t>
                       </a:r>
                       <a:endParaRPr lang="en-US" dirty="0"/>
@@ -3410,10 +4640,9 @@
                     <a:lstStyle/>
                     <a:p>
                       <a:r>
-                        <a:rPr lang="en-US" dirty="0" smtClean="0"/>
+                        <a:rPr lang="en-US" dirty="0"/>
                         <a:t>03.07</a:t>
                       </a:r>
-                      <a:endParaRPr lang="en-US" dirty="0"/>
                     </a:p>
                   </a:txBody>
                   <a:tcPr/>
@@ -3424,7 +4653,7 @@
                     <a:lstStyle/>
                     <a:p>
                       <a:r>
-                        <a:rPr lang="en-US" dirty="0" err="1" smtClean="0"/>
+                        <a:rPr lang="en-US" dirty="0" err="1"/>
                         <a:t>DeepFool</a:t>
                       </a:r>
                       <a:endParaRPr lang="en-US" dirty="0"/>
@@ -3438,23 +4667,23 @@
                     <a:lstStyle/>
                     <a:p>
                       <a:r>
-                        <a:rPr lang="en-US" dirty="0" smtClean="0"/>
+                        <a:rPr lang="en-US" dirty="0"/>
                         <a:t>Build-up</a:t>
                       </a:r>
                       <a:r>
-                        <a:rPr lang="en-US" baseline="0" dirty="0" smtClean="0"/>
+                        <a:rPr lang="en-US" baseline="0" dirty="0"/>
                         <a:t> the pipeline of step 1: train a NN on </a:t>
                       </a:r>
                       <a:r>
-                        <a:rPr lang="en-US" baseline="0" dirty="0" err="1" smtClean="0"/>
+                        <a:rPr lang="en-US" baseline="0" dirty="0" err="1"/>
                         <a:t>mnist</a:t>
                       </a:r>
                       <a:r>
-                        <a:rPr lang="en-US" baseline="0" dirty="0" smtClean="0"/>
+                        <a:rPr lang="en-US" baseline="0" dirty="0"/>
                         <a:t>/</a:t>
                       </a:r>
                       <a:r>
-                        <a:rPr lang="en-US" baseline="0" dirty="0" err="1" smtClean="0"/>
+                        <a:rPr lang="en-US" baseline="0" dirty="0" err="1"/>
                         <a:t>cifar</a:t>
                       </a:r>
                       <a:endParaRPr lang="en-US" dirty="0"/>
@@ -3475,10 +4704,9 @@
                     <a:lstStyle/>
                     <a:p>
                       <a:r>
-                        <a:rPr lang="en-US" dirty="0" smtClean="0"/>
+                        <a:rPr lang="en-US" dirty="0"/>
                         <a:t>03.14 with Luca</a:t>
                       </a:r>
-                      <a:endParaRPr lang="en-US" dirty="0"/>
                     </a:p>
                   </a:txBody>
                   <a:tcPr/>
@@ -3489,7 +4717,7 @@
                     <a:lstStyle/>
                     <a:p>
                       <a:r>
-                        <a:rPr lang="en-US" dirty="0" err="1" smtClean="0"/>
+                        <a:rPr lang="en-US" dirty="0" err="1"/>
                         <a:t>DeepFool</a:t>
                       </a:r>
                       <a:endParaRPr lang="en-US" dirty="0"/>
@@ -3503,11 +4731,11 @@
                     <a:lstStyle/>
                     <a:p>
                       <a:r>
-                        <a:rPr lang="en-US" dirty="0" smtClean="0"/>
+                        <a:rPr lang="en-US" dirty="0"/>
                         <a:t>Build-up the pipeline of step 2: craft adversarial example and</a:t>
                       </a:r>
                       <a:r>
-                        <a:rPr lang="en-US" baseline="0" dirty="0" smtClean="0"/>
+                        <a:rPr lang="en-US" baseline="0" dirty="0"/>
                         <a:t> show results</a:t>
                       </a:r>
                       <a:endParaRPr lang="en-US" dirty="0"/>
@@ -3528,10 +4756,9 @@
                     <a:lstStyle/>
                     <a:p>
                       <a:r>
-                        <a:rPr lang="en-US" dirty="0" smtClean="0"/>
+                        <a:rPr lang="en-US" dirty="0"/>
                         <a:t>03.21</a:t>
                       </a:r>
-                      <a:endParaRPr lang="en-US" dirty="0"/>
                     </a:p>
                   </a:txBody>
                   <a:tcPr/>
@@ -3542,10 +4769,9 @@
                     <a:lstStyle/>
                     <a:p>
                       <a:r>
-                        <a:rPr lang="en-US" dirty="0" smtClean="0"/>
+                        <a:rPr lang="en-US" dirty="0"/>
                         <a:t>FGSM, I-FGSM</a:t>
                       </a:r>
-                      <a:endParaRPr lang="en-US" dirty="0"/>
                     </a:p>
                   </a:txBody>
                   <a:tcPr/>
@@ -3556,11 +4782,11 @@
                     <a:lstStyle/>
                     <a:p>
                       <a:r>
-                        <a:rPr lang="en-US" dirty="0" smtClean="0"/>
+                        <a:rPr lang="en-US" dirty="0"/>
                         <a:t>Discuss the idea of FGSM/I-FGSM and get initial</a:t>
                       </a:r>
                       <a:r>
-                        <a:rPr lang="en-US" baseline="0" dirty="0" smtClean="0"/>
+                        <a:rPr lang="en-US" baseline="0" dirty="0"/>
                         <a:t> codes running</a:t>
                       </a:r>
                       <a:endParaRPr lang="en-US" dirty="0"/>
@@ -3581,10 +4807,9 @@
                     <a:lstStyle/>
                     <a:p>
                       <a:r>
-                        <a:rPr lang="en-US" dirty="0" smtClean="0"/>
+                        <a:rPr lang="en-US" dirty="0"/>
                         <a:t>03.28</a:t>
                       </a:r>
-                      <a:endParaRPr lang="en-US" dirty="0"/>
                     </a:p>
                   </a:txBody>
                   <a:tcPr/>
@@ -3595,10 +4820,9 @@
                     <a:lstStyle/>
                     <a:p>
                       <a:r>
-                        <a:rPr lang="en-US" dirty="0" smtClean="0"/>
+                        <a:rPr lang="en-US" dirty="0"/>
                         <a:t>Spring break</a:t>
                       </a:r>
-                      <a:endParaRPr lang="en-US" dirty="0"/>
                     </a:p>
                   </a:txBody>
                   <a:tcPr/>
@@ -3626,14 +4850,9 @@
                     <a:lstStyle/>
                     <a:p>
                       <a:r>
-                        <a:rPr lang="en-US" dirty="0" smtClean="0"/>
-                        <a:t>04.04 </a:t>
+                        <a:rPr lang="en-US" dirty="0"/>
+                        <a:t>04.04 with Luca</a:t>
                       </a:r>
-                      <a:r>
-                        <a:rPr lang="en-US" dirty="0" smtClean="0"/>
-                        <a:t>with Luca</a:t>
-                      </a:r>
-                      <a:endParaRPr lang="en-US" dirty="0"/>
                     </a:p>
                   </a:txBody>
                   <a:tcPr/>
@@ -3644,10 +4863,9 @@
                     <a:lstStyle/>
                     <a:p>
                       <a:r>
-                        <a:rPr lang="en-US" dirty="0" smtClean="0"/>
+                        <a:rPr lang="en-US" dirty="0"/>
                         <a:t>FGSM, I-FGSM</a:t>
                       </a:r>
-                      <a:endParaRPr lang="en-US" dirty="0"/>
                     </a:p>
                   </a:txBody>
                   <a:tcPr/>
@@ -3658,11 +4876,11 @@
                     <a:lstStyle/>
                     <a:p>
                       <a:r>
-                        <a:rPr lang="en-US" dirty="0" smtClean="0"/>
+                        <a:rPr lang="en-US" dirty="0"/>
                         <a:t>craft adversarial example and</a:t>
                       </a:r>
                       <a:r>
-                        <a:rPr lang="en-US" baseline="0" dirty="0" smtClean="0"/>
+                        <a:rPr lang="en-US" baseline="0" dirty="0"/>
                         <a:t> show results</a:t>
                       </a:r>
                       <a:endParaRPr lang="en-US" dirty="0"/>
@@ -3683,10 +4901,9 @@
                     <a:lstStyle/>
                     <a:p>
                       <a:r>
-                        <a:rPr lang="en-US" dirty="0" smtClean="0"/>
+                        <a:rPr lang="en-US" dirty="0"/>
                         <a:t>04.11</a:t>
                       </a:r>
-                      <a:endParaRPr lang="en-US" dirty="0"/>
                     </a:p>
                   </a:txBody>
                   <a:tcPr/>
@@ -3697,10 +4914,9 @@
                     <a:lstStyle/>
                     <a:p>
                       <a:r>
-                        <a:rPr lang="en-US" dirty="0" smtClean="0"/>
+                        <a:rPr lang="en-US" dirty="0"/>
                         <a:t>C&amp;W</a:t>
                       </a:r>
-                      <a:endParaRPr lang="en-US" dirty="0"/>
                     </a:p>
                   </a:txBody>
                   <a:tcPr/>
@@ -3728,14 +4944,14 @@
                         <a:defRPr/>
                       </a:pPr>
                       <a:r>
-                        <a:rPr lang="en-US" dirty="0" smtClean="0"/>
+                        <a:rPr lang="en-US" dirty="0"/>
                         <a:t>Discuss the idea of C&amp;W and get initial</a:t>
                       </a:r>
                       <a:r>
-                        <a:rPr lang="en-US" baseline="0" dirty="0" smtClean="0"/>
+                        <a:rPr lang="en-US" baseline="0" dirty="0"/>
                         <a:t> codes running</a:t>
                       </a:r>
-                      <a:endParaRPr lang="en-US" dirty="0" smtClean="0"/>
+                      <a:endParaRPr lang="en-US" dirty="0"/>
                     </a:p>
                   </a:txBody>
                   <a:tcPr/>
@@ -3753,10 +4969,9 @@
                     <a:lstStyle/>
                     <a:p>
                       <a:r>
-                        <a:rPr lang="en-US" dirty="0" smtClean="0"/>
+                        <a:rPr lang="en-US" dirty="0"/>
                         <a:t>04.18</a:t>
                       </a:r>
-                      <a:endParaRPr lang="en-US" dirty="0"/>
                     </a:p>
                   </a:txBody>
                   <a:tcPr/>
@@ -3767,10 +4982,9 @@
                     <a:lstStyle/>
                     <a:p>
                       <a:r>
-                        <a:rPr lang="en-US" dirty="0" smtClean="0"/>
+                        <a:rPr lang="en-US" dirty="0"/>
                         <a:t>C&amp;W</a:t>
                       </a:r>
-                      <a:endParaRPr lang="en-US" dirty="0"/>
                     </a:p>
                   </a:txBody>
                   <a:tcPr/>
@@ -3798,14 +5012,14 @@
                         <a:defRPr/>
                       </a:pPr>
                       <a:r>
-                        <a:rPr lang="en-US" dirty="0" smtClean="0"/>
+                        <a:rPr lang="en-US" dirty="0"/>
                         <a:t>craft adversarial example and</a:t>
                       </a:r>
                       <a:r>
-                        <a:rPr lang="en-US" baseline="0" dirty="0" smtClean="0"/>
+                        <a:rPr lang="en-US" baseline="0" dirty="0"/>
                         <a:t> show results</a:t>
                       </a:r>
-                      <a:endParaRPr lang="en-US" dirty="0" smtClean="0"/>
+                      <a:endParaRPr lang="en-US" dirty="0"/>
                     </a:p>
                   </a:txBody>
                   <a:tcPr/>
@@ -3823,10 +5037,9 @@
                     <a:lstStyle/>
                     <a:p>
                       <a:r>
-                        <a:rPr lang="en-US" dirty="0" smtClean="0"/>
+                        <a:rPr lang="en-US" dirty="0"/>
                         <a:t>04.25 with Luca</a:t>
                       </a:r>
-                      <a:endParaRPr lang="en-US" dirty="0"/>
                     </a:p>
                   </a:txBody>
                   <a:tcPr/>
@@ -3837,10 +5050,9 @@
                     <a:lstStyle/>
                     <a:p>
                       <a:r>
-                        <a:rPr lang="en-US" dirty="0" smtClean="0"/>
+                        <a:rPr lang="en-US" dirty="0"/>
                         <a:t>C&amp;W</a:t>
                       </a:r>
-                      <a:endParaRPr lang="en-US" dirty="0"/>
                     </a:p>
                   </a:txBody>
                   <a:tcPr/>
@@ -3851,11 +5063,11 @@
                     <a:lstStyle/>
                     <a:p>
                       <a:r>
-                        <a:rPr lang="en-US" dirty="0" smtClean="0"/>
+                        <a:rPr lang="en-US" dirty="0"/>
                         <a:t>Show</a:t>
                       </a:r>
                       <a:r>
-                        <a:rPr lang="en-US" baseline="0" dirty="0" smtClean="0"/>
+                        <a:rPr lang="en-US" baseline="0" dirty="0"/>
                         <a:t> the results of crafted example and compared with other methods</a:t>
                       </a:r>
                       <a:endParaRPr lang="en-US" dirty="0"/>
@@ -3876,10 +5088,9 @@
                     <a:lstStyle/>
                     <a:p>
                       <a:r>
-                        <a:rPr lang="en-US" dirty="0" smtClean="0"/>
+                        <a:rPr lang="en-US" dirty="0"/>
                         <a:t>05.02</a:t>
                       </a:r>
-                      <a:endParaRPr lang="en-US" dirty="0"/>
                     </a:p>
                   </a:txBody>
                   <a:tcPr/>
@@ -3890,10 +5101,9 @@
                     <a:lstStyle/>
                     <a:p>
                       <a:r>
-                        <a:rPr lang="en-US" dirty="0" smtClean="0"/>
+                        <a:rPr lang="en-US" dirty="0"/>
                         <a:t>Lily traveling</a:t>
                       </a:r>
-                      <a:endParaRPr lang="en-US" dirty="0"/>
                     </a:p>
                   </a:txBody>
                   <a:tcPr/>
@@ -3921,10 +5131,9 @@
                     <a:lstStyle/>
                     <a:p>
                       <a:r>
-                        <a:rPr lang="en-US" dirty="0" smtClean="0"/>
+                        <a:rPr lang="en-US" dirty="0"/>
                         <a:t>05.09</a:t>
                       </a:r>
-                      <a:endParaRPr lang="en-US" dirty="0"/>
                     </a:p>
                   </a:txBody>
                   <a:tcPr/>
@@ -3935,10 +5144,9 @@
                     <a:lstStyle/>
                     <a:p>
                       <a:r>
-                        <a:rPr lang="en-US" dirty="0" smtClean="0"/>
+                        <a:rPr lang="en-US" dirty="0"/>
                         <a:t>Final presentation</a:t>
                       </a:r>
-                      <a:endParaRPr lang="en-US" dirty="0"/>
                     </a:p>
                   </a:txBody>
                   <a:tcPr/>
@@ -3949,11 +5157,11 @@
                     <a:lstStyle/>
                     <a:p>
                       <a:r>
-                        <a:rPr lang="en-US" dirty="0" smtClean="0"/>
+                        <a:rPr lang="en-US" dirty="0"/>
                         <a:t>Present what is learned/achieved in this</a:t>
                       </a:r>
                       <a:r>
-                        <a:rPr lang="en-US" baseline="0" dirty="0" smtClean="0"/>
+                        <a:rPr lang="en-US" baseline="0" dirty="0"/>
                         <a:t> semester</a:t>
                       </a:r>
                       <a:endParaRPr lang="en-US" dirty="0"/>
@@ -4017,18 +5225,13 @@
           <a:lstStyle/>
           <a:p>
             <a:r>
-              <a:rPr lang="en-US" dirty="0" smtClean="0">
+              <a:rPr lang="en-US" dirty="0">
                 <a:solidFill>
                   <a:srgbClr val="FF0000"/>
                 </a:solidFill>
               </a:rPr>
               <a:t>Introductions/Motivations</a:t>
             </a:r>
-            <a:endParaRPr lang="en-US" dirty="0">
-              <a:solidFill>
-                <a:srgbClr val="FF0000"/>
-              </a:solidFill>
-            </a:endParaRPr>
           </a:p>
         </p:txBody>
       </p:sp>
@@ -4048,18 +5251,13 @@
           <a:lstStyle/>
           <a:p>
             <a:r>
-              <a:rPr lang="en-US" dirty="0" smtClean="0">
+              <a:rPr lang="en-US" dirty="0">
                 <a:solidFill>
                   <a:srgbClr val="FF0000"/>
                 </a:solidFill>
               </a:rPr>
               <a:t>Try to summarize from the introductions of the papers </a:t>
             </a:r>
-            <a:endParaRPr lang="en-US" dirty="0">
-              <a:solidFill>
-                <a:srgbClr val="FF0000"/>
-              </a:solidFill>
-            </a:endParaRPr>
           </a:p>
         </p:txBody>
       </p:sp>
@@ -4095,7 +5293,13 @@
       </p:grpSpPr>
       <p:sp>
         <p:nvSpPr>
-          <p:cNvPr id="2" name="Title 1"/>
+          <p:cNvPr id="2" name="Title 1">
+            <a:extLst>
+              <a:ext uri="{FF2B5EF4-FFF2-40B4-BE49-F238E27FC236}">
+                <a16:creationId xmlns:a16="http://schemas.microsoft.com/office/drawing/2014/main" id="{8E4DC871-304C-C145-BB58-42B542ADB962}"/>
+              </a:ext>
+            </a:extLst>
+          </p:cNvPr>
           <p:cNvSpPr>
             <a:spLocks noGrp="1"/>
           </p:cNvSpPr>
@@ -4109,8 +5313,8 @@
           <a:lstStyle/>
           <a:p>
             <a:r>
-              <a:rPr lang="en-US" dirty="0" smtClean="0"/>
-              <a:t>Methods Summary</a:t>
+              <a:rPr lang="en-US" dirty="0" err="1"/>
+              <a:t>DeepFool</a:t>
             </a:r>
             <a:endParaRPr lang="en-US" dirty="0"/>
           </a:p>
@@ -4118,213 +5322,163 @@
       </p:sp>
       <p:sp>
         <p:nvSpPr>
-          <p:cNvPr id="4" name="Text Placeholder 3"/>
-          <p:cNvSpPr>
-            <a:spLocks noGrp="1"/>
-          </p:cNvSpPr>
-          <p:nvPr>
-            <p:ph type="body" idx="1"/>
-          </p:nvPr>
-        </p:nvSpPr>
-        <p:spPr/>
-        <p:txBody>
-          <a:bodyPr/>
-          <a:lstStyle/>
-          <a:p>
-            <a:r>
-              <a:rPr lang="en-US" dirty="0" smtClean="0"/>
-              <a:t>1. </a:t>
-            </a:r>
-            <a:r>
-              <a:rPr lang="en-US" dirty="0" err="1" smtClean="0"/>
-              <a:t>DeepFool</a:t>
-            </a:r>
+          <p:cNvPr id="3" name="Content Placeholder 2">
+            <a:extLst>
+              <a:ext uri="{FF2B5EF4-FFF2-40B4-BE49-F238E27FC236}">
+                <a16:creationId xmlns:a16="http://schemas.microsoft.com/office/drawing/2014/main" id="{313B109F-05EF-2140-8E95-39CA5D77B6A6}"/>
+              </a:ext>
+            </a:extLst>
+          </p:cNvPr>
+          <p:cNvSpPr>
+            <a:spLocks noGrp="1"/>
+          </p:cNvSpPr>
+          <p:nvPr>
+            <p:ph idx="1"/>
+          </p:nvPr>
+        </p:nvSpPr>
+        <p:spPr/>
+        <p:txBody>
+          <a:bodyPr/>
+          <a:lstStyle/>
+          <a:p>
+            <a:r>
+              <a:rPr lang="en-US" dirty="0"/>
+              <a:t>Deep neural networks are particularly unstable to adversarial perturbations</a:t>
+            </a:r>
+          </a:p>
+          <a:p>
+            <a:r>
+              <a:rPr lang="en-US" dirty="0"/>
+              <a:t>Adversarial perturbation = minimal perturbation </a:t>
+            </a:r>
+            <a:r>
+              <a:rPr lang="en-US" i="1" dirty="0"/>
+              <a:t>r </a:t>
+            </a:r>
+            <a:r>
+              <a:rPr lang="en-US" dirty="0"/>
+              <a:t> sufficient to change the label </a:t>
+            </a:r>
+            <a:r>
+              <a:rPr lang="en-US" i="1" dirty="0"/>
+              <a:t>k</a:t>
+            </a:r>
+            <a:r>
+              <a:rPr lang="en-US" dirty="0"/>
+              <a:t>(</a:t>
+            </a:r>
+            <a:r>
+              <a:rPr lang="en-US" b="1" dirty="0"/>
+              <a:t>x</a:t>
+            </a:r>
+            <a:r>
+              <a:rPr lang="en-US" dirty="0"/>
+              <a:t>)</a:t>
+            </a:r>
+          </a:p>
+          <a:p>
+            <a:pPr lvl="1"/>
+            <a:r>
+              <a:rPr lang="en-US" dirty="0"/>
+              <a:t>Oftentimes perturbed image looks visually similar to original image</a:t>
+            </a:r>
+          </a:p>
+          <a:p>
+            <a:r>
+              <a:rPr lang="en-US" dirty="0"/>
+              <a:t>The robustness for an image x can be can be calculated as follows:</a:t>
+            </a:r>
+          </a:p>
+          <a:p>
             <a:endParaRPr lang="en-US" dirty="0"/>
           </a:p>
-        </p:txBody>
-      </p:sp>
-      <p:sp>
-        <p:nvSpPr>
-          <p:cNvPr id="5" name="Content Placeholder 4"/>
-          <p:cNvSpPr>
-            <a:spLocks noGrp="1"/>
-          </p:cNvSpPr>
-          <p:nvPr>
-            <p:ph sz="half" idx="2"/>
-          </p:nvPr>
-        </p:nvSpPr>
-        <p:spPr/>
-        <p:txBody>
-          <a:bodyPr>
-            <a:normAutofit lnSpcReduction="10000"/>
-          </a:bodyPr>
-          <a:lstStyle/>
-          <a:p>
-            <a:r>
-              <a:rPr lang="en-US" dirty="0" smtClean="0">
-                <a:solidFill>
-                  <a:srgbClr val="FF0000"/>
-                </a:solidFill>
-              </a:rPr>
-              <a:t>Idea:</a:t>
-            </a:r>
-          </a:p>
-          <a:p>
-            <a:r>
-              <a:rPr lang="en-US" dirty="0" smtClean="0"/>
-              <a:t>Paper:</a:t>
-            </a:r>
-          </a:p>
-          <a:p>
-            <a:pPr lvl="1"/>
-            <a:r>
-              <a:rPr lang="en-US" dirty="0" smtClean="0"/>
-              <a:t>A </a:t>
-            </a:r>
-            <a:r>
-              <a:rPr lang="en-US" dirty="0"/>
-              <a:t>simple and accurate method to fool deep neural </a:t>
-            </a:r>
-            <a:r>
-              <a:rPr lang="en-US" dirty="0" smtClean="0"/>
-              <a:t>networks</a:t>
-            </a:r>
-          </a:p>
-          <a:p>
-            <a:pPr lvl="1"/>
-            <a:r>
-              <a:rPr lang="en-US" dirty="0" smtClean="0"/>
-              <a:t>https://arxiv.org/abs/1511.04599</a:t>
-            </a:r>
+          <a:p>
+            <a:r>
+              <a:rPr lang="en-US" dirty="0"/>
+              <a:t>A classifier’s robustness is therefore:</a:t>
+            </a:r>
+          </a:p>
+          <a:p>
             <a:endParaRPr lang="en-US" dirty="0"/>
           </a:p>
-          <a:p>
-            <a:r>
-              <a:rPr lang="en-US" dirty="0" smtClean="0"/>
-              <a:t>Code:</a:t>
-            </a:r>
-          </a:p>
-          <a:p>
-            <a:pPr lvl="1"/>
-            <a:r>
-              <a:rPr lang="en-US" dirty="0" smtClean="0">
-                <a:hlinkClick r:id="rId2"/>
-              </a:rPr>
-              <a:t>https://github.com/LTS4/DeepFool</a:t>
-            </a:r>
-            <a:endParaRPr lang="en-US" dirty="0" smtClean="0"/>
-          </a:p>
-          <a:p>
-            <a:pPr lvl="1"/>
-            <a:r>
-              <a:rPr lang="en-US" dirty="0" err="1" smtClean="0"/>
-              <a:t>Pytorch</a:t>
-            </a:r>
-            <a:endParaRPr lang="en-US" dirty="0"/>
-          </a:p>
-        </p:txBody>
-      </p:sp>
-      <p:sp>
-        <p:nvSpPr>
-          <p:cNvPr id="6" name="Text Placeholder 5"/>
-          <p:cNvSpPr>
-            <a:spLocks noGrp="1"/>
-          </p:cNvSpPr>
-          <p:nvPr>
-            <p:ph type="body" sz="quarter" idx="3"/>
-          </p:nvPr>
-        </p:nvSpPr>
-        <p:spPr/>
-        <p:txBody>
-          <a:bodyPr/>
-          <a:lstStyle/>
-          <a:p>
-            <a:r>
-              <a:rPr lang="en-US" dirty="0" smtClean="0"/>
-              <a:t>2. Fast Gradient Sign Method (FGSM)</a:t>
-            </a:r>
-            <a:endParaRPr lang="en-US" dirty="0"/>
-          </a:p>
-        </p:txBody>
-      </p:sp>
-      <p:sp>
-        <p:nvSpPr>
-          <p:cNvPr id="7" name="Content Placeholder 6"/>
-          <p:cNvSpPr>
-            <a:spLocks noGrp="1"/>
-          </p:cNvSpPr>
-          <p:nvPr>
-            <p:ph sz="quarter" idx="4"/>
-          </p:nvPr>
-        </p:nvSpPr>
-        <p:spPr/>
-        <p:txBody>
-          <a:bodyPr>
-            <a:normAutofit lnSpcReduction="10000"/>
-          </a:bodyPr>
-          <a:lstStyle/>
-          <a:p>
-            <a:r>
-              <a:rPr lang="en-US" dirty="0" smtClean="0">
-                <a:solidFill>
-                  <a:srgbClr val="FF0000"/>
-                </a:solidFill>
-              </a:rPr>
-              <a:t>Idea:</a:t>
-            </a:r>
-          </a:p>
-          <a:p>
-            <a:r>
-              <a:rPr lang="en-US" dirty="0" smtClean="0"/>
-              <a:t>Paper:</a:t>
-            </a:r>
-          </a:p>
-          <a:p>
-            <a:pPr lvl="1"/>
-            <a:r>
-              <a:rPr lang="en-US" dirty="0"/>
-              <a:t>Explaining and Harnessing Adversarial Examples</a:t>
-            </a:r>
-          </a:p>
-          <a:p>
-            <a:pPr lvl="1"/>
-            <a:r>
-              <a:rPr lang="en-US" dirty="0" smtClean="0"/>
-              <a:t>https://arxiv.org/abs/1412.6572</a:t>
-            </a:r>
-            <a:endParaRPr lang="en-US" dirty="0"/>
-          </a:p>
-          <a:p>
-            <a:r>
-              <a:rPr lang="en-US" dirty="0" smtClean="0"/>
-              <a:t>Code:</a:t>
-            </a:r>
-          </a:p>
-          <a:p>
-            <a:pPr lvl="1"/>
-            <a:r>
-              <a:rPr lang="en-US" dirty="0" smtClean="0"/>
-              <a:t>https://github.com/gongzhitaao/tensorflow-adversarial</a:t>
-            </a:r>
-          </a:p>
-          <a:p>
-            <a:pPr lvl="1"/>
-            <a:r>
-              <a:rPr lang="en-US" dirty="0" err="1" smtClean="0"/>
-              <a:t>Tensorflow</a:t>
-            </a:r>
-            <a:endParaRPr lang="en-US" dirty="0" smtClean="0"/>
-          </a:p>
-          <a:p>
-            <a:pPr lvl="1"/>
-            <a:endParaRPr lang="en-US" dirty="0"/>
-          </a:p>
-        </p:txBody>
-      </p:sp>
+        </p:txBody>
+      </p:sp>
+      <p:pic>
+        <p:nvPicPr>
+          <p:cNvPr id="5" name="Picture 4">
+            <a:extLst>
+              <a:ext uri="{FF2B5EF4-FFF2-40B4-BE49-F238E27FC236}">
+                <a16:creationId xmlns:a16="http://schemas.microsoft.com/office/drawing/2014/main" id="{524650CB-5DA3-524E-A84B-81738C0E3420}"/>
+              </a:ext>
+            </a:extLst>
+          </p:cNvPr>
+          <p:cNvPicPr>
+            <a:picLocks noChangeAspect="1"/>
+          </p:cNvPicPr>
+          <p:nvPr/>
+        </p:nvPicPr>
+        <p:blipFill>
+          <a:blip r:embed="rId2">
+            <a:extLst>
+              <a:ext uri="{28A0092B-C50C-407E-A947-70E740481C1C}">
+                <a14:useLocalDpi xmlns:a14="http://schemas.microsoft.com/office/drawing/2010/main" val="0"/>
+              </a:ext>
+            </a:extLst>
+          </a:blip>
+          <a:stretch>
+            <a:fillRect/>
+          </a:stretch>
+        </p:blipFill>
+        <p:spPr>
+          <a:xfrm>
+            <a:off x="2654300" y="4440923"/>
+            <a:ext cx="6883400" cy="647700"/>
+          </a:xfrm>
+          <a:prstGeom prst="rect">
+            <a:avLst/>
+          </a:prstGeom>
+        </p:spPr>
+      </p:pic>
+      <p:pic>
+        <p:nvPicPr>
+          <p:cNvPr id="7" name="Picture 6">
+            <a:extLst>
+              <a:ext uri="{FF2B5EF4-FFF2-40B4-BE49-F238E27FC236}">
+                <a16:creationId xmlns:a16="http://schemas.microsoft.com/office/drawing/2014/main" id="{01D6710B-BC7E-DA48-9A63-BFEC9CF07A29}"/>
+              </a:ext>
+            </a:extLst>
+          </p:cNvPr>
+          <p:cNvPicPr>
+            <a:picLocks noChangeAspect="1"/>
+          </p:cNvPicPr>
+          <p:nvPr/>
+        </p:nvPicPr>
+        <p:blipFill>
+          <a:blip r:embed="rId3">
+            <a:extLst>
+              <a:ext uri="{28A0092B-C50C-407E-A947-70E740481C1C}">
+                <a14:useLocalDpi xmlns:a14="http://schemas.microsoft.com/office/drawing/2010/main" val="0"/>
+              </a:ext>
+            </a:extLst>
+          </a:blip>
+          <a:stretch>
+            <a:fillRect/>
+          </a:stretch>
+        </p:blipFill>
+        <p:spPr>
+          <a:xfrm>
+            <a:off x="4385789" y="5536669"/>
+            <a:ext cx="2895600" cy="889000"/>
+          </a:xfrm>
+          <a:prstGeom prst="rect">
+            <a:avLst/>
+          </a:prstGeom>
+        </p:spPr>
+      </p:pic>
     </p:spTree>
     <p:extLst>
       <p:ext uri="{BB962C8B-B14F-4D97-AF65-F5344CB8AC3E}">
-        <p14:creationId xmlns:p14="http://schemas.microsoft.com/office/powerpoint/2010/main" val="3202584400"/>
+        <p14:creationId xmlns:p14="http://schemas.microsoft.com/office/powerpoint/2010/main" val="3772398058"/>
       </p:ext>
     </p:extLst>
   </p:cSld>
@@ -4353,7 +5507,13 @@
       </p:grpSpPr>
       <p:sp>
         <p:nvSpPr>
-          <p:cNvPr id="2" name="Title 1"/>
+          <p:cNvPr id="2" name="Title 1">
+            <a:extLst>
+              <a:ext uri="{FF2B5EF4-FFF2-40B4-BE49-F238E27FC236}">
+                <a16:creationId xmlns:a16="http://schemas.microsoft.com/office/drawing/2014/main" id="{A879C16D-7786-824E-AD35-0896010FE0BC}"/>
+              </a:ext>
+            </a:extLst>
+          </p:cNvPr>
           <p:cNvSpPr>
             <a:spLocks noGrp="1"/>
           </p:cNvSpPr>
@@ -4367,240 +5527,225 @@
           <a:lstStyle/>
           <a:p>
             <a:r>
-              <a:rPr lang="en-US" dirty="0" smtClean="0"/>
-              <a:t>Methods Summary</a:t>
-            </a:r>
+              <a:rPr lang="en-US" dirty="0" err="1"/>
+              <a:t>DeepFool</a:t>
+            </a:r>
+            <a:r>
+              <a:rPr lang="en-US" dirty="0"/>
+              <a:t> </a:t>
+            </a:r>
+            <a:r>
+              <a:rPr lang="en-US" dirty="0" err="1"/>
+              <a:t>cont</a:t>
+            </a:r>
+            <a:r>
+              <a:rPr lang="en-US" dirty="0"/>
+              <a:t>’</a:t>
+            </a:r>
+          </a:p>
+        </p:txBody>
+      </p:sp>
+      <p:sp>
+        <p:nvSpPr>
+          <p:cNvPr id="3" name="Content Placeholder 2">
+            <a:extLst>
+              <a:ext uri="{FF2B5EF4-FFF2-40B4-BE49-F238E27FC236}">
+                <a16:creationId xmlns:a16="http://schemas.microsoft.com/office/drawing/2014/main" id="{3376715A-26F4-9041-A304-7E9D65FDABCD}"/>
+              </a:ext>
+            </a:extLst>
+          </p:cNvPr>
+          <p:cNvSpPr>
+            <a:spLocks noGrp="1"/>
+          </p:cNvSpPr>
+          <p:nvPr>
+            <p:ph idx="1"/>
+          </p:nvPr>
+        </p:nvSpPr>
+        <p:spPr/>
+        <p:txBody>
+          <a:bodyPr/>
+          <a:lstStyle/>
+          <a:p>
+            <a:r>
+              <a:rPr lang="en-US" dirty="0"/>
+              <a:t>Adversarial perturbations presented here are more reliable and efficient, avoiding misleading conclusions about robustness and leading to a more robust classifier</a:t>
+            </a:r>
+          </a:p>
+          <a:p>
+            <a:r>
+              <a:rPr lang="en-US" dirty="0" err="1"/>
+              <a:t>DeepFool</a:t>
+            </a:r>
+            <a:r>
+              <a:rPr lang="en-US" dirty="0"/>
+              <a:t> for Affine Binary Classifiers</a:t>
+            </a:r>
+          </a:p>
+          <a:p>
+            <a:pPr lvl="1"/>
+            <a:r>
+              <a:rPr lang="en-US" dirty="0"/>
+              <a:t>Assume			          where</a:t>
+            </a:r>
+          </a:p>
+          <a:p>
+            <a:pPr lvl="1"/>
             <a:endParaRPr lang="en-US" dirty="0"/>
           </a:p>
-        </p:txBody>
-      </p:sp>
-      <p:sp>
-        <p:nvSpPr>
-          <p:cNvPr id="4" name="Text Placeholder 3"/>
-          <p:cNvSpPr>
-            <a:spLocks noGrp="1"/>
-          </p:cNvSpPr>
-          <p:nvPr>
-            <p:ph type="body" idx="1"/>
-          </p:nvPr>
-        </p:nvSpPr>
-        <p:spPr/>
-        <p:txBody>
-          <a:bodyPr/>
-          <a:lstStyle/>
-          <a:p>
-            <a:r>
-              <a:rPr lang="en-US" dirty="0" smtClean="0"/>
-              <a:t>3. Iterative FGSM</a:t>
-            </a:r>
+          <a:p>
+            <a:pPr lvl="1"/>
             <a:endParaRPr lang="en-US" dirty="0"/>
           </a:p>
         </p:txBody>
       </p:sp>
-      <p:sp>
-        <p:nvSpPr>
-          <p:cNvPr id="5" name="Content Placeholder 4"/>
-          <p:cNvSpPr>
-            <a:spLocks noGrp="1"/>
-          </p:cNvSpPr>
-          <p:nvPr>
-            <p:ph sz="half" idx="2"/>
-          </p:nvPr>
-        </p:nvSpPr>
-        <p:spPr/>
-        <p:txBody>
-          <a:bodyPr>
-            <a:normAutofit fontScale="92500" lnSpcReduction="10000"/>
-          </a:bodyPr>
-          <a:lstStyle/>
-          <a:p>
-            <a:r>
-              <a:rPr lang="en-US" dirty="0" smtClean="0">
-                <a:solidFill>
-                  <a:srgbClr val="FF0000"/>
-                </a:solidFill>
-              </a:rPr>
-              <a:t>Idea:</a:t>
-            </a:r>
-          </a:p>
-          <a:p>
-            <a:r>
-              <a:rPr lang="en-US" dirty="0" smtClean="0"/>
-              <a:t>Paper:</a:t>
-            </a:r>
-          </a:p>
-          <a:p>
-            <a:pPr lvl="1"/>
-            <a:r>
-              <a:rPr lang="en-US" dirty="0"/>
-              <a:t>Adversarial examples in the physical </a:t>
-            </a:r>
-            <a:r>
-              <a:rPr lang="en-US" dirty="0" smtClean="0"/>
-              <a:t>world</a:t>
-            </a:r>
-          </a:p>
-          <a:p>
-            <a:pPr lvl="1"/>
-            <a:r>
-              <a:rPr lang="en-US" dirty="0" smtClean="0"/>
-              <a:t>https://arxiv.org/abs/1607.02533</a:t>
-            </a:r>
-            <a:endParaRPr lang="en-US" dirty="0"/>
-          </a:p>
-          <a:p>
-            <a:r>
-              <a:rPr lang="en-US" dirty="0" smtClean="0"/>
-              <a:t>Code:</a:t>
-            </a:r>
-          </a:p>
-          <a:p>
-            <a:pPr lvl="1"/>
-            <a:r>
-              <a:rPr lang="en-US" dirty="0" smtClean="0">
-                <a:hlinkClick r:id="rId2"/>
-              </a:rPr>
-              <a:t>https://github.com/gongzhitaao/tensorflow-adversarial</a:t>
-            </a:r>
-            <a:endParaRPr lang="en-US" dirty="0" smtClean="0"/>
-          </a:p>
-          <a:p>
-            <a:pPr lvl="1"/>
-            <a:r>
-              <a:rPr lang="en-US" dirty="0" smtClean="0"/>
-              <a:t>Write codes based on FGSM</a:t>
-            </a:r>
-          </a:p>
-          <a:p>
-            <a:pPr lvl="1"/>
-            <a:r>
-              <a:rPr lang="en-US" dirty="0" err="1" smtClean="0"/>
-              <a:t>Tensorflow</a:t>
-            </a:r>
-            <a:endParaRPr lang="en-US" dirty="0" smtClean="0"/>
-          </a:p>
-          <a:p>
-            <a:endParaRPr lang="en-US" dirty="0"/>
-          </a:p>
-        </p:txBody>
-      </p:sp>
-      <p:sp>
-        <p:nvSpPr>
-          <p:cNvPr id="6" name="Text Placeholder 5"/>
-          <p:cNvSpPr>
-            <a:spLocks noGrp="1"/>
-          </p:cNvSpPr>
-          <p:nvPr>
-            <p:ph type="body" sz="quarter" idx="3"/>
-          </p:nvPr>
-        </p:nvSpPr>
-        <p:spPr/>
-        <p:txBody>
-          <a:bodyPr/>
-          <a:lstStyle/>
-          <a:p>
-            <a:r>
-              <a:rPr lang="en-US" dirty="0" smtClean="0"/>
-              <a:t>4. </a:t>
-            </a:r>
-            <a:r>
-              <a:rPr lang="en-US" dirty="0" err="1" smtClean="0"/>
-              <a:t>Carlini</a:t>
-            </a:r>
-            <a:r>
-              <a:rPr lang="en-US" dirty="0" smtClean="0"/>
-              <a:t> Wagner Attack </a:t>
-            </a:r>
-            <a:endParaRPr lang="en-US" dirty="0"/>
-          </a:p>
-        </p:txBody>
-      </p:sp>
-      <p:sp>
-        <p:nvSpPr>
-          <p:cNvPr id="7" name="Content Placeholder 6"/>
-          <p:cNvSpPr>
-            <a:spLocks noGrp="1"/>
-          </p:cNvSpPr>
-          <p:nvPr>
-            <p:ph sz="quarter" idx="4"/>
-          </p:nvPr>
-        </p:nvSpPr>
-        <p:spPr/>
-        <p:txBody>
-          <a:bodyPr>
-            <a:normAutofit lnSpcReduction="10000"/>
-          </a:bodyPr>
-          <a:lstStyle/>
-          <a:p>
-            <a:r>
-              <a:rPr lang="en-US" dirty="0" smtClean="0">
-                <a:solidFill>
-                  <a:srgbClr val="FF0000"/>
-                </a:solidFill>
-              </a:rPr>
-              <a:t>Idea:</a:t>
-            </a:r>
-          </a:p>
-          <a:p>
-            <a:r>
-              <a:rPr lang="en-US" dirty="0" smtClean="0"/>
-              <a:t>Paper:</a:t>
-            </a:r>
-          </a:p>
-          <a:p>
-            <a:pPr lvl="1"/>
-            <a:r>
-              <a:rPr lang="en-US" dirty="0"/>
-              <a:t>Towards Evaluating the Robustness of Neural Networks</a:t>
-            </a:r>
-          </a:p>
-          <a:p>
-            <a:pPr lvl="1"/>
-            <a:r>
-              <a:rPr lang="en-US" dirty="0" smtClean="0">
-                <a:hlinkClick r:id="rId3"/>
-              </a:rPr>
-              <a:t>https://arxiv.org/abs/1608.04644</a:t>
-            </a:r>
-            <a:endParaRPr lang="en-US" dirty="0" smtClean="0"/>
-          </a:p>
-          <a:p>
-            <a:r>
-              <a:rPr lang="en-US" dirty="0" smtClean="0"/>
-              <a:t>Code</a:t>
-            </a:r>
-          </a:p>
-          <a:p>
-            <a:pPr lvl="1"/>
-            <a:r>
-              <a:rPr lang="en-US" dirty="0" smtClean="0">
-                <a:hlinkClick r:id="rId2"/>
-              </a:rPr>
-              <a:t>https://github.com/gongzhitaao/tensorflow-adversarial</a:t>
-            </a:r>
-            <a:r>
-              <a:rPr lang="en-US" dirty="0" smtClean="0"/>
-              <a:t> </a:t>
-            </a:r>
-          </a:p>
-          <a:p>
-            <a:pPr lvl="1"/>
-            <a:r>
-              <a:rPr lang="en-US" dirty="0" err="1" smtClean="0"/>
-              <a:t>Tensorflow</a:t>
-            </a:r>
-            <a:r>
-              <a:rPr lang="en-US" dirty="0" smtClean="0"/>
-              <a:t> </a:t>
-            </a:r>
-            <a:endParaRPr lang="en-US" dirty="0"/>
-          </a:p>
-        </p:txBody>
-      </p:sp>
+      <p:pic>
+        <p:nvPicPr>
+          <p:cNvPr id="5" name="Picture 4">
+            <a:extLst>
+              <a:ext uri="{FF2B5EF4-FFF2-40B4-BE49-F238E27FC236}">
+                <a16:creationId xmlns:a16="http://schemas.microsoft.com/office/drawing/2014/main" id="{12D1B582-BC92-A142-8C08-49038A8AC81C}"/>
+              </a:ext>
+            </a:extLst>
+          </p:cNvPr>
+          <p:cNvPicPr>
+            <a:picLocks noChangeAspect="1"/>
+          </p:cNvPicPr>
+          <p:nvPr/>
+        </p:nvPicPr>
+        <p:blipFill>
+          <a:blip r:embed="rId2">
+            <a:extLst>
+              <a:ext uri="{28A0092B-C50C-407E-A947-70E740481C1C}">
+                <a14:useLocalDpi xmlns:a14="http://schemas.microsoft.com/office/drawing/2010/main" val="0"/>
+              </a:ext>
+            </a:extLst>
+          </a:blip>
+          <a:stretch>
+            <a:fillRect/>
+          </a:stretch>
+        </p:blipFill>
+        <p:spPr>
+          <a:xfrm>
+            <a:off x="2684565" y="3531394"/>
+            <a:ext cx="2476500" cy="469900"/>
+          </a:xfrm>
+          <a:prstGeom prst="rect">
+            <a:avLst/>
+          </a:prstGeom>
+        </p:spPr>
+      </p:pic>
+      <p:pic>
+        <p:nvPicPr>
+          <p:cNvPr id="7" name="Picture 6">
+            <a:extLst>
+              <a:ext uri="{FF2B5EF4-FFF2-40B4-BE49-F238E27FC236}">
+                <a16:creationId xmlns:a16="http://schemas.microsoft.com/office/drawing/2014/main" id="{7D2FC8C9-3335-1347-8B3D-411621031F70}"/>
+              </a:ext>
+            </a:extLst>
+          </p:cNvPr>
+          <p:cNvPicPr>
+            <a:picLocks noChangeAspect="1"/>
+          </p:cNvPicPr>
+          <p:nvPr/>
+        </p:nvPicPr>
+        <p:blipFill>
+          <a:blip r:embed="rId3">
+            <a:extLst>
+              <a:ext uri="{28A0092B-C50C-407E-A947-70E740481C1C}">
+                <a14:useLocalDpi xmlns:a14="http://schemas.microsoft.com/office/drawing/2010/main" val="0"/>
+              </a:ext>
+            </a:extLst>
+          </a:blip>
+          <a:stretch>
+            <a:fillRect/>
+          </a:stretch>
+        </p:blipFill>
+        <p:spPr>
+          <a:xfrm>
+            <a:off x="6096000" y="3575844"/>
+            <a:ext cx="5105400" cy="381000"/>
+          </a:xfrm>
+          <a:prstGeom prst="rect">
+            <a:avLst/>
+          </a:prstGeom>
+        </p:spPr>
+      </p:pic>
+      <p:pic>
+        <p:nvPicPr>
+          <p:cNvPr id="9" name="Picture 8">
+            <a:extLst>
+              <a:ext uri="{FF2B5EF4-FFF2-40B4-BE49-F238E27FC236}">
+                <a16:creationId xmlns:a16="http://schemas.microsoft.com/office/drawing/2014/main" id="{4A97DFA4-0F6D-0C4F-B0C6-295B19A1436D}"/>
+              </a:ext>
+            </a:extLst>
+          </p:cNvPr>
+          <p:cNvPicPr>
+            <a:picLocks noChangeAspect="1"/>
+          </p:cNvPicPr>
+          <p:nvPr/>
+        </p:nvPicPr>
+        <p:blipFill>
+          <a:blip r:embed="rId4">
+            <a:extLst>
+              <a:ext uri="{28A0092B-C50C-407E-A947-70E740481C1C}">
+                <a14:useLocalDpi xmlns:a14="http://schemas.microsoft.com/office/drawing/2010/main" val="0"/>
+              </a:ext>
+            </a:extLst>
+          </a:blip>
+          <a:stretch>
+            <a:fillRect/>
+          </a:stretch>
+        </p:blipFill>
+        <p:spPr>
+          <a:xfrm>
+            <a:off x="1457700" y="3956844"/>
+            <a:ext cx="3078510" cy="1828882"/>
+          </a:xfrm>
+          <a:prstGeom prst="rect">
+            <a:avLst/>
+          </a:prstGeom>
+        </p:spPr>
+      </p:pic>
+      <p:pic>
+        <p:nvPicPr>
+          <p:cNvPr id="11" name="Picture 10">
+            <a:extLst>
+              <a:ext uri="{FF2B5EF4-FFF2-40B4-BE49-F238E27FC236}">
+                <a16:creationId xmlns:a16="http://schemas.microsoft.com/office/drawing/2014/main" id="{8843F609-FD05-6A4B-85DB-C9815F6F878A}"/>
+              </a:ext>
+            </a:extLst>
+          </p:cNvPr>
+          <p:cNvPicPr>
+            <a:picLocks noChangeAspect="1"/>
+          </p:cNvPicPr>
+          <p:nvPr/>
+        </p:nvPicPr>
+        <p:blipFill>
+          <a:blip r:embed="rId5">
+            <a:extLst>
+              <a:ext uri="{28A0092B-C50C-407E-A947-70E740481C1C}">
+                <a14:useLocalDpi xmlns:a14="http://schemas.microsoft.com/office/drawing/2010/main" val="0"/>
+              </a:ext>
+            </a:extLst>
+          </a:blip>
+          <a:stretch>
+            <a:fillRect/>
+          </a:stretch>
+        </p:blipFill>
+        <p:spPr>
+          <a:xfrm>
+            <a:off x="5732153" y="4535077"/>
+            <a:ext cx="3956050" cy="1062273"/>
+          </a:xfrm>
+          <a:prstGeom prst="rect">
+            <a:avLst/>
+          </a:prstGeom>
+        </p:spPr>
+      </p:pic>
     </p:spTree>
     <p:extLst>
       <p:ext uri="{BB962C8B-B14F-4D97-AF65-F5344CB8AC3E}">
-        <p14:creationId xmlns:p14="http://schemas.microsoft.com/office/powerpoint/2010/main" val="285251880"/>
+        <p14:creationId xmlns:p14="http://schemas.microsoft.com/office/powerpoint/2010/main" val="1247793603"/>
       </p:ext>
     </p:extLst>
   </p:cSld>
@@ -4629,7 +5774,13 @@
       </p:grpSpPr>
       <p:sp>
         <p:nvSpPr>
-          <p:cNvPr id="2" name="Title 1"/>
+          <p:cNvPr id="2" name="Title 1">
+            <a:extLst>
+              <a:ext uri="{FF2B5EF4-FFF2-40B4-BE49-F238E27FC236}">
+                <a16:creationId xmlns:a16="http://schemas.microsoft.com/office/drawing/2014/main" id="{F7A84A13-7997-FF40-B079-B36DFE92A96E}"/>
+              </a:ext>
+            </a:extLst>
+          </p:cNvPr>
           <p:cNvSpPr>
             <a:spLocks noGrp="1"/>
           </p:cNvSpPr>
@@ -4643,200 +5794,353 @@
           <a:lstStyle/>
           <a:p>
             <a:r>
-              <a:rPr lang="en-US" dirty="0" smtClean="0">
-                <a:solidFill>
-                  <a:srgbClr val="FF0000"/>
-                </a:solidFill>
-              </a:rPr>
-              <a:t>Method 1: </a:t>
-            </a:r>
-            <a:r>
-              <a:rPr lang="en-US" dirty="0" err="1" smtClean="0">
-                <a:solidFill>
-                  <a:srgbClr val="FF0000"/>
-                </a:solidFill>
-              </a:rPr>
+              <a:rPr lang="en-US" dirty="0" err="1"/>
               <a:t>DeepFool</a:t>
             </a:r>
             <a:r>
-              <a:rPr lang="en-US" dirty="0" smtClean="0">
-                <a:solidFill>
-                  <a:srgbClr val="FF0000"/>
-                </a:solidFill>
-              </a:rPr>
-              <a:t> (Instructions)</a:t>
-            </a:r>
-            <a:endParaRPr lang="en-US" dirty="0">
-              <a:solidFill>
-                <a:srgbClr val="FF0000"/>
-              </a:solidFill>
-            </a:endParaRPr>
-          </a:p>
-        </p:txBody>
-      </p:sp>
-      <p:sp>
-        <p:nvSpPr>
-          <p:cNvPr id="7" name="Text Placeholder 6"/>
-          <p:cNvSpPr>
-            <a:spLocks noGrp="1"/>
-          </p:cNvSpPr>
-          <p:nvPr>
-            <p:ph type="body" idx="1"/>
-          </p:nvPr>
-        </p:nvSpPr>
-        <p:spPr/>
-        <p:txBody>
-          <a:bodyPr/>
-          <a:lstStyle/>
-          <a:p>
-            <a:pPr marL="0" lvl="1">
+              <a:rPr lang="en-US" dirty="0"/>
+              <a:t> for Binary Classifiers</a:t>
+            </a:r>
+          </a:p>
+        </p:txBody>
+      </p:sp>
+      <p:pic>
+        <p:nvPicPr>
+          <p:cNvPr id="5" name="Content Placeholder 4">
+            <a:extLst>
+              <a:ext uri="{FF2B5EF4-FFF2-40B4-BE49-F238E27FC236}">
+                <a16:creationId xmlns:a16="http://schemas.microsoft.com/office/drawing/2014/main" id="{1F6D92B5-4CB4-C142-BC1C-BB85623A04D2}"/>
+              </a:ext>
+            </a:extLst>
+          </p:cNvPr>
+          <p:cNvPicPr>
+            <a:picLocks noGrp="1" noChangeAspect="1"/>
+          </p:cNvPicPr>
+          <p:nvPr>
+            <p:ph idx="1"/>
+          </p:nvPr>
+        </p:nvPicPr>
+        <p:blipFill>
+          <a:blip r:embed="rId2">
+            <a:extLst>
+              <a:ext uri="{28A0092B-C50C-407E-A947-70E740481C1C}">
+                <a14:useLocalDpi xmlns:a14="http://schemas.microsoft.com/office/drawing/2010/main" val="0"/>
+              </a:ext>
+            </a:extLst>
+          </a:blip>
+          <a:stretch>
+            <a:fillRect/>
+          </a:stretch>
+        </p:blipFill>
+        <p:spPr>
+          <a:xfrm>
+            <a:off x="838200" y="1513661"/>
+            <a:ext cx="6870700" cy="723900"/>
+          </a:xfrm>
+        </p:spPr>
+      </p:pic>
+      <p:sp>
+        <p:nvSpPr>
+          <p:cNvPr id="8" name="Content Placeholder 2">
+            <a:extLst>
+              <a:ext uri="{FF2B5EF4-FFF2-40B4-BE49-F238E27FC236}">
+                <a16:creationId xmlns:a16="http://schemas.microsoft.com/office/drawing/2014/main" id="{0E250333-368B-6E47-9FC7-2BF79B5F0CE5}"/>
+              </a:ext>
+            </a:extLst>
+          </p:cNvPr>
+          <p:cNvSpPr txBox="1">
+            <a:spLocks/>
+          </p:cNvSpPr>
+          <p:nvPr/>
+        </p:nvSpPr>
+        <p:spPr>
+          <a:xfrm>
+            <a:off x="838200" y="2282218"/>
+            <a:ext cx="10515600" cy="4351338"/>
+          </a:xfrm>
+          <a:prstGeom prst="rect">
+            <a:avLst/>
+          </a:prstGeom>
+        </p:spPr>
+        <p:txBody>
+          <a:bodyPr vert="horz" lIns="91440" tIns="45720" rIns="91440" bIns="45720" rtlCol="0">
+            <a:normAutofit/>
+          </a:bodyPr>
+          <a:lstStyle>
+            <a:lvl1pPr marL="228600" indent="-228600" algn="l" defTabSz="914400" rtl="0" eaLnBrk="1" latinLnBrk="0" hangingPunct="1">
+              <a:lnSpc>
+                <a:spcPct val="90000"/>
+              </a:lnSpc>
               <a:spcBef>
                 <a:spcPts val="1000"/>
               </a:spcBef>
-            </a:pPr>
-            <a:r>
-              <a:rPr lang="en-US" dirty="0" smtClean="0"/>
-              <a:t>1. </a:t>
-            </a:r>
-            <a:r>
-              <a:rPr lang="en-US" dirty="0" smtClean="0"/>
-              <a:t>Summarize important and basic ideas in the slides</a:t>
-            </a:r>
-          </a:p>
-        </p:txBody>
-      </p:sp>
-      <p:sp>
-        <p:nvSpPr>
-          <p:cNvPr id="3" name="Content Placeholder 2"/>
-          <p:cNvSpPr>
-            <a:spLocks noGrp="1"/>
-          </p:cNvSpPr>
-          <p:nvPr>
-            <p:ph sz="half" idx="2"/>
-          </p:nvPr>
-        </p:nvSpPr>
-        <p:spPr/>
-        <p:txBody>
-          <a:bodyPr>
-            <a:normAutofit/>
+              <a:buFont typeface="Arial" panose="020B0604020202020204" pitchFamily="34" charset="0"/>
+              <a:buChar char="•"/>
+              <a:defRPr sz="2800" kern="1200">
+                <a:solidFill>
+                  <a:schemeClr val="tx1"/>
+                </a:solidFill>
+                <a:latin typeface="+mn-lt"/>
+                <a:ea typeface="+mn-ea"/>
+                <a:cs typeface="+mn-cs"/>
+              </a:defRPr>
+            </a:lvl1pPr>
+            <a:lvl2pPr marL="685800" indent="-228600" algn="l" defTabSz="914400" rtl="0" eaLnBrk="1" latinLnBrk="0" hangingPunct="1">
+              <a:lnSpc>
+                <a:spcPct val="90000"/>
+              </a:lnSpc>
+              <a:spcBef>
+                <a:spcPts val="500"/>
+              </a:spcBef>
+              <a:buFont typeface="Arial" panose="020B0604020202020204" pitchFamily="34" charset="0"/>
+              <a:buChar char="•"/>
+              <a:defRPr sz="2400" kern="1200">
+                <a:solidFill>
+                  <a:schemeClr val="tx1"/>
+                </a:solidFill>
+                <a:latin typeface="+mn-lt"/>
+                <a:ea typeface="+mn-ea"/>
+                <a:cs typeface="+mn-cs"/>
+              </a:defRPr>
+            </a:lvl2pPr>
+            <a:lvl3pPr marL="1143000" indent="-228600" algn="l" defTabSz="914400" rtl="0" eaLnBrk="1" latinLnBrk="0" hangingPunct="1">
+              <a:lnSpc>
+                <a:spcPct val="90000"/>
+              </a:lnSpc>
+              <a:spcBef>
+                <a:spcPts val="500"/>
+              </a:spcBef>
+              <a:buFont typeface="Arial" panose="020B0604020202020204" pitchFamily="34" charset="0"/>
+              <a:buChar char="•"/>
+              <a:defRPr sz="2000" kern="1200">
+                <a:solidFill>
+                  <a:schemeClr val="tx1"/>
+                </a:solidFill>
+                <a:latin typeface="+mn-lt"/>
+                <a:ea typeface="+mn-ea"/>
+                <a:cs typeface="+mn-cs"/>
+              </a:defRPr>
+            </a:lvl3pPr>
+            <a:lvl4pPr marL="1600200" indent="-228600" algn="l" defTabSz="914400" rtl="0" eaLnBrk="1" latinLnBrk="0" hangingPunct="1">
+              <a:lnSpc>
+                <a:spcPct val="90000"/>
+              </a:lnSpc>
+              <a:spcBef>
+                <a:spcPts val="500"/>
+              </a:spcBef>
+              <a:buFont typeface="Arial" panose="020B0604020202020204" pitchFamily="34" charset="0"/>
+              <a:buChar char="•"/>
+              <a:defRPr sz="1800" kern="1200">
+                <a:solidFill>
+                  <a:schemeClr val="tx1"/>
+                </a:solidFill>
+                <a:latin typeface="+mn-lt"/>
+                <a:ea typeface="+mn-ea"/>
+                <a:cs typeface="+mn-cs"/>
+              </a:defRPr>
+            </a:lvl4pPr>
+            <a:lvl5pPr marL="2057400" indent="-228600" algn="l" defTabSz="914400" rtl="0" eaLnBrk="1" latinLnBrk="0" hangingPunct="1">
+              <a:lnSpc>
+                <a:spcPct val="90000"/>
+              </a:lnSpc>
+              <a:spcBef>
+                <a:spcPts val="500"/>
+              </a:spcBef>
+              <a:buFont typeface="Arial" panose="020B0604020202020204" pitchFamily="34" charset="0"/>
+              <a:buChar char="•"/>
+              <a:defRPr sz="1800" kern="1200">
+                <a:solidFill>
+                  <a:schemeClr val="tx1"/>
+                </a:solidFill>
+                <a:latin typeface="+mn-lt"/>
+                <a:ea typeface="+mn-ea"/>
+                <a:cs typeface="+mn-cs"/>
+              </a:defRPr>
+            </a:lvl5pPr>
+            <a:lvl6pPr marL="2514600" indent="-228600" algn="l" defTabSz="914400" rtl="0" eaLnBrk="1" latinLnBrk="0" hangingPunct="1">
+              <a:lnSpc>
+                <a:spcPct val="90000"/>
+              </a:lnSpc>
+              <a:spcBef>
+                <a:spcPts val="500"/>
+              </a:spcBef>
+              <a:buFont typeface="Arial" panose="020B0604020202020204" pitchFamily="34" charset="0"/>
+              <a:buChar char="•"/>
+              <a:defRPr sz="1800" kern="1200">
+                <a:solidFill>
+                  <a:schemeClr val="tx1"/>
+                </a:solidFill>
+                <a:latin typeface="+mn-lt"/>
+                <a:ea typeface="+mn-ea"/>
+                <a:cs typeface="+mn-cs"/>
+              </a:defRPr>
+            </a:lvl6pPr>
+            <a:lvl7pPr marL="2971800" indent="-228600" algn="l" defTabSz="914400" rtl="0" eaLnBrk="1" latinLnBrk="0" hangingPunct="1">
+              <a:lnSpc>
+                <a:spcPct val="90000"/>
+              </a:lnSpc>
+              <a:spcBef>
+                <a:spcPts val="500"/>
+              </a:spcBef>
+              <a:buFont typeface="Arial" panose="020B0604020202020204" pitchFamily="34" charset="0"/>
+              <a:buChar char="•"/>
+              <a:defRPr sz="1800" kern="1200">
+                <a:solidFill>
+                  <a:schemeClr val="tx1"/>
+                </a:solidFill>
+                <a:latin typeface="+mn-lt"/>
+                <a:ea typeface="+mn-ea"/>
+                <a:cs typeface="+mn-cs"/>
+              </a:defRPr>
+            </a:lvl7pPr>
+            <a:lvl8pPr marL="3429000" indent="-228600" algn="l" defTabSz="914400" rtl="0" eaLnBrk="1" latinLnBrk="0" hangingPunct="1">
+              <a:lnSpc>
+                <a:spcPct val="90000"/>
+              </a:lnSpc>
+              <a:spcBef>
+                <a:spcPts val="500"/>
+              </a:spcBef>
+              <a:buFont typeface="Arial" panose="020B0604020202020204" pitchFamily="34" charset="0"/>
+              <a:buChar char="•"/>
+              <a:defRPr sz="1800" kern="1200">
+                <a:solidFill>
+                  <a:schemeClr val="tx1"/>
+                </a:solidFill>
+                <a:latin typeface="+mn-lt"/>
+                <a:ea typeface="+mn-ea"/>
+                <a:cs typeface="+mn-cs"/>
+              </a:defRPr>
+            </a:lvl8pPr>
+            <a:lvl9pPr marL="3886200" indent="-228600" algn="l" defTabSz="914400" rtl="0" eaLnBrk="1" latinLnBrk="0" hangingPunct="1">
+              <a:lnSpc>
+                <a:spcPct val="90000"/>
+              </a:lnSpc>
+              <a:spcBef>
+                <a:spcPts val="500"/>
+              </a:spcBef>
+              <a:buFont typeface="Arial" panose="020B0604020202020204" pitchFamily="34" charset="0"/>
+              <a:buChar char="•"/>
+              <a:defRPr sz="1800" kern="1200">
+                <a:solidFill>
+                  <a:schemeClr val="tx1"/>
+                </a:solidFill>
+                <a:latin typeface="+mn-lt"/>
+                <a:ea typeface="+mn-ea"/>
+                <a:cs typeface="+mn-cs"/>
+              </a:defRPr>
+            </a:lvl9pPr>
+          </a:lstStyle>
+          <a:p>
+            <a:r>
+              <a:rPr lang="en-US" dirty="0"/>
+              <a:t>Used step size of 0.02, step size should be &lt;&lt; 1</a:t>
+            </a:r>
+          </a:p>
+          <a:p>
+            <a:endParaRPr lang="en-US" dirty="0"/>
+          </a:p>
+          <a:p>
+            <a:pPr lvl="1"/>
+            <a:endParaRPr lang="en-US" dirty="0"/>
+          </a:p>
+          <a:p>
+            <a:pPr lvl="1"/>
+            <a:endParaRPr lang="en-US" dirty="0"/>
+          </a:p>
+        </p:txBody>
+      </p:sp>
+      <p:pic>
+        <p:nvPicPr>
+          <p:cNvPr id="10" name="Picture 9">
+            <a:extLst>
+              <a:ext uri="{FF2B5EF4-FFF2-40B4-BE49-F238E27FC236}">
+                <a16:creationId xmlns:a16="http://schemas.microsoft.com/office/drawing/2014/main" id="{08ED304D-2A62-4142-95BF-6A1639FA6EFF}"/>
+              </a:ext>
+            </a:extLst>
+          </p:cNvPr>
+          <p:cNvPicPr>
+            <a:picLocks noChangeAspect="1"/>
+          </p:cNvPicPr>
+          <p:nvPr/>
+        </p:nvPicPr>
+        <p:blipFill>
+          <a:blip r:embed="rId3">
+            <a:extLst>
+              <a:ext uri="{28A0092B-C50C-407E-A947-70E740481C1C}">
+                <a14:useLocalDpi xmlns:a14="http://schemas.microsoft.com/office/drawing/2010/main" val="0"/>
+              </a:ext>
+            </a:extLst>
+          </a:blip>
+          <a:stretch>
+            <a:fillRect/>
+          </a:stretch>
+        </p:blipFill>
+        <p:spPr>
+          <a:xfrm>
+            <a:off x="838200" y="2839224"/>
+            <a:ext cx="6180628" cy="3517871"/>
+          </a:xfrm>
+          <a:prstGeom prst="rect">
+            <a:avLst/>
+          </a:prstGeom>
+        </p:spPr>
+      </p:pic>
+      <p:sp>
+        <p:nvSpPr>
+          <p:cNvPr id="11" name="TextBox 10">
+            <a:extLst>
+              <a:ext uri="{FF2B5EF4-FFF2-40B4-BE49-F238E27FC236}">
+                <a16:creationId xmlns:a16="http://schemas.microsoft.com/office/drawing/2014/main" id="{26675A81-3D90-5242-AEB9-7FAB79609C85}"/>
+              </a:ext>
+            </a:extLst>
+          </p:cNvPr>
+          <p:cNvSpPr txBox="1"/>
+          <p:nvPr/>
+        </p:nvSpPr>
+        <p:spPr>
+          <a:xfrm>
+            <a:off x="7708900" y="2975956"/>
+            <a:ext cx="3644900" cy="2677656"/>
+          </a:xfrm>
+          <a:prstGeom prst="rect">
+            <a:avLst/>
+          </a:prstGeom>
+          <a:noFill/>
+        </p:spPr>
+        <p:txBody>
+          <a:bodyPr wrap="square" rtlCol="0">
+            <a:spAutoFit/>
           </a:bodyPr>
           <a:lstStyle/>
           <a:p>
             <a:r>
-              <a:rPr lang="en-US" sz="2400" dirty="0" smtClean="0"/>
-              <a:t>1. How does it work</a:t>
-            </a:r>
-          </a:p>
-          <a:p>
-            <a:r>
-              <a:rPr lang="en-US" sz="2400" dirty="0" smtClean="0"/>
-              <a:t>2. Try to think of 1-2 pros and cons of this method</a:t>
-            </a:r>
-          </a:p>
-          <a:p>
-            <a:r>
-              <a:rPr lang="en-US" sz="2400" dirty="0" smtClean="0"/>
-              <a:t>3. Any ideas to possibly improve this method?</a:t>
-            </a:r>
-          </a:p>
-          <a:p>
-            <a:r>
-              <a:rPr lang="en-US" sz="2400" dirty="0" smtClean="0">
-                <a:solidFill>
-                  <a:srgbClr val="0000FF"/>
-                </a:solidFill>
-              </a:rPr>
-              <a:t>This will help you familiarize with current state-of-the-art methods</a:t>
-            </a:r>
-          </a:p>
-        </p:txBody>
-      </p:sp>
-      <p:sp>
-        <p:nvSpPr>
-          <p:cNvPr id="8" name="Text Placeholder 7"/>
-          <p:cNvSpPr>
-            <a:spLocks noGrp="1"/>
-          </p:cNvSpPr>
-          <p:nvPr>
-            <p:ph type="body" sz="quarter" idx="3"/>
-          </p:nvPr>
-        </p:nvSpPr>
-        <p:spPr/>
-        <p:txBody>
-          <a:bodyPr/>
-          <a:lstStyle/>
-          <a:p>
-            <a:pPr marL="0" lvl="1">
-              <a:spcBef>
-                <a:spcPts val="1000"/>
-              </a:spcBef>
-            </a:pPr>
-            <a:r>
-              <a:rPr lang="en-US" dirty="0" smtClean="0"/>
-              <a:t>2. </a:t>
-            </a:r>
-            <a:r>
-              <a:rPr lang="en-US" dirty="0" smtClean="0"/>
-              <a:t>Write down pipeline of designing an adversarial example</a:t>
-            </a:r>
-          </a:p>
-        </p:txBody>
-      </p:sp>
-      <p:sp>
-        <p:nvSpPr>
-          <p:cNvPr id="9" name="Content Placeholder 8"/>
-          <p:cNvSpPr>
-            <a:spLocks noGrp="1"/>
-          </p:cNvSpPr>
-          <p:nvPr>
-            <p:ph sz="quarter" idx="4"/>
-          </p:nvPr>
-        </p:nvSpPr>
-        <p:spPr/>
-        <p:txBody>
-          <a:bodyPr>
-            <a:noAutofit/>
-          </a:bodyPr>
-          <a:lstStyle/>
-          <a:p>
-            <a:r>
-              <a:rPr lang="en-US" sz="2400" dirty="0" smtClean="0"/>
-              <a:t>For the very first two times, detail in slides how you do Step 1 and Step 2 (see next page).</a:t>
-            </a:r>
-          </a:p>
-          <a:p>
-            <a:r>
-              <a:rPr lang="en-US" sz="2400" dirty="0" smtClean="0"/>
-              <a:t>Then, summarize the words/numbers (green box, see next page) into tables and show in slides</a:t>
-            </a:r>
-          </a:p>
-          <a:p>
-            <a:r>
-              <a:rPr lang="en-US" sz="2400" dirty="0" smtClean="0"/>
-              <a:t>If you encounter any problems, try to summarize them in slides too </a:t>
-            </a:r>
-          </a:p>
-          <a:p>
-            <a:r>
-              <a:rPr lang="en-US" sz="2400" dirty="0" smtClean="0">
-                <a:solidFill>
-                  <a:srgbClr val="0000FF"/>
-                </a:solidFill>
-              </a:rPr>
-              <a:t>This will help you familiarize with the standard pipelines </a:t>
-            </a:r>
-            <a:endParaRPr lang="en-US" sz="2400" dirty="0">
-              <a:solidFill>
-                <a:srgbClr val="0000FF"/>
-              </a:solidFill>
-            </a:endParaRPr>
+              <a:rPr lang="en-US" sz="2400" dirty="0"/>
+              <a:t>Uses r to update x_i+1 from </a:t>
+            </a:r>
+            <a:r>
+              <a:rPr lang="en-US" sz="2400" dirty="0" err="1"/>
+              <a:t>x_i</a:t>
+            </a:r>
+            <a:endParaRPr lang="en-US" sz="2400" dirty="0"/>
+          </a:p>
+          <a:p>
+            <a:endParaRPr lang="en-US" sz="2400" dirty="0"/>
+          </a:p>
+          <a:p>
+            <a:r>
+              <a:rPr lang="en-US" sz="2400" dirty="0"/>
+              <a:t>Algorithm terminates when x_i+1 changes the sign of the classifier</a:t>
+            </a:r>
+          </a:p>
+          <a:p>
+            <a:endParaRPr lang="en-US" sz="2400" dirty="0"/>
           </a:p>
         </p:txBody>
       </p:sp>
     </p:spTree>
     <p:extLst>
       <p:ext uri="{BB962C8B-B14F-4D97-AF65-F5344CB8AC3E}">
-        <p14:creationId xmlns:p14="http://schemas.microsoft.com/office/powerpoint/2010/main" val="2608683107"/>
+        <p14:creationId xmlns:p14="http://schemas.microsoft.com/office/powerpoint/2010/main" val="1645537741"/>
       </p:ext>
     </p:extLst>
   </p:cSld>
@@ -4865,7 +6169,13 @@
       </p:grpSpPr>
       <p:sp>
         <p:nvSpPr>
-          <p:cNvPr id="2" name="Title 1"/>
+          <p:cNvPr id="2" name="Title 1">
+            <a:extLst>
+              <a:ext uri="{FF2B5EF4-FFF2-40B4-BE49-F238E27FC236}">
+                <a16:creationId xmlns:a16="http://schemas.microsoft.com/office/drawing/2014/main" id="{461B118D-46F5-1942-B0CF-3BBB13A92BEE}"/>
+              </a:ext>
+            </a:extLst>
+          </p:cNvPr>
           <p:cNvSpPr>
             <a:spLocks noGrp="1"/>
           </p:cNvSpPr>
@@ -4879,137 +6189,108 @@
           <a:lstStyle/>
           <a:p>
             <a:r>
-              <a:rPr lang="en-US" dirty="0" smtClean="0">
-                <a:solidFill>
-                  <a:srgbClr val="FF0000"/>
-                </a:solidFill>
-              </a:rPr>
-              <a:t>Method 1: </a:t>
-            </a:r>
-            <a:r>
-              <a:rPr lang="en-US" dirty="0" err="1" smtClean="0">
-                <a:solidFill>
-                  <a:srgbClr val="FF0000"/>
-                </a:solidFill>
-              </a:rPr>
+              <a:rPr lang="en-US" dirty="0" err="1"/>
               <a:t>DeepFool</a:t>
             </a:r>
             <a:r>
-              <a:rPr lang="en-US" dirty="0" smtClean="0">
-                <a:solidFill>
-                  <a:srgbClr val="FF0000"/>
-                </a:solidFill>
-              </a:rPr>
-              <a:t> (Instructions)</a:t>
-            </a:r>
-            <a:endParaRPr lang="en-US" dirty="0"/>
-          </a:p>
-        </p:txBody>
-      </p:sp>
-      <p:sp>
-        <p:nvSpPr>
-          <p:cNvPr id="8" name="Rounded Rectangle 7"/>
-          <p:cNvSpPr/>
-          <p:nvPr/>
-        </p:nvSpPr>
+              <a:rPr lang="en-US" dirty="0"/>
+              <a:t> for Multiclass Classifiers</a:t>
+            </a:r>
+          </a:p>
+        </p:txBody>
+      </p:sp>
+      <p:pic>
+        <p:nvPicPr>
+          <p:cNvPr id="5" name="Content Placeholder 4">
+            <a:extLst>
+              <a:ext uri="{FF2B5EF4-FFF2-40B4-BE49-F238E27FC236}">
+                <a16:creationId xmlns:a16="http://schemas.microsoft.com/office/drawing/2014/main" id="{365E8E59-441F-6C40-BEE1-F35C5B9F10B8}"/>
+              </a:ext>
+            </a:extLst>
+          </p:cNvPr>
+          <p:cNvPicPr>
+            <a:picLocks noGrp="1" noChangeAspect="1"/>
+          </p:cNvPicPr>
+          <p:nvPr>
+            <p:ph idx="1"/>
+          </p:nvPr>
+        </p:nvPicPr>
+        <p:blipFill>
+          <a:blip r:embed="rId2">
+            <a:extLst>
+              <a:ext uri="{28A0092B-C50C-407E-A947-70E740481C1C}">
+                <a14:useLocalDpi xmlns:a14="http://schemas.microsoft.com/office/drawing/2010/main" val="0"/>
+              </a:ext>
+            </a:extLst>
+          </a:blip>
+          <a:stretch>
+            <a:fillRect/>
+          </a:stretch>
+        </p:blipFill>
         <p:spPr>
           <a:xfrm>
-            <a:off x="838200" y="1681978"/>
-            <a:ext cx="3126378" cy="844732"/>
+            <a:off x="838200" y="1474788"/>
+            <a:ext cx="2438400" cy="431800"/>
           </a:xfrm>
-          <a:prstGeom prst="roundRect">
-            <a:avLst/>
-          </a:prstGeom>
         </p:spPr>
-        <p:style>
-          <a:lnRef idx="2">
-            <a:schemeClr val="dk1"/>
-          </a:lnRef>
-          <a:fillRef idx="1">
-            <a:schemeClr val="lt1"/>
-          </a:fillRef>
-          <a:effectRef idx="0">
-            <a:schemeClr val="dk1"/>
-          </a:effectRef>
-          <a:fontRef idx="minor">
-            <a:schemeClr val="dk1"/>
-          </a:fontRef>
-        </p:style>
-        <p:txBody>
-          <a:bodyPr rtlCol="0" anchor="ctr"/>
-          <a:lstStyle/>
-          <a:p>
-            <a:pPr algn="ctr"/>
-            <a:r>
-              <a:rPr lang="en-US" dirty="0" smtClean="0"/>
-              <a:t>Step 1. Train a neural network classifier on a dataset</a:t>
-            </a:r>
-            <a:endParaRPr lang="en-US" dirty="0"/>
-          </a:p>
-        </p:txBody>
-      </p:sp>
-      <p:sp>
-        <p:nvSpPr>
-          <p:cNvPr id="9" name="Rounded Rectangle 8"/>
-          <p:cNvSpPr/>
+      </p:pic>
+      <p:pic>
+        <p:nvPicPr>
+          <p:cNvPr id="7" name="Picture 6">
+            <a:extLst>
+              <a:ext uri="{FF2B5EF4-FFF2-40B4-BE49-F238E27FC236}">
+                <a16:creationId xmlns:a16="http://schemas.microsoft.com/office/drawing/2014/main" id="{732B9DB4-3D81-2E4A-AE5E-5D635DDFE307}"/>
+              </a:ext>
+            </a:extLst>
+          </p:cNvPr>
+          <p:cNvPicPr>
+            <a:picLocks noChangeAspect="1"/>
+          </p:cNvPicPr>
           <p:nvPr/>
-        </p:nvSpPr>
+        </p:nvPicPr>
+        <p:blipFill>
+          <a:blip r:embed="rId3">
+            <a:extLst>
+              <a:ext uri="{28A0092B-C50C-407E-A947-70E740481C1C}">
+                <a14:useLocalDpi xmlns:a14="http://schemas.microsoft.com/office/drawing/2010/main" val="0"/>
+              </a:ext>
+            </a:extLst>
+          </a:blip>
+          <a:stretch>
+            <a:fillRect/>
+          </a:stretch>
+        </p:blipFill>
         <p:spPr>
           <a:xfrm>
-            <a:off x="4654731" y="1690688"/>
-            <a:ext cx="2882537" cy="844732"/>
-          </a:xfrm>
-          <a:prstGeom prst="roundRect">
-            <a:avLst/>
-          </a:prstGeom>
-        </p:spPr>
-        <p:style>
-          <a:lnRef idx="2">
-            <a:schemeClr val="dk1"/>
-          </a:lnRef>
-          <a:fillRef idx="1">
-            <a:schemeClr val="lt1"/>
-          </a:fillRef>
-          <a:effectRef idx="0">
-            <a:schemeClr val="dk1"/>
-          </a:effectRef>
-          <a:fontRef idx="minor">
-            <a:schemeClr val="dk1"/>
-          </a:fontRef>
-        </p:style>
-        <p:txBody>
-          <a:bodyPr rtlCol="0" anchor="ctr"/>
-          <a:lstStyle/>
-          <a:p>
-            <a:pPr algn="ctr"/>
-            <a:r>
-              <a:rPr lang="en-US" dirty="0" smtClean="0"/>
-              <a:t>Step 2. Craft adversarial examples via methods 1-4</a:t>
-            </a:r>
-            <a:endParaRPr lang="en-US" dirty="0"/>
-          </a:p>
-        </p:txBody>
-      </p:sp>
-      <p:sp>
-        <p:nvSpPr>
-          <p:cNvPr id="10" name="TextBox 9"/>
-          <p:cNvSpPr txBox="1"/>
-          <p:nvPr/>
-        </p:nvSpPr>
-        <p:spPr>
-          <a:xfrm>
-            <a:off x="683621" y="2697204"/>
-            <a:ext cx="3640182" cy="3970318"/>
+            <a:off x="816419" y="1923343"/>
+            <a:ext cx="6959600" cy="1219200"/>
           </a:xfrm>
           <a:prstGeom prst="rect">
             <a:avLst/>
           </a:prstGeom>
-          <a:solidFill>
-            <a:schemeClr val="accent6">
-              <a:lumMod val="20000"/>
-              <a:lumOff val="80000"/>
-            </a:schemeClr>
-          </a:solidFill>
+        </p:spPr>
+      </p:pic>
+      <p:sp>
+        <p:nvSpPr>
+          <p:cNvPr id="10" name="TextBox 9">
+            <a:extLst>
+              <a:ext uri="{FF2B5EF4-FFF2-40B4-BE49-F238E27FC236}">
+                <a16:creationId xmlns:a16="http://schemas.microsoft.com/office/drawing/2014/main" id="{FB125A0A-B443-3D47-A155-76575D1524CA}"/>
+              </a:ext>
+            </a:extLst>
+          </p:cNvPr>
+          <p:cNvSpPr txBox="1"/>
+          <p:nvPr/>
+        </p:nvSpPr>
+        <p:spPr>
+          <a:xfrm>
+            <a:off x="816419" y="3375198"/>
+            <a:ext cx="6728616" cy="954107"/>
+          </a:xfrm>
+          <a:prstGeom prst="rect">
+            <a:avLst/>
+          </a:prstGeom>
+          <a:noFill/>
         </p:spPr>
         <p:txBody>
           <a:bodyPr wrap="square" rtlCol="0">
@@ -5022,534 +6303,52 @@
               <a:buChar char="•"/>
             </a:pPr>
             <a:r>
-              <a:rPr lang="en-US" dirty="0" smtClean="0"/>
-              <a:t>Dataset</a:t>
-            </a:r>
-          </a:p>
-          <a:p>
-            <a:pPr marL="742950" lvl="1" indent="-285750">
-              <a:buFont typeface="Arial" panose="020B0604020202020204" pitchFamily="34" charset="0"/>
-              <a:buChar char="•"/>
-            </a:pPr>
-            <a:r>
-              <a:rPr lang="en-US" dirty="0" err="1"/>
-              <a:t>m</a:t>
-            </a:r>
-            <a:r>
-              <a:rPr lang="en-US" dirty="0" err="1" smtClean="0"/>
-              <a:t>nist</a:t>
-            </a:r>
-            <a:r>
-              <a:rPr lang="en-US" dirty="0" smtClean="0"/>
-              <a:t>, </a:t>
-            </a:r>
-            <a:r>
-              <a:rPr lang="en-US" dirty="0" err="1" smtClean="0"/>
-              <a:t>cifar</a:t>
-            </a:r>
-            <a:r>
-              <a:rPr lang="en-US" dirty="0" smtClean="0"/>
-              <a:t>, </a:t>
-            </a:r>
-            <a:r>
-              <a:rPr lang="en-US" dirty="0" err="1" smtClean="0"/>
-              <a:t>imagenet</a:t>
-            </a:r>
-            <a:endParaRPr lang="en-US" dirty="0" smtClean="0"/>
-          </a:p>
-          <a:p>
-            <a:pPr marL="285750" indent="-285750">
-              <a:buFont typeface="Arial" panose="020B0604020202020204" pitchFamily="34" charset="0"/>
-              <a:buChar char="•"/>
-            </a:pPr>
-            <a:r>
-              <a:rPr lang="en-US" dirty="0" smtClean="0"/>
-              <a:t>Network architecture</a:t>
-            </a:r>
-          </a:p>
-          <a:p>
-            <a:pPr marL="742950" lvl="1" indent="-285750">
-              <a:buFont typeface="Arial" panose="020B0604020202020204" pitchFamily="34" charset="0"/>
-              <a:buChar char="•"/>
-            </a:pPr>
-            <a:r>
-              <a:rPr lang="en-US" dirty="0" smtClean="0"/>
-              <a:t>MLP, CNN, </a:t>
-            </a:r>
-            <a:r>
-              <a:rPr lang="en-US" dirty="0" err="1" smtClean="0"/>
-              <a:t>ResNet</a:t>
-            </a:r>
-            <a:endParaRPr lang="en-US" dirty="0" smtClean="0"/>
-          </a:p>
-          <a:p>
-            <a:pPr marL="742950" lvl="1" indent="-285750">
-              <a:buFont typeface="Arial" panose="020B0604020202020204" pitchFamily="34" charset="0"/>
-              <a:buChar char="•"/>
-            </a:pPr>
-            <a:r>
-              <a:rPr lang="en-US" dirty="0" smtClean="0"/>
-              <a:t># of layers, neurons</a:t>
-            </a:r>
-          </a:p>
-          <a:p>
-            <a:pPr marL="742950" lvl="1" indent="-285750">
-              <a:buFont typeface="Arial" panose="020B0604020202020204" pitchFamily="34" charset="0"/>
-              <a:buChar char="•"/>
-            </a:pPr>
-            <a:r>
-              <a:rPr lang="en-US" dirty="0" smtClean="0"/>
-              <a:t>Activation function</a:t>
-            </a:r>
-          </a:p>
-          <a:p>
-            <a:pPr marL="285750" indent="-285750">
-              <a:buFont typeface="Arial" panose="020B0604020202020204" pitchFamily="34" charset="0"/>
-              <a:buChar char="•"/>
-            </a:pPr>
-            <a:r>
-              <a:rPr lang="en-US" dirty="0" smtClean="0"/>
-              <a:t>Packages</a:t>
-            </a:r>
-          </a:p>
-          <a:p>
-            <a:pPr marL="742950" lvl="1" indent="-285750">
-              <a:buFont typeface="Arial" panose="020B0604020202020204" pitchFamily="34" charset="0"/>
-              <a:buChar char="•"/>
-            </a:pPr>
-            <a:r>
-              <a:rPr lang="en-US" dirty="0" err="1" smtClean="0"/>
-              <a:t>Tensorflow</a:t>
-            </a:r>
-            <a:r>
-              <a:rPr lang="en-US" dirty="0" smtClean="0"/>
-              <a:t>, </a:t>
-            </a:r>
-            <a:r>
-              <a:rPr lang="en-US" dirty="0" err="1" smtClean="0"/>
-              <a:t>pytorch</a:t>
-            </a:r>
-            <a:endParaRPr lang="en-US" dirty="0" smtClean="0"/>
-          </a:p>
-          <a:p>
-            <a:pPr marL="285750" indent="-285750">
-              <a:buFont typeface="Arial" panose="020B0604020202020204" pitchFamily="34" charset="0"/>
-              <a:buChar char="•"/>
-            </a:pPr>
-            <a:r>
-              <a:rPr lang="en-US" dirty="0" smtClean="0"/>
-              <a:t>Machine</a:t>
-            </a:r>
-          </a:p>
-          <a:p>
-            <a:pPr marL="742950" lvl="1" indent="-285750">
-              <a:buFont typeface="Arial" panose="020B0604020202020204" pitchFamily="34" charset="0"/>
-              <a:buChar char="•"/>
-            </a:pPr>
-            <a:r>
-              <a:rPr lang="en-US" dirty="0" smtClean="0"/>
-              <a:t>CPU, GPU spec</a:t>
-            </a:r>
-            <a:endParaRPr lang="en-US" dirty="0"/>
-          </a:p>
-          <a:p>
-            <a:pPr marL="285750" indent="-285750">
-              <a:buFont typeface="Arial" panose="020B0604020202020204" pitchFamily="34" charset="0"/>
-              <a:buChar char="•"/>
-            </a:pPr>
-            <a:r>
-              <a:rPr lang="en-US" dirty="0" smtClean="0"/>
-              <a:t>Training algorithms</a:t>
-            </a:r>
-          </a:p>
-          <a:p>
-            <a:pPr marL="742950" lvl="1" indent="-285750">
-              <a:buFont typeface="Arial" panose="020B0604020202020204" pitchFamily="34" charset="0"/>
-              <a:buChar char="•"/>
-            </a:pPr>
-            <a:r>
-              <a:rPr lang="en-US" dirty="0" smtClean="0"/>
-              <a:t>SGD, learning rate, epochs</a:t>
-            </a:r>
-          </a:p>
-          <a:p>
-            <a:pPr marL="285750" indent="-285750">
-              <a:buFont typeface="Arial" panose="020B0604020202020204" pitchFamily="34" charset="0"/>
-              <a:buChar char="•"/>
-            </a:pPr>
-            <a:r>
-              <a:rPr lang="en-US" dirty="0" smtClean="0"/>
-              <a:t>Performance criteria</a:t>
-            </a:r>
-          </a:p>
-          <a:p>
-            <a:pPr marL="742950" lvl="1" indent="-285750">
-              <a:buFont typeface="Arial" panose="020B0604020202020204" pitchFamily="34" charset="0"/>
-              <a:buChar char="•"/>
-            </a:pPr>
-            <a:r>
-              <a:rPr lang="en-US" dirty="0" smtClean="0"/>
-              <a:t>Test set accuracy</a:t>
-            </a:r>
-            <a:endParaRPr lang="en-US" dirty="0"/>
-          </a:p>
-        </p:txBody>
-      </p:sp>
-      <mc:AlternateContent xmlns:mc="http://schemas.openxmlformats.org/markup-compatibility/2006">
-        <mc:Choice xmlns:a14="http://schemas.microsoft.com/office/drawing/2010/main" Requires="a14">
-          <p:sp>
-            <p:nvSpPr>
-              <p:cNvPr id="11" name="TextBox 10"/>
-              <p:cNvSpPr txBox="1"/>
-              <p:nvPr/>
-            </p:nvSpPr>
-            <p:spPr>
-              <a:xfrm>
-                <a:off x="4654731" y="2697204"/>
-                <a:ext cx="2978332" cy="3139321"/>
-              </a:xfrm>
-              <a:prstGeom prst="rect">
-                <a:avLst/>
-              </a:prstGeom>
-              <a:solidFill>
-                <a:schemeClr val="accent6">
-                  <a:lumMod val="20000"/>
-                  <a:lumOff val="80000"/>
-                </a:schemeClr>
-              </a:solidFill>
-            </p:spPr>
-            <p:txBody>
-              <a:bodyPr wrap="square" rtlCol="0">
-                <a:spAutoFit/>
-              </a:bodyPr>
-              <a:lstStyle/>
-              <a:p>
-                <a:pPr marL="285750" indent="-285750">
-                  <a:buFont typeface="Arial" panose="020B0604020202020204" pitchFamily="34" charset="0"/>
-                  <a:buChar char="•"/>
-                </a:pPr>
-                <a:r>
-                  <a:rPr lang="en-US" dirty="0" smtClean="0"/>
-                  <a:t>Methods</a:t>
-                </a:r>
-              </a:p>
-              <a:p>
-                <a:pPr marL="742950" lvl="1" indent="-285750">
-                  <a:buFont typeface="Arial" panose="020B0604020202020204" pitchFamily="34" charset="0"/>
-                  <a:buChar char="•"/>
-                </a:pPr>
-                <a:r>
-                  <a:rPr lang="en-US" dirty="0" err="1" smtClean="0"/>
-                  <a:t>DeepFool</a:t>
-                </a:r>
-                <a:r>
-                  <a:rPr lang="en-US" dirty="0" smtClean="0"/>
-                  <a:t>, FGSM</a:t>
-                </a:r>
-              </a:p>
-              <a:p>
-                <a:pPr marL="742950" lvl="1" indent="-285750">
-                  <a:buFont typeface="Arial" panose="020B0604020202020204" pitchFamily="34" charset="0"/>
-                  <a:buChar char="•"/>
-                </a:pPr>
-                <a:r>
-                  <a:rPr lang="en-US" dirty="0" smtClean="0"/>
-                  <a:t>I-FGSM, CW</a:t>
-                </a:r>
-              </a:p>
-              <a:p>
-                <a:pPr marL="285750" indent="-285750">
-                  <a:buFont typeface="Arial" panose="020B0604020202020204" pitchFamily="34" charset="0"/>
-                  <a:buChar char="•"/>
-                </a:pPr>
-                <a:r>
-                  <a:rPr lang="en-US" dirty="0" smtClean="0"/>
-                  <a:t>Distance metric</a:t>
-                </a:r>
-              </a:p>
-              <a:p>
-                <a:pPr marL="742950" lvl="1" indent="-285750">
-                  <a:buFont typeface="Arial" panose="020B0604020202020204" pitchFamily="34" charset="0"/>
-                  <a:buChar char="•"/>
-                </a:pPr>
-                <a:r>
-                  <a:rPr lang="en-US" dirty="0" err="1" smtClean="0"/>
-                  <a:t>L</a:t>
-                </a:r>
-                <a14:m>
-                  <m:oMath xmlns:m="http://schemas.openxmlformats.org/officeDocument/2006/math">
-                    <m:r>
-                      <a:rPr lang="en-US" b="0" i="1" baseline="-25000" dirty="0" smtClean="0">
-                        <a:latin typeface="Cambria Math" panose="02040503050406030204" pitchFamily="18" charset="0"/>
-                      </a:rPr>
-                      <m:t>∞</m:t>
-                    </m:r>
-                  </m:oMath>
-                </a14:m>
-                <a:r>
-                  <a:rPr lang="en-US" dirty="0" smtClean="0"/>
-                  <a:t>, L</a:t>
-                </a:r>
-                <a:r>
-                  <a:rPr lang="en-US" baseline="-25000" dirty="0" smtClean="0"/>
-                  <a:t>2</a:t>
-                </a:r>
-                <a:r>
-                  <a:rPr lang="en-US" dirty="0" smtClean="0"/>
-                  <a:t>, L</a:t>
-                </a:r>
-                <a:r>
-                  <a:rPr lang="en-US" baseline="-25000" dirty="0" smtClean="0"/>
-                  <a:t>1</a:t>
-                </a:r>
-                <a:r>
-                  <a:rPr lang="en-US" dirty="0" smtClean="0"/>
-                  <a:t>, L</a:t>
-                </a:r>
-                <a:r>
-                  <a:rPr lang="en-US" baseline="-25000" dirty="0" smtClean="0"/>
-                  <a:t>0</a:t>
-                </a:r>
-                <a:endParaRPr lang="en-US" baseline="-25000" dirty="0"/>
-              </a:p>
-              <a:p>
-                <a:pPr marL="285750" indent="-285750">
-                  <a:buFont typeface="Arial" panose="020B0604020202020204" pitchFamily="34" charset="0"/>
-                  <a:buChar char="•"/>
-                </a:pPr>
-                <a:r>
-                  <a:rPr lang="en-US" dirty="0" smtClean="0"/>
-                  <a:t>Performance criteria</a:t>
-                </a:r>
-              </a:p>
-              <a:p>
-                <a:pPr marL="742950" lvl="1" indent="-285750">
-                  <a:buFont typeface="Arial" panose="020B0604020202020204" pitchFamily="34" charset="0"/>
-                  <a:buChar char="•"/>
-                </a:pPr>
-                <a:r>
-                  <a:rPr lang="en-US" dirty="0" smtClean="0"/>
-                  <a:t>distortion of each image</a:t>
-                </a:r>
-              </a:p>
-              <a:p>
-                <a:pPr marL="742950" lvl="1" indent="-285750">
-                  <a:buFont typeface="Arial" panose="020B0604020202020204" pitchFamily="34" charset="0"/>
-                  <a:buChar char="•"/>
-                </a:pPr>
-                <a:r>
-                  <a:rPr lang="en-US" dirty="0" smtClean="0"/>
-                  <a:t>average distortion </a:t>
-                </a:r>
-              </a:p>
-              <a:p>
-                <a:pPr marL="742950" lvl="1" indent="-285750">
-                  <a:buFont typeface="Arial" panose="020B0604020202020204" pitchFamily="34" charset="0"/>
-                  <a:buChar char="•"/>
-                </a:pPr>
-                <a:r>
-                  <a:rPr lang="en-US" dirty="0" smtClean="0"/>
-                  <a:t>Success rate </a:t>
-                </a:r>
-              </a:p>
-              <a:p>
-                <a:pPr marL="742950" lvl="1" indent="-285750">
-                  <a:buFont typeface="Arial" panose="020B0604020202020204" pitchFamily="34" charset="0"/>
-                  <a:buChar char="•"/>
-                </a:pPr>
-                <a:endParaRPr lang="en-US" dirty="0"/>
-              </a:p>
-            </p:txBody>
-          </p:sp>
-        </mc:Choice>
-        <mc:Fallback>
-          <p:sp>
-            <p:nvSpPr>
-              <p:cNvPr id="11" name="TextBox 10"/>
-              <p:cNvSpPr txBox="1">
-                <a:spLocks noRot="1" noChangeAspect="1" noMove="1" noResize="1" noEditPoints="1" noAdjustHandles="1" noChangeArrowheads="1" noChangeShapeType="1" noTextEdit="1"/>
-              </p:cNvSpPr>
-              <p:nvPr/>
-            </p:nvSpPr>
-            <p:spPr>
-              <a:xfrm>
-                <a:off x="4654731" y="2697204"/>
-                <a:ext cx="2978332" cy="3139321"/>
-              </a:xfrm>
-              <a:prstGeom prst="rect">
-                <a:avLst/>
-              </a:prstGeom>
-              <a:blipFill>
-                <a:blip r:embed="rId2"/>
-                <a:stretch>
-                  <a:fillRect l="-1434" t="-971"/>
-                </a:stretch>
-              </a:blipFill>
-            </p:spPr>
-            <p:txBody>
-              <a:bodyPr/>
-              <a:lstStyle/>
-              <a:p>
-                <a:r>
-                  <a:rPr lang="en-US">
-                    <a:noFill/>
-                  </a:rPr>
-                  <a:t> </a:t>
-                </a:r>
-              </a:p>
-            </p:txBody>
-          </p:sp>
-        </mc:Fallback>
-      </mc:AlternateContent>
-      <mc:AlternateContent xmlns:mc="http://schemas.openxmlformats.org/markup-compatibility/2006">
-        <mc:Choice xmlns:a14="http://schemas.microsoft.com/office/drawing/2010/main" Requires="a14">
-          <p:sp>
-            <p:nvSpPr>
-              <p:cNvPr id="12" name="TextBox 11"/>
-              <p:cNvSpPr txBox="1"/>
-              <p:nvPr/>
-            </p:nvSpPr>
-            <p:spPr>
-              <a:xfrm>
-                <a:off x="8094617" y="1881049"/>
-                <a:ext cx="3914503" cy="4062651"/>
-              </a:xfrm>
-              <a:prstGeom prst="rect">
-                <a:avLst/>
-              </a:prstGeom>
-              <a:solidFill>
-                <a:schemeClr val="accent4">
-                  <a:lumMod val="20000"/>
-                  <a:lumOff val="80000"/>
-                </a:schemeClr>
-              </a:solidFill>
-            </p:spPr>
-            <p:txBody>
-              <a:bodyPr wrap="square" rtlCol="0">
-                <a:spAutoFit/>
-              </a:bodyPr>
-              <a:lstStyle/>
-              <a:p>
-                <a:r>
-                  <a:rPr lang="en-US" sz="2400" b="1" dirty="0" smtClean="0">
-                    <a:solidFill>
-                      <a:srgbClr val="FF0000"/>
-                    </a:solidFill>
-                  </a:rPr>
-                  <a:t>The Pipeline: </a:t>
-                </a:r>
-              </a:p>
-              <a:p>
-                <a:r>
-                  <a:rPr lang="en-US" dirty="0" smtClean="0"/>
-                  <a:t>For each method,</a:t>
-                </a:r>
-              </a:p>
-              <a:p>
-                <a:pPr marL="342900" indent="-342900">
-                  <a:buAutoNum type="alphaLcParenBoth"/>
-                </a:pPr>
-                <a:r>
-                  <a:rPr lang="en-US" dirty="0" smtClean="0"/>
-                  <a:t>First use available models from the codes and do Step 2 to make sure we can run the codes</a:t>
-                </a:r>
-              </a:p>
-              <a:p>
-                <a:pPr marL="342900" indent="-342900">
-                  <a:buAutoNum type="alphaLcParenBoth"/>
-                </a:pPr>
-                <a:r>
-                  <a:rPr lang="en-US" dirty="0" smtClean="0"/>
-                  <a:t>Second, go to Step 1 and start from simplest dataset (MNIST and CIFAR) and train a NN-classifier ourselves </a:t>
-                </a:r>
-              </a:p>
-              <a:p>
-                <a:pPr marL="342900" indent="-342900">
-                  <a:buAutoNum type="alphaLcParenBoth"/>
-                </a:pPr>
-                <a:r>
-                  <a:rPr lang="en-US" dirty="0" smtClean="0"/>
-                  <a:t>Use the model that we trained in Step 1 and craft adversarial examples for distance </a:t>
-                </a:r>
-                <a:r>
-                  <a:rPr lang="en-US" dirty="0" smtClean="0"/>
-                  <a:t>L</a:t>
-                </a:r>
-                <a14:m>
-                  <m:oMath xmlns:m="http://schemas.openxmlformats.org/officeDocument/2006/math">
-                    <m:r>
-                      <a:rPr lang="en-US" b="0" i="1" baseline="-25000" dirty="0" smtClean="0">
-                        <a:latin typeface="Cambria Math" panose="02040503050406030204" pitchFamily="18" charset="0"/>
-                      </a:rPr>
-                      <m:t>∞</m:t>
-                    </m:r>
-                  </m:oMath>
-                </a14:m>
-                <a:r>
-                  <a:rPr lang="en-US" dirty="0" smtClean="0"/>
-                  <a:t>, and/or L</a:t>
-                </a:r>
-                <a:r>
-                  <a:rPr lang="en-US" baseline="-25000" dirty="0" smtClean="0"/>
-                  <a:t>2</a:t>
-                </a:r>
-              </a:p>
-              <a:p>
-                <a:pPr marL="342900" indent="-342900">
-                  <a:buAutoNum type="alphaLcParenBoth"/>
-                </a:pPr>
-                <a:r>
-                  <a:rPr lang="en-US" dirty="0" smtClean="0"/>
-                  <a:t>Evaluate the crafting results in Step 2 and summarize all the parameters/results in the slides</a:t>
-                </a:r>
-                <a:endParaRPr lang="en-US" dirty="0"/>
-              </a:p>
-            </p:txBody>
-          </p:sp>
-        </mc:Choice>
-        <mc:Fallback>
-          <p:sp>
-            <p:nvSpPr>
-              <p:cNvPr id="12" name="TextBox 11"/>
-              <p:cNvSpPr txBox="1">
-                <a:spLocks noRot="1" noChangeAspect="1" noMove="1" noResize="1" noEditPoints="1" noAdjustHandles="1" noChangeArrowheads="1" noChangeShapeType="1" noTextEdit="1"/>
-              </p:cNvSpPr>
-              <p:nvPr/>
-            </p:nvSpPr>
-            <p:spPr>
-              <a:xfrm>
-                <a:off x="8094617" y="1881049"/>
-                <a:ext cx="3914503" cy="4062651"/>
-              </a:xfrm>
-              <a:prstGeom prst="rect">
-                <a:avLst/>
-              </a:prstGeom>
-              <a:blipFill>
-                <a:blip r:embed="rId3"/>
-                <a:stretch>
-                  <a:fillRect l="-2492" t="-1201" r="-467" b="-1502"/>
-                </a:stretch>
-              </a:blipFill>
-            </p:spPr>
-            <p:txBody>
-              <a:bodyPr/>
-              <a:lstStyle/>
-              <a:p>
-                <a:r>
-                  <a:rPr lang="en-US">
-                    <a:noFill/>
-                  </a:rPr>
-                  <a:t> </a:t>
-                </a:r>
-              </a:p>
-            </p:txBody>
-          </p:sp>
-        </mc:Fallback>
-      </mc:AlternateContent>
+              <a:rPr lang="en-US" sz="2800" dirty="0"/>
+              <a:t>Closest projection of x_0 on the boundary polyhedron</a:t>
+            </a:r>
+          </a:p>
+        </p:txBody>
+      </p:sp>
+      <p:pic>
+        <p:nvPicPr>
+          <p:cNvPr id="12" name="Picture 11">
+            <a:extLst>
+              <a:ext uri="{FF2B5EF4-FFF2-40B4-BE49-F238E27FC236}">
+                <a16:creationId xmlns:a16="http://schemas.microsoft.com/office/drawing/2014/main" id="{62FD3D7E-479C-2D43-A4D7-2BCBE7821092}"/>
+              </a:ext>
+            </a:extLst>
+          </p:cNvPr>
+          <p:cNvPicPr>
+            <a:picLocks noChangeAspect="1"/>
+          </p:cNvPicPr>
+          <p:nvPr/>
+        </p:nvPicPr>
+        <p:blipFill>
+          <a:blip r:embed="rId4">
+            <a:extLst>
+              <a:ext uri="{28A0092B-C50C-407E-A947-70E740481C1C}">
+                <a14:useLocalDpi xmlns:a14="http://schemas.microsoft.com/office/drawing/2010/main" val="0"/>
+              </a:ext>
+            </a:extLst>
+          </a:blip>
+          <a:stretch>
+            <a:fillRect/>
+          </a:stretch>
+        </p:blipFill>
+        <p:spPr>
+          <a:xfrm>
+            <a:off x="7776019" y="2818515"/>
+            <a:ext cx="4415980" cy="4039485"/>
+          </a:xfrm>
+          <a:prstGeom prst="rect">
+            <a:avLst/>
+          </a:prstGeom>
+        </p:spPr>
+      </p:pic>
     </p:spTree>
     <p:extLst>
       <p:ext uri="{BB962C8B-B14F-4D97-AF65-F5344CB8AC3E}">
-        <p14:creationId xmlns:p14="http://schemas.microsoft.com/office/powerpoint/2010/main" val="1263648481"/>
+        <p14:creationId xmlns:p14="http://schemas.microsoft.com/office/powerpoint/2010/main" val="3083699720"/>
       </p:ext>
     </p:extLst>
   </p:cSld>
@@ -5578,7 +6377,13 @@
       </p:grpSpPr>
       <p:sp>
         <p:nvSpPr>
-          <p:cNvPr id="2" name="Title 1"/>
+          <p:cNvPr id="2" name="Title 1">
+            <a:extLst>
+              <a:ext uri="{FF2B5EF4-FFF2-40B4-BE49-F238E27FC236}">
+                <a16:creationId xmlns:a16="http://schemas.microsoft.com/office/drawing/2014/main" id="{0C6130DC-E63F-5740-80BD-D3AEC3F9BC3E}"/>
+              </a:ext>
+            </a:extLst>
+          </p:cNvPr>
           <p:cNvSpPr>
             <a:spLocks noGrp="1"/>
           </p:cNvSpPr>
@@ -5592,159 +6397,41 @@
           <a:lstStyle/>
           <a:p>
             <a:r>
-              <a:rPr lang="en-US" dirty="0" smtClean="0">
-                <a:solidFill>
-                  <a:srgbClr val="FF0000"/>
-                </a:solidFill>
-              </a:rPr>
-              <a:t>Result presentation example (final presentation of this semester’s result)</a:t>
-            </a:r>
-            <a:endParaRPr lang="en-US" dirty="0">
-              <a:solidFill>
-                <a:srgbClr val="FF0000"/>
-              </a:solidFill>
-            </a:endParaRPr>
-          </a:p>
-        </p:txBody>
-      </p:sp>
-      <p:sp>
-        <p:nvSpPr>
-          <p:cNvPr id="6" name="Text Placeholder 5"/>
-          <p:cNvSpPr>
-            <a:spLocks noGrp="1"/>
-          </p:cNvSpPr>
-          <p:nvPr>
-            <p:ph type="body" idx="1"/>
-          </p:nvPr>
-        </p:nvSpPr>
-        <p:spPr/>
-        <p:txBody>
-          <a:bodyPr/>
-          <a:lstStyle/>
-          <a:p>
-            <a:r>
-              <a:rPr lang="en-US" dirty="0" smtClean="0"/>
-              <a:t>1. Visual illustration</a:t>
-            </a:r>
-            <a:endParaRPr lang="en-US" dirty="0"/>
-          </a:p>
-        </p:txBody>
-      </p:sp>
-      <p:sp>
-        <p:nvSpPr>
-          <p:cNvPr id="8" name="Text Placeholder 7"/>
-          <p:cNvSpPr>
-            <a:spLocks noGrp="1"/>
-          </p:cNvSpPr>
-          <p:nvPr>
-            <p:ph type="body" sz="quarter" idx="3"/>
-          </p:nvPr>
-        </p:nvSpPr>
-        <p:spPr/>
-        <p:txBody>
-          <a:bodyPr/>
-          <a:lstStyle/>
-          <a:p>
-            <a:r>
-              <a:rPr lang="en-US" dirty="0" smtClean="0"/>
-              <a:t>2. Quantitative analysis</a:t>
-            </a:r>
-            <a:endParaRPr lang="en-US" dirty="0"/>
-          </a:p>
-        </p:txBody>
-      </p:sp>
-      <p:pic>
-        <p:nvPicPr>
-          <p:cNvPr id="12" name="Content Placeholder 3"/>
-          <p:cNvPicPr>
-            <a:picLocks noGrp="1" noChangeAspect="1"/>
-          </p:cNvPicPr>
-          <p:nvPr>
-            <p:ph sz="half" idx="2"/>
-          </p:nvPr>
-        </p:nvPicPr>
-        <p:blipFill rotWithShape="1">
-          <a:blip r:embed="rId2"/>
-          <a:srcRect l="13893" t="41789" r="75921" b="21576"/>
-          <a:stretch/>
-        </p:blipFill>
-        <p:spPr>
-          <a:xfrm>
-            <a:off x="1675633" y="2663301"/>
-            <a:ext cx="3486096" cy="3526362"/>
-          </a:xfrm>
-          <a:prstGeom prst="rect">
-            <a:avLst/>
-          </a:prstGeom>
-        </p:spPr>
-      </p:pic>
-      <p:pic>
-        <p:nvPicPr>
-          <p:cNvPr id="15" name="Content Placeholder 12"/>
-          <p:cNvPicPr>
-            <a:picLocks noGrp="1" noChangeAspect="1"/>
-          </p:cNvPicPr>
-          <p:nvPr>
-            <p:ph sz="quarter" idx="4"/>
-          </p:nvPr>
-        </p:nvPicPr>
-        <p:blipFill rotWithShape="1">
-          <a:blip r:embed="rId3"/>
-          <a:srcRect l="13147" t="46890" r="75092" b="20851"/>
-          <a:stretch/>
-        </p:blipFill>
-        <p:spPr>
-          <a:xfrm>
-            <a:off x="6612942" y="2688127"/>
-            <a:ext cx="4301703" cy="3318483"/>
-          </a:xfrm>
-          <a:prstGeom prst="rect">
-            <a:avLst/>
-          </a:prstGeom>
-        </p:spPr>
-      </p:pic>
-      <p:sp>
-        <p:nvSpPr>
-          <p:cNvPr id="16" name="TextBox 15"/>
-          <p:cNvSpPr txBox="1"/>
-          <p:nvPr/>
-        </p:nvSpPr>
-        <p:spPr>
-          <a:xfrm>
-            <a:off x="6522718" y="2510790"/>
-            <a:ext cx="4241075" cy="369332"/>
-          </a:xfrm>
-          <a:prstGeom prst="rect">
-            <a:avLst/>
-          </a:prstGeom>
-          <a:noFill/>
-        </p:spPr>
-        <p:txBody>
-          <a:bodyPr wrap="square" rtlCol="0">
-            <a:spAutoFit/>
-          </a:bodyPr>
-          <a:lstStyle/>
-          <a:p>
-            <a:r>
-              <a:rPr lang="en-US" dirty="0" smtClean="0"/>
-              <a:t>Average distortion, success rate, </a:t>
-            </a:r>
-            <a:r>
-              <a:rPr lang="en-US" dirty="0" err="1" smtClean="0"/>
-              <a:t>etc</a:t>
-            </a:r>
-            <a:r>
-              <a:rPr lang="en-US" dirty="0" smtClean="0"/>
-              <a:t> </a:t>
-            </a:r>
-            <a:endParaRPr lang="en-US" dirty="0"/>
+              <a:rPr lang="en-US" dirty="0"/>
+              <a:t>Validation (?)</a:t>
+            </a:r>
+          </a:p>
+        </p:txBody>
+      </p:sp>
+      <p:sp>
+        <p:nvSpPr>
+          <p:cNvPr id="3" name="Content Placeholder 2">
+            <a:extLst>
+              <a:ext uri="{FF2B5EF4-FFF2-40B4-BE49-F238E27FC236}">
+                <a16:creationId xmlns:a16="http://schemas.microsoft.com/office/drawing/2014/main" id="{F9359459-CA57-024B-9B33-82679218D6F6}"/>
+              </a:ext>
+            </a:extLst>
+          </p:cNvPr>
+          <p:cNvSpPr>
+            <a:spLocks noGrp="1"/>
+          </p:cNvSpPr>
+          <p:nvPr>
+            <p:ph idx="1"/>
+          </p:nvPr>
+        </p:nvSpPr>
+        <p:spPr/>
+        <p:txBody>
+          <a:bodyPr/>
+          <a:lstStyle/>
+          <a:p>
+            <a:endParaRPr lang="en-US"/>
           </a:p>
         </p:txBody>
       </p:sp>
     </p:spTree>
     <p:extLst>
       <p:ext uri="{BB962C8B-B14F-4D97-AF65-F5344CB8AC3E}">
-        <p14:creationId xmlns:p14="http://schemas.microsoft.com/office/powerpoint/2010/main" val="3469207618"/>
+        <p14:creationId xmlns:p14="http://schemas.microsoft.com/office/powerpoint/2010/main" val="700745056"/>
       </p:ext>
     </p:extLst>
   </p:cSld>
@@ -5787,44 +6474,210 @@
           <a:lstStyle/>
           <a:p>
             <a:r>
-              <a:rPr lang="en-US" dirty="0" smtClean="0">
+              <a:rPr lang="en-US" dirty="0"/>
+              <a:t>Methods Summary</a:t>
+            </a:r>
+          </a:p>
+        </p:txBody>
+      </p:sp>
+      <p:sp>
+        <p:nvSpPr>
+          <p:cNvPr id="4" name="Text Placeholder 3"/>
+          <p:cNvSpPr>
+            <a:spLocks noGrp="1"/>
+          </p:cNvSpPr>
+          <p:nvPr>
+            <p:ph type="body" idx="1"/>
+          </p:nvPr>
+        </p:nvSpPr>
+        <p:spPr/>
+        <p:txBody>
+          <a:bodyPr/>
+          <a:lstStyle/>
+          <a:p>
+            <a:r>
+              <a:rPr lang="en-US" dirty="0"/>
+              <a:t>1. </a:t>
+            </a:r>
+            <a:r>
+              <a:rPr lang="en-US" dirty="0" err="1"/>
+              <a:t>DeepFool</a:t>
+            </a:r>
+            <a:endParaRPr lang="en-US" dirty="0"/>
+          </a:p>
+        </p:txBody>
+      </p:sp>
+      <p:sp>
+        <p:nvSpPr>
+          <p:cNvPr id="5" name="Content Placeholder 4"/>
+          <p:cNvSpPr>
+            <a:spLocks noGrp="1"/>
+          </p:cNvSpPr>
+          <p:nvPr>
+            <p:ph sz="half" idx="2"/>
+          </p:nvPr>
+        </p:nvSpPr>
+        <p:spPr/>
+        <p:txBody>
+          <a:bodyPr>
+            <a:normAutofit lnSpcReduction="10000"/>
+          </a:bodyPr>
+          <a:lstStyle/>
+          <a:p>
+            <a:r>
+              <a:rPr lang="en-US" dirty="0">
                 <a:solidFill>
                   <a:srgbClr val="FF0000"/>
                 </a:solidFill>
               </a:rPr>
-              <a:t>Method 2: FGSM</a:t>
-            </a:r>
-            <a:endParaRPr lang="en-US" dirty="0">
-              <a:solidFill>
-                <a:srgbClr val="FF0000"/>
-              </a:solidFill>
-            </a:endParaRPr>
-          </a:p>
-        </p:txBody>
-      </p:sp>
-      <p:sp>
-        <p:nvSpPr>
-          <p:cNvPr id="3" name="Content Placeholder 2"/>
-          <p:cNvSpPr>
-            <a:spLocks noGrp="1"/>
-          </p:cNvSpPr>
-          <p:nvPr>
-            <p:ph idx="1"/>
-          </p:nvPr>
-        </p:nvSpPr>
-        <p:spPr/>
-        <p:txBody>
-          <a:bodyPr/>
-          <a:lstStyle/>
-          <a:p>
-            <a:endParaRPr lang="en-US"/>
+              <a:t>Idea:</a:t>
+            </a:r>
+          </a:p>
+          <a:p>
+            <a:r>
+              <a:rPr lang="en-US" dirty="0"/>
+              <a:t>Paper:</a:t>
+            </a:r>
+          </a:p>
+          <a:p>
+            <a:pPr lvl="1"/>
+            <a:r>
+              <a:rPr lang="en-US" dirty="0"/>
+              <a:t>A simple and accurate method to fool deep neural networks</a:t>
+            </a:r>
+          </a:p>
+          <a:p>
+            <a:pPr lvl="1"/>
+            <a:r>
+              <a:rPr lang="en-US" dirty="0"/>
+              <a:t>https://arxiv.org/abs/1511.04599</a:t>
+            </a:r>
+          </a:p>
+          <a:p>
+            <a:r>
+              <a:rPr lang="en-US" dirty="0"/>
+              <a:t>Code:</a:t>
+            </a:r>
+          </a:p>
+          <a:p>
+            <a:pPr lvl="1"/>
+            <a:r>
+              <a:rPr lang="en-US" dirty="0">
+                <a:hlinkClick r:id="rId2"/>
+              </a:rPr>
+              <a:t>https://github.com/LTS4/DeepFool</a:t>
+            </a:r>
+            <a:endParaRPr lang="en-US" dirty="0"/>
+          </a:p>
+          <a:p>
+            <a:pPr lvl="1"/>
+            <a:r>
+              <a:rPr lang="en-US" dirty="0" err="1"/>
+              <a:t>Pytorch</a:t>
+            </a:r>
+            <a:endParaRPr lang="en-US" dirty="0"/>
+          </a:p>
+        </p:txBody>
+      </p:sp>
+      <p:sp>
+        <p:nvSpPr>
+          <p:cNvPr id="6" name="Text Placeholder 5"/>
+          <p:cNvSpPr>
+            <a:spLocks noGrp="1"/>
+          </p:cNvSpPr>
+          <p:nvPr>
+            <p:ph type="body" sz="quarter" idx="3"/>
+          </p:nvPr>
+        </p:nvSpPr>
+        <p:spPr/>
+        <p:txBody>
+          <a:bodyPr/>
+          <a:lstStyle/>
+          <a:p>
+            <a:r>
+              <a:rPr lang="en-US" dirty="0"/>
+              <a:t>2. Fast Gradient Sign Method (FGSM)</a:t>
+            </a:r>
+          </a:p>
+        </p:txBody>
+      </p:sp>
+      <p:sp>
+        <p:nvSpPr>
+          <p:cNvPr id="7" name="Content Placeholder 6"/>
+          <p:cNvSpPr>
+            <a:spLocks noGrp="1"/>
+          </p:cNvSpPr>
+          <p:nvPr>
+            <p:ph sz="quarter" idx="4"/>
+          </p:nvPr>
+        </p:nvSpPr>
+        <p:spPr/>
+        <p:txBody>
+          <a:bodyPr>
+            <a:normAutofit lnSpcReduction="10000"/>
+          </a:bodyPr>
+          <a:lstStyle/>
+          <a:p>
+            <a:r>
+              <a:rPr lang="en-US" dirty="0">
+                <a:solidFill>
+                  <a:srgbClr val="FF0000"/>
+                </a:solidFill>
+              </a:rPr>
+              <a:t>Idea:</a:t>
+            </a:r>
+          </a:p>
+          <a:p>
+            <a:r>
+              <a:rPr lang="en-US" dirty="0"/>
+              <a:t>Paper:</a:t>
+            </a:r>
+          </a:p>
+          <a:p>
+            <a:pPr lvl="1"/>
+            <a:r>
+              <a:rPr lang="en-US" dirty="0"/>
+              <a:t>Explaining and Harnessing Adversarial Examples</a:t>
+            </a:r>
+          </a:p>
+          <a:p>
+            <a:pPr lvl="1"/>
+            <a:r>
+              <a:rPr lang="en-US" dirty="0"/>
+              <a:t>https://arxiv.org/abs/1412.6572</a:t>
+            </a:r>
+          </a:p>
+          <a:p>
+            <a:r>
+              <a:rPr lang="en-US" dirty="0"/>
+              <a:t>Code:</a:t>
+            </a:r>
+          </a:p>
+          <a:p>
+            <a:pPr lvl="1"/>
+            <a:r>
+              <a:rPr lang="en-US" dirty="0"/>
+              <a:t>https://github.com/gongzhitaao/tensorflow-adversarial</a:t>
+            </a:r>
+          </a:p>
+          <a:p>
+            <a:pPr lvl="1"/>
+            <a:r>
+              <a:rPr lang="en-US" dirty="0" err="1"/>
+              <a:t>Tensorflow</a:t>
+            </a:r>
+            <a:endParaRPr lang="en-US" dirty="0"/>
+          </a:p>
+          <a:p>
+            <a:pPr lvl="1"/>
+            <a:endParaRPr lang="en-US" dirty="0"/>
           </a:p>
         </p:txBody>
       </p:sp>
     </p:spTree>
     <p:extLst>
       <p:ext uri="{BB962C8B-B14F-4D97-AF65-F5344CB8AC3E}">
-        <p14:creationId xmlns:p14="http://schemas.microsoft.com/office/powerpoint/2010/main" val="398368996"/>
+        <p14:creationId xmlns:p14="http://schemas.microsoft.com/office/powerpoint/2010/main" val="3202584400"/>
       </p:ext>
     </p:extLst>
   </p:cSld>
@@ -5867,44 +6720,231 @@
           <a:lstStyle/>
           <a:p>
             <a:r>
-              <a:rPr lang="en-US" dirty="0" smtClean="0">
+              <a:rPr lang="en-US" dirty="0"/>
+              <a:t>Methods Summary</a:t>
+            </a:r>
+          </a:p>
+        </p:txBody>
+      </p:sp>
+      <p:sp>
+        <p:nvSpPr>
+          <p:cNvPr id="4" name="Text Placeholder 3"/>
+          <p:cNvSpPr>
+            <a:spLocks noGrp="1"/>
+          </p:cNvSpPr>
+          <p:nvPr>
+            <p:ph type="body" idx="1"/>
+          </p:nvPr>
+        </p:nvSpPr>
+        <p:spPr/>
+        <p:txBody>
+          <a:bodyPr/>
+          <a:lstStyle/>
+          <a:p>
+            <a:r>
+              <a:rPr lang="en-US" dirty="0"/>
+              <a:t>3. Iterative FGSM</a:t>
+            </a:r>
+          </a:p>
+        </p:txBody>
+      </p:sp>
+      <p:sp>
+        <p:nvSpPr>
+          <p:cNvPr id="5" name="Content Placeholder 4"/>
+          <p:cNvSpPr>
+            <a:spLocks noGrp="1"/>
+          </p:cNvSpPr>
+          <p:nvPr>
+            <p:ph sz="half" idx="2"/>
+          </p:nvPr>
+        </p:nvSpPr>
+        <p:spPr/>
+        <p:txBody>
+          <a:bodyPr>
+            <a:normAutofit fontScale="92500" lnSpcReduction="10000"/>
+          </a:bodyPr>
+          <a:lstStyle/>
+          <a:p>
+            <a:r>
+              <a:rPr lang="en-US" dirty="0">
                 <a:solidFill>
                   <a:srgbClr val="FF0000"/>
                 </a:solidFill>
               </a:rPr>
-              <a:t>Method 3: I-FGSM</a:t>
-            </a:r>
-            <a:endParaRPr lang="en-US" dirty="0">
-              <a:solidFill>
-                <a:srgbClr val="FF0000"/>
-              </a:solidFill>
-            </a:endParaRPr>
-          </a:p>
-        </p:txBody>
-      </p:sp>
-      <p:sp>
-        <p:nvSpPr>
-          <p:cNvPr id="3" name="Content Placeholder 2"/>
-          <p:cNvSpPr>
-            <a:spLocks noGrp="1"/>
-          </p:cNvSpPr>
-          <p:nvPr>
-            <p:ph idx="1"/>
-          </p:nvPr>
-        </p:nvSpPr>
-        <p:spPr/>
-        <p:txBody>
-          <a:bodyPr/>
-          <a:lstStyle/>
-          <a:p>
-            <a:endParaRPr lang="en-US"/>
+              <a:t>Idea:</a:t>
+            </a:r>
+          </a:p>
+          <a:p>
+            <a:r>
+              <a:rPr lang="en-US" dirty="0"/>
+              <a:t>Paper:</a:t>
+            </a:r>
+          </a:p>
+          <a:p>
+            <a:pPr lvl="1"/>
+            <a:r>
+              <a:rPr lang="en-US" dirty="0"/>
+              <a:t>Adversarial examples in the physical world</a:t>
+            </a:r>
+          </a:p>
+          <a:p>
+            <a:pPr lvl="1"/>
+            <a:r>
+              <a:rPr lang="en-US" dirty="0"/>
+              <a:t>https://arxiv.org/abs/1607.02533</a:t>
+            </a:r>
+          </a:p>
+          <a:p>
+            <a:r>
+              <a:rPr lang="en-US" dirty="0"/>
+              <a:t>Code:</a:t>
+            </a:r>
+          </a:p>
+          <a:p>
+            <a:pPr lvl="1"/>
+            <a:r>
+              <a:rPr lang="en-US" dirty="0">
+                <a:hlinkClick r:id="rId2"/>
+              </a:rPr>
+              <a:t>https://github.com/gongzhitaao/tensorflow-adversarial</a:t>
+            </a:r>
+            <a:endParaRPr lang="en-US" dirty="0"/>
+          </a:p>
+          <a:p>
+            <a:pPr lvl="1"/>
+            <a:r>
+              <a:rPr lang="en-US" dirty="0"/>
+              <a:t>Write codes based on FGSM</a:t>
+            </a:r>
+          </a:p>
+          <a:p>
+            <a:pPr lvl="1"/>
+            <a:r>
+              <a:rPr lang="en-US" dirty="0" err="1"/>
+              <a:t>Tensorflow</a:t>
+            </a:r>
+            <a:endParaRPr lang="en-US" dirty="0"/>
+          </a:p>
+          <a:p>
+            <a:endParaRPr lang="en-US" dirty="0"/>
+          </a:p>
+        </p:txBody>
+      </p:sp>
+      <p:sp>
+        <p:nvSpPr>
+          <p:cNvPr id="6" name="Text Placeholder 5"/>
+          <p:cNvSpPr>
+            <a:spLocks noGrp="1"/>
+          </p:cNvSpPr>
+          <p:nvPr>
+            <p:ph type="body" sz="quarter" idx="3"/>
+          </p:nvPr>
+        </p:nvSpPr>
+        <p:spPr/>
+        <p:txBody>
+          <a:bodyPr/>
+          <a:lstStyle/>
+          <a:p>
+            <a:r>
+              <a:rPr lang="en-US" dirty="0"/>
+              <a:t>4. </a:t>
+            </a:r>
+            <a:r>
+              <a:rPr lang="en-US" dirty="0" err="1"/>
+              <a:t>Carlini</a:t>
+            </a:r>
+            <a:r>
+              <a:rPr lang="en-US" dirty="0"/>
+              <a:t> Wagner Attack </a:t>
+            </a:r>
+          </a:p>
+        </p:txBody>
+      </p:sp>
+      <p:sp>
+        <p:nvSpPr>
+          <p:cNvPr id="7" name="Content Placeholder 6"/>
+          <p:cNvSpPr>
+            <a:spLocks noGrp="1"/>
+          </p:cNvSpPr>
+          <p:nvPr>
+            <p:ph sz="quarter" idx="4"/>
+          </p:nvPr>
+        </p:nvSpPr>
+        <p:spPr/>
+        <p:txBody>
+          <a:bodyPr>
+            <a:normAutofit lnSpcReduction="10000"/>
+          </a:bodyPr>
+          <a:lstStyle/>
+          <a:p>
+            <a:r>
+              <a:rPr lang="en-US" dirty="0">
+                <a:solidFill>
+                  <a:srgbClr val="FF0000"/>
+                </a:solidFill>
+              </a:rPr>
+              <a:t>Idea:</a:t>
+            </a:r>
+          </a:p>
+          <a:p>
+            <a:r>
+              <a:rPr lang="en-US" dirty="0"/>
+              <a:t>Paper:</a:t>
+            </a:r>
+          </a:p>
+          <a:p>
+            <a:pPr lvl="1"/>
+            <a:r>
+              <a:rPr lang="en-US" dirty="0"/>
+              <a:t>Towards Evaluating the Robustness of Neural Networks</a:t>
+            </a:r>
+          </a:p>
+          <a:p>
+            <a:pPr lvl="1"/>
+            <a:r>
+              <a:rPr lang="en-US" dirty="0">
+                <a:hlinkClick r:id="rId3"/>
+              </a:rPr>
+              <a:t>https://arxiv.org/abs/1608.04644</a:t>
+            </a:r>
+            <a:endParaRPr lang="en-US" dirty="0"/>
+          </a:p>
+          <a:p>
+            <a:r>
+              <a:rPr lang="en-US" dirty="0"/>
+              <a:t>Code</a:t>
+            </a:r>
+          </a:p>
+          <a:p>
+            <a:pPr lvl="1"/>
+            <a:r>
+              <a:rPr lang="en-US" dirty="0">
+                <a:hlinkClick r:id="rId2"/>
+              </a:rPr>
+              <a:t>https://github.com/gongzhitaao/tensorflow-adversarial</a:t>
+            </a:r>
+            <a:r>
+              <a:rPr lang="en-US" dirty="0"/>
+              <a:t> </a:t>
+            </a:r>
+          </a:p>
+          <a:p>
+            <a:pPr lvl="1"/>
+            <a:r>
+              <a:rPr lang="en-US" dirty="0" err="1"/>
+              <a:t>Tensorflow</a:t>
+            </a:r>
+            <a:r>
+              <a:rPr lang="en-US" dirty="0"/>
+              <a:t> </a:t>
+            </a:r>
           </a:p>
         </p:txBody>
       </p:sp>
     </p:spTree>
     <p:extLst>
       <p:ext uri="{BB962C8B-B14F-4D97-AF65-F5344CB8AC3E}">
-        <p14:creationId xmlns:p14="http://schemas.microsoft.com/office/powerpoint/2010/main" val="421577842"/>
+        <p14:creationId xmlns:p14="http://schemas.microsoft.com/office/powerpoint/2010/main" val="285251880"/>
       </p:ext>
     </p:extLst>
   </p:cSld>

--- a/Docs/Progress slides.pptx
+++ b/Docs/Progress slides.pptx
@@ -256,7 +256,7 @@
           <a:p>
             <a:fld id="{8D2E760F-CC1E-4233-984A-FEB50F5CF30D}" type="datetimeFigureOut">
               <a:rPr lang="en-US" smtClean="0"/>
-              <a:t>2/28/18</a:t>
+              <a:t>3/8/18</a:t>
             </a:fld>
             <a:endParaRPr lang="en-US"/>
           </a:p>
@@ -424,7 +424,7 @@
           <a:p>
             <a:fld id="{8D2E760F-CC1E-4233-984A-FEB50F5CF30D}" type="datetimeFigureOut">
               <a:rPr lang="en-US" smtClean="0"/>
-              <a:t>2/28/18</a:t>
+              <a:t>3/8/18</a:t>
             </a:fld>
             <a:endParaRPr lang="en-US"/>
           </a:p>
@@ -602,7 +602,7 @@
           <a:p>
             <a:fld id="{8D2E760F-CC1E-4233-984A-FEB50F5CF30D}" type="datetimeFigureOut">
               <a:rPr lang="en-US" smtClean="0"/>
-              <a:t>2/28/18</a:t>
+              <a:t>3/8/18</a:t>
             </a:fld>
             <a:endParaRPr lang="en-US"/>
           </a:p>
@@ -770,7 +770,7 @@
           <a:p>
             <a:fld id="{8D2E760F-CC1E-4233-984A-FEB50F5CF30D}" type="datetimeFigureOut">
               <a:rPr lang="en-US" smtClean="0"/>
-              <a:t>2/28/18</a:t>
+              <a:t>3/8/18</a:t>
             </a:fld>
             <a:endParaRPr lang="en-US"/>
           </a:p>
@@ -1015,7 +1015,7 @@
           <a:p>
             <a:fld id="{8D2E760F-CC1E-4233-984A-FEB50F5CF30D}" type="datetimeFigureOut">
               <a:rPr lang="en-US" smtClean="0"/>
-              <a:t>2/28/18</a:t>
+              <a:t>3/8/18</a:t>
             </a:fld>
             <a:endParaRPr lang="en-US"/>
           </a:p>
@@ -1244,7 +1244,7 @@
           <a:p>
             <a:fld id="{8D2E760F-CC1E-4233-984A-FEB50F5CF30D}" type="datetimeFigureOut">
               <a:rPr lang="en-US" smtClean="0"/>
-              <a:t>2/28/18</a:t>
+              <a:t>3/8/18</a:t>
             </a:fld>
             <a:endParaRPr lang="en-US"/>
           </a:p>
@@ -1608,7 +1608,7 @@
           <a:p>
             <a:fld id="{8D2E760F-CC1E-4233-984A-FEB50F5CF30D}" type="datetimeFigureOut">
               <a:rPr lang="en-US" smtClean="0"/>
-              <a:t>2/28/18</a:t>
+              <a:t>3/8/18</a:t>
             </a:fld>
             <a:endParaRPr lang="en-US"/>
           </a:p>
@@ -1725,7 +1725,7 @@
           <a:p>
             <a:fld id="{8D2E760F-CC1E-4233-984A-FEB50F5CF30D}" type="datetimeFigureOut">
               <a:rPr lang="en-US" smtClean="0"/>
-              <a:t>2/28/18</a:t>
+              <a:t>3/8/18</a:t>
             </a:fld>
             <a:endParaRPr lang="en-US"/>
           </a:p>
@@ -1820,7 +1820,7 @@
           <a:p>
             <a:fld id="{8D2E760F-CC1E-4233-984A-FEB50F5CF30D}" type="datetimeFigureOut">
               <a:rPr lang="en-US" smtClean="0"/>
-              <a:t>2/28/18</a:t>
+              <a:t>3/8/18</a:t>
             </a:fld>
             <a:endParaRPr lang="en-US"/>
           </a:p>
@@ -2095,7 +2095,7 @@
           <a:p>
             <a:fld id="{8D2E760F-CC1E-4233-984A-FEB50F5CF30D}" type="datetimeFigureOut">
               <a:rPr lang="en-US" smtClean="0"/>
-              <a:t>2/28/18</a:t>
+              <a:t>3/8/18</a:t>
             </a:fld>
             <a:endParaRPr lang="en-US"/>
           </a:p>
@@ -2347,7 +2347,7 @@
           <a:p>
             <a:fld id="{8D2E760F-CC1E-4233-984A-FEB50F5CF30D}" type="datetimeFigureOut">
               <a:rPr lang="en-US" smtClean="0"/>
-              <a:t>2/28/18</a:t>
+              <a:t>3/8/18</a:t>
             </a:fld>
             <a:endParaRPr lang="en-US"/>
           </a:p>
@@ -2558,7 +2558,7 @@
           <a:p>
             <a:fld id="{8D2E760F-CC1E-4233-984A-FEB50F5CF30D}" type="datetimeFigureOut">
               <a:rPr lang="en-US" smtClean="0"/>
-              <a:t>2/28/18</a:t>
+              <a:t>3/8/18</a:t>
             </a:fld>
             <a:endParaRPr lang="en-US"/>
           </a:p>
@@ -4441,7 +4441,7 @@
             <p:ph idx="1"/>
             <p:extLst>
               <p:ext uri="{D42A27DB-BD31-4B8C-83A1-F6EECF244321}">
-                <p14:modId xmlns:p14="http://schemas.microsoft.com/office/powerpoint/2010/main" val="585143206"/>
+                <p14:modId xmlns:p14="http://schemas.microsoft.com/office/powerpoint/2010/main" val="167447062"/>
               </p:ext>
             </p:extLst>
           </p:nvPr>
@@ -4580,9 +4580,10 @@
                     <a:lstStyle/>
                     <a:p>
                       <a:r>
-                        <a:rPr lang="en-US" dirty="0"/>
-                        <a:t>02.28</a:t>
+                        <a:rPr lang="en-US"/>
+                        <a:t>02.28 with Luca</a:t>
                       </a:r>
+                      <a:endParaRPr lang="en-US" dirty="0"/>
                     </a:p>
                   </a:txBody>
                   <a:tcPr/>
@@ -6398,7 +6399,7 @@
           <a:p>
             <a:r>
               <a:rPr lang="en-US" dirty="0"/>
-              <a:t>Validation (?)</a:t>
+              <a:t>Pros and Cons</a:t>
             </a:r>
           </a:p>
         </p:txBody>
@@ -6424,7 +6425,16 @@
           <a:bodyPr/>
           <a:lstStyle/>
           <a:p>
-            <a:endParaRPr lang="en-US"/>
+            <a:r>
+              <a:rPr lang="en-US" dirty="0"/>
+              <a:t>Computationally more efficient</a:t>
+            </a:r>
+          </a:p>
+          <a:p>
+            <a:r>
+              <a:rPr lang="en-US" dirty="0"/>
+              <a:t>Not necessarily guaranteed to always change image (?)</a:t>
+            </a:r>
           </a:p>
         </p:txBody>
       </p:sp>

--- a/Docs/Progress slides.pptx
+++ b/Docs/Progress slides.pptx
@@ -12,15 +12,19 @@
     <p:sldId id="270" r:id="rId6"/>
     <p:sldId id="271" r:id="rId7"/>
     <p:sldId id="272" r:id="rId8"/>
-    <p:sldId id="258" r:id="rId9"/>
-    <p:sldId id="259" r:id="rId10"/>
-    <p:sldId id="262" r:id="rId11"/>
-    <p:sldId id="266" r:id="rId12"/>
-    <p:sldId id="260" r:id="rId13"/>
-    <p:sldId id="263" r:id="rId14"/>
-    <p:sldId id="264" r:id="rId15"/>
-    <p:sldId id="265" r:id="rId16"/>
-    <p:sldId id="267" r:id="rId17"/>
+    <p:sldId id="273" r:id="rId9"/>
+    <p:sldId id="274" r:id="rId10"/>
+    <p:sldId id="275" r:id="rId11"/>
+    <p:sldId id="276" r:id="rId12"/>
+    <p:sldId id="258" r:id="rId13"/>
+    <p:sldId id="259" r:id="rId14"/>
+    <p:sldId id="262" r:id="rId15"/>
+    <p:sldId id="266" r:id="rId16"/>
+    <p:sldId id="260" r:id="rId17"/>
+    <p:sldId id="263" r:id="rId18"/>
+    <p:sldId id="264" r:id="rId19"/>
+    <p:sldId id="265" r:id="rId20"/>
+    <p:sldId id="267" r:id="rId21"/>
   </p:sldIdLst>
   <p:sldSz cx="12192000" cy="6858000"/>
   <p:notesSz cx="6858000" cy="9144000"/>
@@ -3082,6 +3086,733 @@
       </p:grpSpPr>
       <p:sp>
         <p:nvSpPr>
+          <p:cNvPr id="2" name="Title 1">
+            <a:extLst>
+              <a:ext uri="{FF2B5EF4-FFF2-40B4-BE49-F238E27FC236}">
+                <a16:creationId xmlns:a16="http://schemas.microsoft.com/office/drawing/2014/main" id="{ECB17E02-01C7-C648-897F-0CEB5DD5D39C}"/>
+              </a:ext>
+            </a:extLst>
+          </p:cNvPr>
+          <p:cNvSpPr>
+            <a:spLocks noGrp="1"/>
+          </p:cNvSpPr>
+          <p:nvPr>
+            <p:ph type="title"/>
+          </p:nvPr>
+        </p:nvSpPr>
+        <p:spPr/>
+        <p:txBody>
+          <a:bodyPr/>
+          <a:lstStyle/>
+          <a:p>
+            <a:r>
+              <a:rPr lang="en-US" dirty="0"/>
+              <a:t>How </a:t>
+            </a:r>
+            <a:r>
+              <a:rPr lang="en-US" dirty="0" err="1"/>
+              <a:t>DeepFool</a:t>
+            </a:r>
+            <a:r>
+              <a:rPr lang="en-US" dirty="0"/>
+              <a:t> works</a:t>
+            </a:r>
+          </a:p>
+        </p:txBody>
+      </p:sp>
+      <p:sp>
+        <p:nvSpPr>
+          <p:cNvPr id="3" name="Content Placeholder 2">
+            <a:extLst>
+              <a:ext uri="{FF2B5EF4-FFF2-40B4-BE49-F238E27FC236}">
+                <a16:creationId xmlns:a16="http://schemas.microsoft.com/office/drawing/2014/main" id="{8841D3C1-AD72-894D-916D-98948E126588}"/>
+              </a:ext>
+            </a:extLst>
+          </p:cNvPr>
+          <p:cNvSpPr>
+            <a:spLocks noGrp="1"/>
+          </p:cNvSpPr>
+          <p:nvPr>
+            <p:ph idx="1"/>
+          </p:nvPr>
+        </p:nvSpPr>
+        <p:spPr/>
+        <p:txBody>
+          <a:bodyPr/>
+          <a:lstStyle/>
+          <a:p>
+            <a:endParaRPr lang="en-US"/>
+          </a:p>
+        </p:txBody>
+      </p:sp>
+    </p:spTree>
+    <p:extLst>
+      <p:ext uri="{BB962C8B-B14F-4D97-AF65-F5344CB8AC3E}">
+        <p14:creationId xmlns:p14="http://schemas.microsoft.com/office/powerpoint/2010/main" val="98500982"/>
+      </p:ext>
+    </p:extLst>
+  </p:cSld>
+  <p:clrMapOvr>
+    <a:masterClrMapping/>
+  </p:clrMapOvr>
+</p:sld>
+</file>
+
+<file path=ppt/slides/slide11.xml><?xml version="1.0" encoding="utf-8"?>
+<p:sld xmlns:a="http://schemas.openxmlformats.org/drawingml/2006/main" xmlns:r="http://schemas.openxmlformats.org/officeDocument/2006/relationships" xmlns:p="http://schemas.openxmlformats.org/presentationml/2006/main">
+  <p:cSld>
+    <p:spTree>
+      <p:nvGrpSpPr>
+        <p:cNvPr id="1" name=""/>
+        <p:cNvGrpSpPr/>
+        <p:nvPr/>
+      </p:nvGrpSpPr>
+      <p:grpSpPr>
+        <a:xfrm>
+          <a:off x="0" y="0"/>
+          <a:ext cx="0" cy="0"/>
+          <a:chOff x="0" y="0"/>
+          <a:chExt cx="0" cy="0"/>
+        </a:xfrm>
+      </p:grpSpPr>
+      <p:sp>
+        <p:nvSpPr>
+          <p:cNvPr id="2" name="Title 1">
+            <a:extLst>
+              <a:ext uri="{FF2B5EF4-FFF2-40B4-BE49-F238E27FC236}">
+                <a16:creationId xmlns:a16="http://schemas.microsoft.com/office/drawing/2014/main" id="{493EB65C-5800-184B-97F6-0EC72C7D87C2}"/>
+              </a:ext>
+            </a:extLst>
+          </p:cNvPr>
+          <p:cNvSpPr>
+            <a:spLocks noGrp="1"/>
+          </p:cNvSpPr>
+          <p:nvPr>
+            <p:ph type="title"/>
+          </p:nvPr>
+        </p:nvSpPr>
+        <p:spPr/>
+        <p:txBody>
+          <a:bodyPr/>
+          <a:lstStyle/>
+          <a:p>
+            <a:r>
+              <a:rPr lang="en-US" dirty="0"/>
+              <a:t>How did the adversarial distortion work</a:t>
+            </a:r>
+          </a:p>
+        </p:txBody>
+      </p:sp>
+      <p:sp>
+        <p:nvSpPr>
+          <p:cNvPr id="3" name="Content Placeholder 2">
+            <a:extLst>
+              <a:ext uri="{FF2B5EF4-FFF2-40B4-BE49-F238E27FC236}">
+                <a16:creationId xmlns:a16="http://schemas.microsoft.com/office/drawing/2014/main" id="{1FBCFFAE-F0B2-4644-95B4-FDD3F243A025}"/>
+              </a:ext>
+            </a:extLst>
+          </p:cNvPr>
+          <p:cNvSpPr>
+            <a:spLocks noGrp="1"/>
+          </p:cNvSpPr>
+          <p:nvPr>
+            <p:ph idx="1"/>
+          </p:nvPr>
+        </p:nvSpPr>
+        <p:spPr/>
+        <p:txBody>
+          <a:bodyPr/>
+          <a:lstStyle/>
+          <a:p>
+            <a:r>
+              <a:rPr lang="en-US" dirty="0"/>
+              <a:t>Have a table like slide 16 </a:t>
+            </a:r>
+            <a:r>
+              <a:rPr lang="en-US"/>
+              <a:t>or image</a:t>
+            </a:r>
+            <a:endParaRPr lang="en-US" dirty="0"/>
+          </a:p>
+        </p:txBody>
+      </p:sp>
+      <p:sp>
+        <p:nvSpPr>
+          <p:cNvPr id="4" name="TextBox 3">
+            <a:extLst>
+              <a:ext uri="{FF2B5EF4-FFF2-40B4-BE49-F238E27FC236}">
+                <a16:creationId xmlns:a16="http://schemas.microsoft.com/office/drawing/2014/main" id="{029C2145-84E1-2549-AEEF-2981EBF6F580}"/>
+              </a:ext>
+            </a:extLst>
+          </p:cNvPr>
+          <p:cNvSpPr txBox="1"/>
+          <p:nvPr/>
+        </p:nvSpPr>
+        <p:spPr>
+          <a:xfrm>
+            <a:off x="3028208" y="2078182"/>
+            <a:ext cx="184731" cy="369332"/>
+          </a:xfrm>
+          <a:prstGeom prst="rect">
+            <a:avLst/>
+          </a:prstGeom>
+          <a:noFill/>
+        </p:spPr>
+        <p:txBody>
+          <a:bodyPr wrap="none" rtlCol="0">
+            <a:spAutoFit/>
+          </a:bodyPr>
+          <a:lstStyle/>
+          <a:p>
+            <a:endParaRPr lang="en-US" dirty="0"/>
+          </a:p>
+        </p:txBody>
+      </p:sp>
+    </p:spTree>
+    <p:extLst>
+      <p:ext uri="{BB962C8B-B14F-4D97-AF65-F5344CB8AC3E}">
+        <p14:creationId xmlns:p14="http://schemas.microsoft.com/office/powerpoint/2010/main" val="3313149022"/>
+      </p:ext>
+    </p:extLst>
+  </p:cSld>
+  <p:clrMapOvr>
+    <a:masterClrMapping/>
+  </p:clrMapOvr>
+</p:sld>
+</file>
+
+<file path=ppt/slides/slide12.xml><?xml version="1.0" encoding="utf-8"?>
+<p:sld xmlns:a="http://schemas.openxmlformats.org/drawingml/2006/main" xmlns:r="http://schemas.openxmlformats.org/officeDocument/2006/relationships" xmlns:p="http://schemas.openxmlformats.org/presentationml/2006/main">
+  <p:cSld>
+    <p:spTree>
+      <p:nvGrpSpPr>
+        <p:cNvPr id="1" name=""/>
+        <p:cNvGrpSpPr/>
+        <p:nvPr/>
+      </p:nvGrpSpPr>
+      <p:grpSpPr>
+        <a:xfrm>
+          <a:off x="0" y="0"/>
+          <a:ext cx="0" cy="0"/>
+          <a:chOff x="0" y="0"/>
+          <a:chExt cx="0" cy="0"/>
+        </a:xfrm>
+      </p:grpSpPr>
+      <p:sp>
+        <p:nvSpPr>
+          <p:cNvPr id="2" name="Title 1"/>
+          <p:cNvSpPr>
+            <a:spLocks noGrp="1"/>
+          </p:cNvSpPr>
+          <p:nvPr>
+            <p:ph type="title"/>
+          </p:nvPr>
+        </p:nvSpPr>
+        <p:spPr/>
+        <p:txBody>
+          <a:bodyPr/>
+          <a:lstStyle/>
+          <a:p>
+            <a:r>
+              <a:rPr lang="en-US" dirty="0"/>
+              <a:t>Methods Summary</a:t>
+            </a:r>
+          </a:p>
+        </p:txBody>
+      </p:sp>
+      <p:sp>
+        <p:nvSpPr>
+          <p:cNvPr id="4" name="Text Placeholder 3"/>
+          <p:cNvSpPr>
+            <a:spLocks noGrp="1"/>
+          </p:cNvSpPr>
+          <p:nvPr>
+            <p:ph type="body" idx="1"/>
+          </p:nvPr>
+        </p:nvSpPr>
+        <p:spPr/>
+        <p:txBody>
+          <a:bodyPr/>
+          <a:lstStyle/>
+          <a:p>
+            <a:r>
+              <a:rPr lang="en-US" dirty="0"/>
+              <a:t>1. </a:t>
+            </a:r>
+            <a:r>
+              <a:rPr lang="en-US" dirty="0" err="1"/>
+              <a:t>DeepFool</a:t>
+            </a:r>
+            <a:endParaRPr lang="en-US" dirty="0"/>
+          </a:p>
+        </p:txBody>
+      </p:sp>
+      <p:sp>
+        <p:nvSpPr>
+          <p:cNvPr id="5" name="Content Placeholder 4"/>
+          <p:cNvSpPr>
+            <a:spLocks noGrp="1"/>
+          </p:cNvSpPr>
+          <p:nvPr>
+            <p:ph sz="half" idx="2"/>
+          </p:nvPr>
+        </p:nvSpPr>
+        <p:spPr/>
+        <p:txBody>
+          <a:bodyPr>
+            <a:normAutofit lnSpcReduction="10000"/>
+          </a:bodyPr>
+          <a:lstStyle/>
+          <a:p>
+            <a:r>
+              <a:rPr lang="en-US" dirty="0">
+                <a:solidFill>
+                  <a:srgbClr val="FF0000"/>
+                </a:solidFill>
+              </a:rPr>
+              <a:t>Idea:</a:t>
+            </a:r>
+          </a:p>
+          <a:p>
+            <a:r>
+              <a:rPr lang="en-US" dirty="0"/>
+              <a:t>Paper:</a:t>
+            </a:r>
+          </a:p>
+          <a:p>
+            <a:pPr lvl="1"/>
+            <a:r>
+              <a:rPr lang="en-US" dirty="0"/>
+              <a:t>A simple and accurate method to fool deep neural networks</a:t>
+            </a:r>
+          </a:p>
+          <a:p>
+            <a:pPr lvl="1"/>
+            <a:r>
+              <a:rPr lang="en-US" dirty="0"/>
+              <a:t>https://arxiv.org/abs/1511.04599</a:t>
+            </a:r>
+          </a:p>
+          <a:p>
+            <a:r>
+              <a:rPr lang="en-US" dirty="0"/>
+              <a:t>Code:</a:t>
+            </a:r>
+          </a:p>
+          <a:p>
+            <a:pPr lvl="1"/>
+            <a:r>
+              <a:rPr lang="en-US" dirty="0">
+                <a:hlinkClick r:id="rId2"/>
+              </a:rPr>
+              <a:t>https://github.com/LTS4/DeepFool</a:t>
+            </a:r>
+            <a:endParaRPr lang="en-US" dirty="0"/>
+          </a:p>
+          <a:p>
+            <a:pPr lvl="1"/>
+            <a:r>
+              <a:rPr lang="en-US" dirty="0" err="1"/>
+              <a:t>Pytorch</a:t>
+            </a:r>
+            <a:endParaRPr lang="en-US" dirty="0"/>
+          </a:p>
+        </p:txBody>
+      </p:sp>
+      <p:sp>
+        <p:nvSpPr>
+          <p:cNvPr id="6" name="Text Placeholder 5"/>
+          <p:cNvSpPr>
+            <a:spLocks noGrp="1"/>
+          </p:cNvSpPr>
+          <p:nvPr>
+            <p:ph type="body" sz="quarter" idx="3"/>
+          </p:nvPr>
+        </p:nvSpPr>
+        <p:spPr/>
+        <p:txBody>
+          <a:bodyPr/>
+          <a:lstStyle/>
+          <a:p>
+            <a:r>
+              <a:rPr lang="en-US" dirty="0"/>
+              <a:t>2. Fast Gradient Sign Method (FGSM)</a:t>
+            </a:r>
+          </a:p>
+        </p:txBody>
+      </p:sp>
+      <p:sp>
+        <p:nvSpPr>
+          <p:cNvPr id="7" name="Content Placeholder 6"/>
+          <p:cNvSpPr>
+            <a:spLocks noGrp="1"/>
+          </p:cNvSpPr>
+          <p:nvPr>
+            <p:ph sz="quarter" idx="4"/>
+          </p:nvPr>
+        </p:nvSpPr>
+        <p:spPr/>
+        <p:txBody>
+          <a:bodyPr>
+            <a:normAutofit lnSpcReduction="10000"/>
+          </a:bodyPr>
+          <a:lstStyle/>
+          <a:p>
+            <a:r>
+              <a:rPr lang="en-US" dirty="0">
+                <a:solidFill>
+                  <a:srgbClr val="FF0000"/>
+                </a:solidFill>
+              </a:rPr>
+              <a:t>Idea:</a:t>
+            </a:r>
+          </a:p>
+          <a:p>
+            <a:r>
+              <a:rPr lang="en-US" dirty="0"/>
+              <a:t>Paper:</a:t>
+            </a:r>
+          </a:p>
+          <a:p>
+            <a:pPr lvl="1"/>
+            <a:r>
+              <a:rPr lang="en-US" dirty="0"/>
+              <a:t>Explaining and Harnessing Adversarial Examples</a:t>
+            </a:r>
+          </a:p>
+          <a:p>
+            <a:pPr lvl="1"/>
+            <a:r>
+              <a:rPr lang="en-US" dirty="0"/>
+              <a:t>https://arxiv.org/abs/1412.6572</a:t>
+            </a:r>
+          </a:p>
+          <a:p>
+            <a:r>
+              <a:rPr lang="en-US" dirty="0"/>
+              <a:t>Code:</a:t>
+            </a:r>
+          </a:p>
+          <a:p>
+            <a:pPr lvl="1"/>
+            <a:r>
+              <a:rPr lang="en-US" dirty="0"/>
+              <a:t>https://github.com/gongzhitaao/tensorflow-adversarial</a:t>
+            </a:r>
+          </a:p>
+          <a:p>
+            <a:pPr lvl="1"/>
+            <a:r>
+              <a:rPr lang="en-US" dirty="0" err="1"/>
+              <a:t>Tensorflow</a:t>
+            </a:r>
+            <a:endParaRPr lang="en-US" dirty="0"/>
+          </a:p>
+          <a:p>
+            <a:pPr lvl="1"/>
+            <a:endParaRPr lang="en-US" dirty="0"/>
+          </a:p>
+        </p:txBody>
+      </p:sp>
+    </p:spTree>
+    <p:extLst>
+      <p:ext uri="{BB962C8B-B14F-4D97-AF65-F5344CB8AC3E}">
+        <p14:creationId xmlns:p14="http://schemas.microsoft.com/office/powerpoint/2010/main" val="3202584400"/>
+      </p:ext>
+    </p:extLst>
+  </p:cSld>
+  <p:clrMapOvr>
+    <a:masterClrMapping/>
+  </p:clrMapOvr>
+</p:sld>
+</file>
+
+<file path=ppt/slides/slide13.xml><?xml version="1.0" encoding="utf-8"?>
+<p:sld xmlns:a="http://schemas.openxmlformats.org/drawingml/2006/main" xmlns:r="http://schemas.openxmlformats.org/officeDocument/2006/relationships" xmlns:p="http://schemas.openxmlformats.org/presentationml/2006/main">
+  <p:cSld>
+    <p:spTree>
+      <p:nvGrpSpPr>
+        <p:cNvPr id="1" name=""/>
+        <p:cNvGrpSpPr/>
+        <p:nvPr/>
+      </p:nvGrpSpPr>
+      <p:grpSpPr>
+        <a:xfrm>
+          <a:off x="0" y="0"/>
+          <a:ext cx="0" cy="0"/>
+          <a:chOff x="0" y="0"/>
+          <a:chExt cx="0" cy="0"/>
+        </a:xfrm>
+      </p:grpSpPr>
+      <p:sp>
+        <p:nvSpPr>
+          <p:cNvPr id="2" name="Title 1"/>
+          <p:cNvSpPr>
+            <a:spLocks noGrp="1"/>
+          </p:cNvSpPr>
+          <p:nvPr>
+            <p:ph type="title"/>
+          </p:nvPr>
+        </p:nvSpPr>
+        <p:spPr/>
+        <p:txBody>
+          <a:bodyPr/>
+          <a:lstStyle/>
+          <a:p>
+            <a:r>
+              <a:rPr lang="en-US" dirty="0"/>
+              <a:t>Methods Summary</a:t>
+            </a:r>
+          </a:p>
+        </p:txBody>
+      </p:sp>
+      <p:sp>
+        <p:nvSpPr>
+          <p:cNvPr id="4" name="Text Placeholder 3"/>
+          <p:cNvSpPr>
+            <a:spLocks noGrp="1"/>
+          </p:cNvSpPr>
+          <p:nvPr>
+            <p:ph type="body" idx="1"/>
+          </p:nvPr>
+        </p:nvSpPr>
+        <p:spPr/>
+        <p:txBody>
+          <a:bodyPr/>
+          <a:lstStyle/>
+          <a:p>
+            <a:r>
+              <a:rPr lang="en-US" dirty="0"/>
+              <a:t>3. Iterative FGSM</a:t>
+            </a:r>
+          </a:p>
+        </p:txBody>
+      </p:sp>
+      <p:sp>
+        <p:nvSpPr>
+          <p:cNvPr id="5" name="Content Placeholder 4"/>
+          <p:cNvSpPr>
+            <a:spLocks noGrp="1"/>
+          </p:cNvSpPr>
+          <p:nvPr>
+            <p:ph sz="half" idx="2"/>
+          </p:nvPr>
+        </p:nvSpPr>
+        <p:spPr/>
+        <p:txBody>
+          <a:bodyPr>
+            <a:normAutofit fontScale="92500" lnSpcReduction="10000"/>
+          </a:bodyPr>
+          <a:lstStyle/>
+          <a:p>
+            <a:r>
+              <a:rPr lang="en-US" dirty="0">
+                <a:solidFill>
+                  <a:srgbClr val="FF0000"/>
+                </a:solidFill>
+              </a:rPr>
+              <a:t>Idea:</a:t>
+            </a:r>
+          </a:p>
+          <a:p>
+            <a:r>
+              <a:rPr lang="en-US" dirty="0"/>
+              <a:t>Paper:</a:t>
+            </a:r>
+          </a:p>
+          <a:p>
+            <a:pPr lvl="1"/>
+            <a:r>
+              <a:rPr lang="en-US" dirty="0"/>
+              <a:t>Adversarial examples in the physical world</a:t>
+            </a:r>
+          </a:p>
+          <a:p>
+            <a:pPr lvl="1"/>
+            <a:r>
+              <a:rPr lang="en-US" dirty="0"/>
+              <a:t>https://arxiv.org/abs/1607.02533</a:t>
+            </a:r>
+          </a:p>
+          <a:p>
+            <a:r>
+              <a:rPr lang="en-US" dirty="0"/>
+              <a:t>Code:</a:t>
+            </a:r>
+          </a:p>
+          <a:p>
+            <a:pPr lvl="1"/>
+            <a:r>
+              <a:rPr lang="en-US" dirty="0">
+                <a:hlinkClick r:id="rId2"/>
+              </a:rPr>
+              <a:t>https://github.com/gongzhitaao/tensorflow-adversarial</a:t>
+            </a:r>
+            <a:endParaRPr lang="en-US" dirty="0"/>
+          </a:p>
+          <a:p>
+            <a:pPr lvl="1"/>
+            <a:r>
+              <a:rPr lang="en-US" dirty="0"/>
+              <a:t>Write codes based on FGSM</a:t>
+            </a:r>
+          </a:p>
+          <a:p>
+            <a:pPr lvl="1"/>
+            <a:r>
+              <a:rPr lang="en-US" dirty="0" err="1"/>
+              <a:t>Tensorflow</a:t>
+            </a:r>
+            <a:endParaRPr lang="en-US" dirty="0"/>
+          </a:p>
+          <a:p>
+            <a:endParaRPr lang="en-US" dirty="0"/>
+          </a:p>
+        </p:txBody>
+      </p:sp>
+      <p:sp>
+        <p:nvSpPr>
+          <p:cNvPr id="6" name="Text Placeholder 5"/>
+          <p:cNvSpPr>
+            <a:spLocks noGrp="1"/>
+          </p:cNvSpPr>
+          <p:nvPr>
+            <p:ph type="body" sz="quarter" idx="3"/>
+          </p:nvPr>
+        </p:nvSpPr>
+        <p:spPr/>
+        <p:txBody>
+          <a:bodyPr/>
+          <a:lstStyle/>
+          <a:p>
+            <a:r>
+              <a:rPr lang="en-US" dirty="0"/>
+              <a:t>4. </a:t>
+            </a:r>
+            <a:r>
+              <a:rPr lang="en-US" dirty="0" err="1"/>
+              <a:t>Carlini</a:t>
+            </a:r>
+            <a:r>
+              <a:rPr lang="en-US" dirty="0"/>
+              <a:t> Wagner Attack </a:t>
+            </a:r>
+          </a:p>
+        </p:txBody>
+      </p:sp>
+      <p:sp>
+        <p:nvSpPr>
+          <p:cNvPr id="7" name="Content Placeholder 6"/>
+          <p:cNvSpPr>
+            <a:spLocks noGrp="1"/>
+          </p:cNvSpPr>
+          <p:nvPr>
+            <p:ph sz="quarter" idx="4"/>
+          </p:nvPr>
+        </p:nvSpPr>
+        <p:spPr/>
+        <p:txBody>
+          <a:bodyPr>
+            <a:normAutofit lnSpcReduction="10000"/>
+          </a:bodyPr>
+          <a:lstStyle/>
+          <a:p>
+            <a:r>
+              <a:rPr lang="en-US" dirty="0">
+                <a:solidFill>
+                  <a:srgbClr val="FF0000"/>
+                </a:solidFill>
+              </a:rPr>
+              <a:t>Idea:</a:t>
+            </a:r>
+          </a:p>
+          <a:p>
+            <a:r>
+              <a:rPr lang="en-US" dirty="0"/>
+              <a:t>Paper:</a:t>
+            </a:r>
+          </a:p>
+          <a:p>
+            <a:pPr lvl="1"/>
+            <a:r>
+              <a:rPr lang="en-US" dirty="0"/>
+              <a:t>Towards Evaluating the Robustness of Neural Networks</a:t>
+            </a:r>
+          </a:p>
+          <a:p>
+            <a:pPr lvl="1"/>
+            <a:r>
+              <a:rPr lang="en-US" dirty="0">
+                <a:hlinkClick r:id="rId3"/>
+              </a:rPr>
+              <a:t>https://arxiv.org/abs/1608.04644</a:t>
+            </a:r>
+            <a:endParaRPr lang="en-US" dirty="0"/>
+          </a:p>
+          <a:p>
+            <a:r>
+              <a:rPr lang="en-US" dirty="0"/>
+              <a:t>Code</a:t>
+            </a:r>
+          </a:p>
+          <a:p>
+            <a:pPr lvl="1"/>
+            <a:r>
+              <a:rPr lang="en-US" dirty="0">
+                <a:hlinkClick r:id="rId2"/>
+              </a:rPr>
+              <a:t>https://github.com/gongzhitaao/tensorflow-adversarial</a:t>
+            </a:r>
+            <a:r>
+              <a:rPr lang="en-US" dirty="0"/>
+              <a:t> </a:t>
+            </a:r>
+          </a:p>
+          <a:p>
+            <a:pPr lvl="1"/>
+            <a:r>
+              <a:rPr lang="en-US" dirty="0" err="1"/>
+              <a:t>Tensorflow</a:t>
+            </a:r>
+            <a:r>
+              <a:rPr lang="en-US" dirty="0"/>
+              <a:t> </a:t>
+            </a:r>
+          </a:p>
+        </p:txBody>
+      </p:sp>
+    </p:spTree>
+    <p:extLst>
+      <p:ext uri="{BB962C8B-B14F-4D97-AF65-F5344CB8AC3E}">
+        <p14:creationId xmlns:p14="http://schemas.microsoft.com/office/powerpoint/2010/main" val="285251880"/>
+      </p:ext>
+    </p:extLst>
+  </p:cSld>
+  <p:clrMapOvr>
+    <a:masterClrMapping/>
+  </p:clrMapOvr>
+</p:sld>
+</file>
+
+<file path=ppt/slides/slide14.xml><?xml version="1.0" encoding="utf-8"?>
+<p:sld xmlns:a="http://schemas.openxmlformats.org/drawingml/2006/main" xmlns:r="http://schemas.openxmlformats.org/officeDocument/2006/relationships" xmlns:p="http://schemas.openxmlformats.org/presentationml/2006/main">
+  <p:cSld>
+    <p:spTree>
+      <p:nvGrpSpPr>
+        <p:cNvPr id="1" name=""/>
+        <p:cNvGrpSpPr/>
+        <p:nvPr/>
+      </p:nvGrpSpPr>
+      <p:grpSpPr>
+        <a:xfrm>
+          <a:off x="0" y="0"/>
+          <a:ext cx="0" cy="0"/>
+          <a:chOff x="0" y="0"/>
+          <a:chExt cx="0" cy="0"/>
+        </a:xfrm>
+      </p:grpSpPr>
+      <p:sp>
+        <p:nvSpPr>
           <p:cNvPr id="2" name="Title 1"/>
           <p:cNvSpPr>
             <a:spLocks noGrp="1"/>
@@ -3281,7 +4012,7 @@
 </p:sld>
 </file>
 
-<file path=ppt/slides/slide11.xml><?xml version="1.0" encoding="utf-8"?>
+<file path=ppt/slides/slide15.xml><?xml version="1.0" encoding="utf-8"?>
 <p:sld xmlns:a="http://schemas.openxmlformats.org/drawingml/2006/main" xmlns:r="http://schemas.openxmlformats.org/officeDocument/2006/relationships" xmlns:p="http://schemas.openxmlformats.org/presentationml/2006/main">
   <p:cSld>
     <p:spTree>
@@ -3980,7 +4711,7 @@
 </p:sld>
 </file>
 
-<file path=ppt/slides/slide12.xml><?xml version="1.0" encoding="utf-8"?>
+<file path=ppt/slides/slide16.xml><?xml version="1.0" encoding="utf-8"?>
 <p:sld xmlns:a="http://schemas.openxmlformats.org/drawingml/2006/main" xmlns:r="http://schemas.openxmlformats.org/officeDocument/2006/relationships" xmlns:p="http://schemas.openxmlformats.org/presentationml/2006/main">
   <p:cSld>
     <p:spTree>
@@ -4167,7 +4898,7 @@
 </p:sld>
 </file>
 
-<file path=ppt/slides/slide13.xml><?xml version="1.0" encoding="utf-8"?>
+<file path=ppt/slides/slide17.xml><?xml version="1.0" encoding="utf-8"?>
 <p:sld xmlns:a="http://schemas.openxmlformats.org/drawingml/2006/main" xmlns:r="http://schemas.openxmlformats.org/officeDocument/2006/relationships" xmlns:p="http://schemas.openxmlformats.org/presentationml/2006/main">
   <p:cSld>
     <p:spTree>
@@ -4242,7 +4973,7 @@
 </p:sld>
 </file>
 
-<file path=ppt/slides/slide14.xml><?xml version="1.0" encoding="utf-8"?>
+<file path=ppt/slides/slide18.xml><?xml version="1.0" encoding="utf-8"?>
 <p:sld xmlns:a="http://schemas.openxmlformats.org/drawingml/2006/main" xmlns:r="http://schemas.openxmlformats.org/officeDocument/2006/relationships" xmlns:p="http://schemas.openxmlformats.org/presentationml/2006/main">
   <p:cSld>
     <p:spTree>
@@ -4317,7 +5048,7 @@
 </p:sld>
 </file>
 
-<file path=ppt/slides/slide15.xml><?xml version="1.0" encoding="utf-8"?>
+<file path=ppt/slides/slide19.xml><?xml version="1.0" encoding="utf-8"?>
 <p:sld xmlns:a="http://schemas.openxmlformats.org/drawingml/2006/main" xmlns:r="http://schemas.openxmlformats.org/officeDocument/2006/relationships" xmlns:p="http://schemas.openxmlformats.org/presentationml/2006/main">
   <p:cSld>
     <p:spTree>
@@ -4392,7 +5123,89 @@
 </p:sld>
 </file>
 
-<file path=ppt/slides/slide16.xml><?xml version="1.0" encoding="utf-8"?>
+<file path=ppt/slides/slide2.xml><?xml version="1.0" encoding="utf-8"?>
+<p:sld xmlns:a="http://schemas.openxmlformats.org/drawingml/2006/main" xmlns:r="http://schemas.openxmlformats.org/officeDocument/2006/relationships" xmlns:p="http://schemas.openxmlformats.org/presentationml/2006/main">
+  <p:cSld>
+    <p:spTree>
+      <p:nvGrpSpPr>
+        <p:cNvPr id="1" name=""/>
+        <p:cNvGrpSpPr/>
+        <p:nvPr/>
+      </p:nvGrpSpPr>
+      <p:grpSpPr>
+        <a:xfrm>
+          <a:off x="0" y="0"/>
+          <a:ext cx="0" cy="0"/>
+          <a:chOff x="0" y="0"/>
+          <a:chExt cx="0" cy="0"/>
+        </a:xfrm>
+      </p:grpSpPr>
+      <p:sp>
+        <p:nvSpPr>
+          <p:cNvPr id="2" name="Title 1"/>
+          <p:cNvSpPr>
+            <a:spLocks noGrp="1"/>
+          </p:cNvSpPr>
+          <p:nvPr>
+            <p:ph type="title"/>
+          </p:nvPr>
+        </p:nvSpPr>
+        <p:spPr/>
+        <p:txBody>
+          <a:bodyPr/>
+          <a:lstStyle/>
+          <a:p>
+            <a:r>
+              <a:rPr lang="en-US" dirty="0">
+                <a:solidFill>
+                  <a:srgbClr val="FF0000"/>
+                </a:solidFill>
+              </a:rPr>
+              <a:t>Introductions/Motivations</a:t>
+            </a:r>
+          </a:p>
+        </p:txBody>
+      </p:sp>
+      <p:sp>
+        <p:nvSpPr>
+          <p:cNvPr id="3" name="Content Placeholder 2"/>
+          <p:cNvSpPr>
+            <a:spLocks noGrp="1"/>
+          </p:cNvSpPr>
+          <p:nvPr>
+            <p:ph idx="1"/>
+          </p:nvPr>
+        </p:nvSpPr>
+        <p:spPr/>
+        <p:txBody>
+          <a:bodyPr/>
+          <a:lstStyle/>
+          <a:p>
+            <a:r>
+              <a:rPr lang="en-US" dirty="0">
+                <a:solidFill>
+                  <a:srgbClr val="FF0000"/>
+                </a:solidFill>
+              </a:rPr>
+              <a:t>Try to summarize from the introductions of the papers </a:t>
+            </a:r>
+          </a:p>
+        </p:txBody>
+      </p:sp>
+    </p:spTree>
+    <p:extLst>
+      <p:ext uri="{BB962C8B-B14F-4D97-AF65-F5344CB8AC3E}">
+        <p14:creationId xmlns:p14="http://schemas.microsoft.com/office/powerpoint/2010/main" val="3763483425"/>
+      </p:ext>
+    </p:extLst>
+  </p:cSld>
+  <p:clrMapOvr>
+    <a:masterClrMapping/>
+  </p:clrMapOvr>
+</p:sld>
+</file>
+
+<file path=ppt/slides/slide20.xml><?xml version="1.0" encoding="utf-8"?>
 <p:sld xmlns:a="http://schemas.openxmlformats.org/drawingml/2006/main" xmlns:r="http://schemas.openxmlformats.org/officeDocument/2006/relationships" xmlns:p="http://schemas.openxmlformats.org/presentationml/2006/main">
   <p:cSld>
     <p:spTree>
@@ -4580,10 +5393,9 @@
                     <a:lstStyle/>
                     <a:p>
                       <a:r>
-                        <a:rPr lang="en-US"/>
+                        <a:rPr lang="en-US" dirty="0"/>
                         <a:t>02.28 with Luca</a:t>
                       </a:r>
-                      <a:endParaRPr lang="en-US" dirty="0"/>
                     </a:p>
                   </a:txBody>
                   <a:tcPr/>
@@ -5193,88 +6005,6 @@
 </p:sld>
 </file>
 
-<file path=ppt/slides/slide2.xml><?xml version="1.0" encoding="utf-8"?>
-<p:sld xmlns:a="http://schemas.openxmlformats.org/drawingml/2006/main" xmlns:r="http://schemas.openxmlformats.org/officeDocument/2006/relationships" xmlns:p="http://schemas.openxmlformats.org/presentationml/2006/main">
-  <p:cSld>
-    <p:spTree>
-      <p:nvGrpSpPr>
-        <p:cNvPr id="1" name=""/>
-        <p:cNvGrpSpPr/>
-        <p:nvPr/>
-      </p:nvGrpSpPr>
-      <p:grpSpPr>
-        <a:xfrm>
-          <a:off x="0" y="0"/>
-          <a:ext cx="0" cy="0"/>
-          <a:chOff x="0" y="0"/>
-          <a:chExt cx="0" cy="0"/>
-        </a:xfrm>
-      </p:grpSpPr>
-      <p:sp>
-        <p:nvSpPr>
-          <p:cNvPr id="2" name="Title 1"/>
-          <p:cNvSpPr>
-            <a:spLocks noGrp="1"/>
-          </p:cNvSpPr>
-          <p:nvPr>
-            <p:ph type="title"/>
-          </p:nvPr>
-        </p:nvSpPr>
-        <p:spPr/>
-        <p:txBody>
-          <a:bodyPr/>
-          <a:lstStyle/>
-          <a:p>
-            <a:r>
-              <a:rPr lang="en-US" dirty="0">
-                <a:solidFill>
-                  <a:srgbClr val="FF0000"/>
-                </a:solidFill>
-              </a:rPr>
-              <a:t>Introductions/Motivations</a:t>
-            </a:r>
-          </a:p>
-        </p:txBody>
-      </p:sp>
-      <p:sp>
-        <p:nvSpPr>
-          <p:cNvPr id="3" name="Content Placeholder 2"/>
-          <p:cNvSpPr>
-            <a:spLocks noGrp="1"/>
-          </p:cNvSpPr>
-          <p:nvPr>
-            <p:ph idx="1"/>
-          </p:nvPr>
-        </p:nvSpPr>
-        <p:spPr/>
-        <p:txBody>
-          <a:bodyPr/>
-          <a:lstStyle/>
-          <a:p>
-            <a:r>
-              <a:rPr lang="en-US" dirty="0">
-                <a:solidFill>
-                  <a:srgbClr val="FF0000"/>
-                </a:solidFill>
-              </a:rPr>
-              <a:t>Try to summarize from the introductions of the papers </a:t>
-            </a:r>
-          </a:p>
-        </p:txBody>
-      </p:sp>
-    </p:spTree>
-    <p:extLst>
-      <p:ext uri="{BB962C8B-B14F-4D97-AF65-F5344CB8AC3E}">
-        <p14:creationId xmlns:p14="http://schemas.microsoft.com/office/powerpoint/2010/main" val="3763483425"/>
-      </p:ext>
-    </p:extLst>
-  </p:cSld>
-  <p:clrMapOvr>
-    <a:masterClrMapping/>
-  </p:clrMapOvr>
-</p:sld>
-</file>
-
 <file path=ppt/slides/slide3.xml><?xml version="1.0" encoding="utf-8"?>
 <p:sld xmlns:a="http://schemas.openxmlformats.org/drawingml/2006/main" xmlns:r="http://schemas.openxmlformats.org/officeDocument/2006/relationships" xmlns:p="http://schemas.openxmlformats.org/presentationml/2006/main">
   <p:cSld>
@@ -6436,6 +7166,12 @@
               <a:t>Not necessarily guaranteed to always change image (?)</a:t>
             </a:r>
           </a:p>
+          <a:p>
+            <a:r>
+              <a:rPr lang="en-US" dirty="0"/>
+              <a:t>Doesn’t guarantee minimal perturbation, but pretty small distortion comparatively</a:t>
+            </a:r>
+          </a:p>
         </p:txBody>
       </p:sp>
     </p:spTree>
@@ -6470,7 +7206,13 @@
       </p:grpSpPr>
       <p:sp>
         <p:nvSpPr>
-          <p:cNvPr id="2" name="Title 1"/>
+          <p:cNvPr id="2" name="Title 1">
+            <a:extLst>
+              <a:ext uri="{FF2B5EF4-FFF2-40B4-BE49-F238E27FC236}">
+                <a16:creationId xmlns:a16="http://schemas.microsoft.com/office/drawing/2014/main" id="{154F488B-43F5-E046-BF7E-0056194D383C}"/>
+              </a:ext>
+            </a:extLst>
+          </p:cNvPr>
           <p:cNvSpPr>
             <a:spLocks noGrp="1"/>
           </p:cNvSpPr>
@@ -6485,209 +7227,57 @@
           <a:p>
             <a:r>
               <a:rPr lang="en-US" dirty="0"/>
-              <a:t>Methods Summary</a:t>
-            </a:r>
-          </a:p>
-        </p:txBody>
-      </p:sp>
-      <p:sp>
-        <p:nvSpPr>
-          <p:cNvPr id="4" name="Text Placeholder 3"/>
-          <p:cNvSpPr>
-            <a:spLocks noGrp="1"/>
-          </p:cNvSpPr>
-          <p:nvPr>
-            <p:ph type="body" idx="1"/>
-          </p:nvPr>
-        </p:nvSpPr>
-        <p:spPr/>
-        <p:txBody>
-          <a:bodyPr/>
-          <a:lstStyle/>
-          <a:p>
-            <a:r>
-              <a:rPr lang="en-US" dirty="0"/>
-              <a:t>1. </a:t>
+              <a:t>Need to revise deep fool code by</a:t>
+            </a:r>
+          </a:p>
+        </p:txBody>
+      </p:sp>
+      <p:sp>
+        <p:nvSpPr>
+          <p:cNvPr id="3" name="Content Placeholder 2">
+            <a:extLst>
+              <a:ext uri="{FF2B5EF4-FFF2-40B4-BE49-F238E27FC236}">
+                <a16:creationId xmlns:a16="http://schemas.microsoft.com/office/drawing/2014/main" id="{1CD8EE92-C2C5-5444-B7E1-D8B3730B2F72}"/>
+              </a:ext>
+            </a:extLst>
+          </p:cNvPr>
+          <p:cNvSpPr>
+            <a:spLocks noGrp="1"/>
+          </p:cNvSpPr>
+          <p:nvPr>
+            <p:ph idx="1"/>
+          </p:nvPr>
+        </p:nvSpPr>
+        <p:spPr/>
+        <p:txBody>
+          <a:bodyPr/>
+          <a:lstStyle/>
+          <a:p>
+            <a:r>
+              <a:rPr lang="en-US" dirty="0"/>
+              <a:t>Either use </a:t>
             </a:r>
             <a:r>
               <a:rPr lang="en-US" dirty="0" err="1"/>
-              <a:t>DeepFool</a:t>
-            </a:r>
-            <a:endParaRPr lang="en-US" dirty="0"/>
-          </a:p>
-        </p:txBody>
-      </p:sp>
-      <p:sp>
-        <p:nvSpPr>
-          <p:cNvPr id="5" name="Content Placeholder 4"/>
-          <p:cNvSpPr>
-            <a:spLocks noGrp="1"/>
-          </p:cNvSpPr>
-          <p:nvPr>
-            <p:ph sz="half" idx="2"/>
-          </p:nvPr>
-        </p:nvSpPr>
-        <p:spPr/>
-        <p:txBody>
-          <a:bodyPr>
-            <a:normAutofit lnSpcReduction="10000"/>
-          </a:bodyPr>
-          <a:lstStyle/>
-          <a:p>
-            <a:r>
-              <a:rPr lang="en-US" dirty="0">
-                <a:solidFill>
-                  <a:srgbClr val="FF0000"/>
-                </a:solidFill>
-              </a:rPr>
-              <a:t>Idea:</a:t>
-            </a:r>
-          </a:p>
-          <a:p>
-            <a:r>
-              <a:rPr lang="en-US" dirty="0"/>
-              <a:t>Paper:</a:t>
-            </a:r>
-          </a:p>
-          <a:p>
-            <a:pPr lvl="1"/>
-            <a:r>
-              <a:rPr lang="en-US" dirty="0"/>
-              <a:t>A simple and accurate method to fool deep neural networks</a:t>
-            </a:r>
-          </a:p>
-          <a:p>
-            <a:pPr lvl="1"/>
-            <a:r>
-              <a:rPr lang="en-US" dirty="0"/>
-              <a:t>https://arxiv.org/abs/1511.04599</a:t>
-            </a:r>
-          </a:p>
-          <a:p>
-            <a:r>
-              <a:rPr lang="en-US" dirty="0"/>
-              <a:t>Code:</a:t>
-            </a:r>
-          </a:p>
-          <a:p>
-            <a:pPr lvl="1"/>
-            <a:r>
-              <a:rPr lang="en-US" dirty="0">
-                <a:hlinkClick r:id="rId2"/>
-              </a:rPr>
-              <a:t>https://github.com/LTS4/DeepFool</a:t>
-            </a:r>
-            <a:endParaRPr lang="en-US" dirty="0"/>
-          </a:p>
-          <a:p>
-            <a:pPr lvl="1"/>
-            <a:r>
-              <a:rPr lang="en-US" dirty="0" err="1"/>
-              <a:t>Pytorch</a:t>
-            </a:r>
-            <a:endParaRPr lang="en-US" dirty="0"/>
-          </a:p>
-        </p:txBody>
-      </p:sp>
-      <p:sp>
-        <p:nvSpPr>
-          <p:cNvPr id="6" name="Text Placeholder 5"/>
-          <p:cNvSpPr>
-            <a:spLocks noGrp="1"/>
-          </p:cNvSpPr>
-          <p:nvPr>
-            <p:ph type="body" sz="quarter" idx="3"/>
-          </p:nvPr>
-        </p:nvSpPr>
-        <p:spPr/>
-        <p:txBody>
-          <a:bodyPr/>
-          <a:lstStyle/>
-          <a:p>
-            <a:r>
-              <a:rPr lang="en-US" dirty="0"/>
-              <a:t>2. Fast Gradient Sign Method (FGSM)</a:t>
-            </a:r>
-          </a:p>
-        </p:txBody>
-      </p:sp>
-      <p:sp>
-        <p:nvSpPr>
-          <p:cNvPr id="7" name="Content Placeholder 6"/>
-          <p:cNvSpPr>
-            <a:spLocks noGrp="1"/>
-          </p:cNvSpPr>
-          <p:nvPr>
-            <p:ph sz="quarter" idx="4"/>
-          </p:nvPr>
-        </p:nvSpPr>
-        <p:spPr/>
-        <p:txBody>
-          <a:bodyPr>
-            <a:normAutofit lnSpcReduction="10000"/>
-          </a:bodyPr>
-          <a:lstStyle/>
-          <a:p>
-            <a:r>
-              <a:rPr lang="en-US" dirty="0">
-                <a:solidFill>
-                  <a:srgbClr val="FF0000"/>
-                </a:solidFill>
-              </a:rPr>
-              <a:t>Idea:</a:t>
-            </a:r>
-          </a:p>
-          <a:p>
-            <a:r>
-              <a:rPr lang="en-US" dirty="0"/>
-              <a:t>Paper:</a:t>
-            </a:r>
-          </a:p>
-          <a:p>
-            <a:pPr lvl="1"/>
-            <a:r>
-              <a:rPr lang="en-US" dirty="0"/>
-              <a:t>Explaining and Harnessing Adversarial Examples</a:t>
-            </a:r>
-          </a:p>
-          <a:p>
-            <a:pPr lvl="1"/>
-            <a:r>
-              <a:rPr lang="en-US" dirty="0"/>
-              <a:t>https://arxiv.org/abs/1412.6572</a:t>
-            </a:r>
-          </a:p>
-          <a:p>
-            <a:r>
-              <a:rPr lang="en-US" dirty="0"/>
-              <a:t>Code:</a:t>
-            </a:r>
-          </a:p>
-          <a:p>
-            <a:pPr lvl="1"/>
-            <a:r>
-              <a:rPr lang="en-US" dirty="0"/>
-              <a:t>https://github.com/gongzhitaao/tensorflow-adversarial</a:t>
-            </a:r>
-          </a:p>
-          <a:p>
-            <a:pPr lvl="1"/>
-            <a:r>
-              <a:rPr lang="en-US" dirty="0" err="1"/>
-              <a:t>Tensorflow</a:t>
-            </a:r>
-            <a:endParaRPr lang="en-US" dirty="0"/>
-          </a:p>
-          <a:p>
-            <a:pPr lvl="1"/>
-            <a:endParaRPr lang="en-US" dirty="0"/>
+              <a:t>p_inf</a:t>
+            </a:r>
+            <a:r>
+              <a:rPr lang="en-US" dirty="0"/>
+              <a:t> (already in code)</a:t>
+            </a:r>
+          </a:p>
+          <a:p>
+            <a:r>
+              <a:rPr lang="en-US" dirty="0"/>
+              <a:t>Add functions to calculate distortion</a:t>
+            </a:r>
           </a:p>
         </p:txBody>
       </p:sp>
     </p:spTree>
     <p:extLst>
       <p:ext uri="{BB962C8B-B14F-4D97-AF65-F5344CB8AC3E}">
-        <p14:creationId xmlns:p14="http://schemas.microsoft.com/office/powerpoint/2010/main" val="3202584400"/>
+        <p14:creationId xmlns:p14="http://schemas.microsoft.com/office/powerpoint/2010/main" val="3061974274"/>
       </p:ext>
     </p:extLst>
   </p:cSld>
@@ -6716,7 +7306,13 @@
       </p:grpSpPr>
       <p:sp>
         <p:nvSpPr>
-          <p:cNvPr id="2" name="Title 1"/>
+          <p:cNvPr id="2" name="Title 1">
+            <a:extLst>
+              <a:ext uri="{FF2B5EF4-FFF2-40B4-BE49-F238E27FC236}">
+                <a16:creationId xmlns:a16="http://schemas.microsoft.com/office/drawing/2014/main" id="{228CD0E4-A702-764F-B97E-357240BA042B}"/>
+              </a:ext>
+            </a:extLst>
+          </p:cNvPr>
           <p:cNvSpPr>
             <a:spLocks noGrp="1"/>
           </p:cNvSpPr>
@@ -6731,222 +7327,53 @@
           <a:p>
             <a:r>
               <a:rPr lang="en-US" dirty="0"/>
-              <a:t>Methods Summary</a:t>
-            </a:r>
-          </a:p>
-        </p:txBody>
-      </p:sp>
-      <p:sp>
-        <p:nvSpPr>
-          <p:cNvPr id="4" name="Text Placeholder 3"/>
-          <p:cNvSpPr>
-            <a:spLocks noGrp="1"/>
-          </p:cNvSpPr>
-          <p:nvPr>
-            <p:ph type="body" idx="1"/>
-          </p:nvPr>
-        </p:nvSpPr>
-        <p:spPr/>
-        <p:txBody>
-          <a:bodyPr/>
-          <a:lstStyle/>
-          <a:p>
-            <a:r>
-              <a:rPr lang="en-US" dirty="0"/>
-              <a:t>3. Iterative FGSM</a:t>
-            </a:r>
-          </a:p>
-        </p:txBody>
-      </p:sp>
-      <p:sp>
-        <p:nvSpPr>
-          <p:cNvPr id="5" name="Content Placeholder 4"/>
-          <p:cNvSpPr>
-            <a:spLocks noGrp="1"/>
-          </p:cNvSpPr>
-          <p:nvPr>
-            <p:ph sz="half" idx="2"/>
-          </p:nvPr>
-        </p:nvSpPr>
-        <p:spPr/>
-        <p:txBody>
-          <a:bodyPr>
-            <a:normAutofit fontScale="92500" lnSpcReduction="10000"/>
-          </a:bodyPr>
-          <a:lstStyle/>
-          <a:p>
-            <a:r>
-              <a:rPr lang="en-US" dirty="0">
-                <a:solidFill>
-                  <a:srgbClr val="FF0000"/>
-                </a:solidFill>
-              </a:rPr>
-              <a:t>Idea:</a:t>
-            </a:r>
-          </a:p>
-          <a:p>
-            <a:r>
-              <a:rPr lang="en-US" dirty="0"/>
-              <a:t>Paper:</a:t>
-            </a:r>
-          </a:p>
-          <a:p>
-            <a:pPr lvl="1"/>
-            <a:r>
-              <a:rPr lang="en-US" dirty="0"/>
-              <a:t>Adversarial examples in the physical world</a:t>
-            </a:r>
-          </a:p>
-          <a:p>
-            <a:pPr lvl="1"/>
-            <a:r>
-              <a:rPr lang="en-US" dirty="0"/>
-              <a:t>https://arxiv.org/abs/1607.02533</a:t>
-            </a:r>
-          </a:p>
-          <a:p>
-            <a:r>
-              <a:rPr lang="en-US" dirty="0"/>
-              <a:t>Code:</a:t>
-            </a:r>
-          </a:p>
-          <a:p>
-            <a:pPr lvl="1"/>
-            <a:r>
-              <a:rPr lang="en-US" dirty="0">
-                <a:hlinkClick r:id="rId2"/>
-              </a:rPr>
-              <a:t>https://github.com/gongzhitaao/tensorflow-adversarial</a:t>
-            </a:r>
-            <a:endParaRPr lang="en-US" dirty="0"/>
-          </a:p>
-          <a:p>
-            <a:pPr lvl="1"/>
-            <a:r>
-              <a:rPr lang="en-US" dirty="0"/>
-              <a:t>Write codes based on FGSM</a:t>
-            </a:r>
-          </a:p>
-          <a:p>
-            <a:pPr lvl="1"/>
-            <a:r>
-              <a:rPr lang="en-US" dirty="0" err="1"/>
-              <a:t>Tensorflow</a:t>
-            </a:r>
-            <a:endParaRPr lang="en-US" dirty="0"/>
-          </a:p>
-          <a:p>
-            <a:endParaRPr lang="en-US" dirty="0"/>
-          </a:p>
-        </p:txBody>
-      </p:sp>
-      <p:sp>
-        <p:nvSpPr>
-          <p:cNvPr id="6" name="Text Placeholder 5"/>
-          <p:cNvSpPr>
-            <a:spLocks noGrp="1"/>
-          </p:cNvSpPr>
-          <p:nvPr>
-            <p:ph type="body" sz="quarter" idx="3"/>
-          </p:nvPr>
-        </p:nvSpPr>
-        <p:spPr/>
-        <p:txBody>
-          <a:bodyPr/>
-          <a:lstStyle/>
-          <a:p>
-            <a:r>
-              <a:rPr lang="en-US" dirty="0"/>
-              <a:t>4. </a:t>
-            </a:r>
-            <a:r>
-              <a:rPr lang="en-US" dirty="0" err="1"/>
-              <a:t>Carlini</a:t>
-            </a:r>
-            <a:r>
-              <a:rPr lang="en-US" dirty="0"/>
-              <a:t> Wagner Attack </a:t>
-            </a:r>
-          </a:p>
-        </p:txBody>
-      </p:sp>
-      <p:sp>
-        <p:nvSpPr>
-          <p:cNvPr id="7" name="Content Placeholder 6"/>
-          <p:cNvSpPr>
-            <a:spLocks noGrp="1"/>
-          </p:cNvSpPr>
-          <p:nvPr>
-            <p:ph sz="quarter" idx="4"/>
-          </p:nvPr>
-        </p:nvSpPr>
-        <p:spPr/>
-        <p:txBody>
-          <a:bodyPr>
-            <a:normAutofit lnSpcReduction="10000"/>
-          </a:bodyPr>
-          <a:lstStyle/>
-          <a:p>
-            <a:r>
-              <a:rPr lang="en-US" dirty="0">
-                <a:solidFill>
-                  <a:srgbClr val="FF0000"/>
-                </a:solidFill>
-              </a:rPr>
-              <a:t>Idea:</a:t>
-            </a:r>
-          </a:p>
-          <a:p>
-            <a:r>
-              <a:rPr lang="en-US" dirty="0"/>
-              <a:t>Paper:</a:t>
-            </a:r>
-          </a:p>
-          <a:p>
-            <a:pPr lvl="1"/>
-            <a:r>
-              <a:rPr lang="en-US" dirty="0"/>
-              <a:t>Towards Evaluating the Robustness of Neural Networks</a:t>
-            </a:r>
-          </a:p>
-          <a:p>
-            <a:pPr lvl="1"/>
-            <a:r>
-              <a:rPr lang="en-US" dirty="0">
-                <a:hlinkClick r:id="rId3"/>
-              </a:rPr>
-              <a:t>https://arxiv.org/abs/1608.04644</a:t>
-            </a:r>
-            <a:endParaRPr lang="en-US" dirty="0"/>
-          </a:p>
-          <a:p>
-            <a:r>
-              <a:rPr lang="en-US" dirty="0"/>
-              <a:t>Code</a:t>
-            </a:r>
-          </a:p>
-          <a:p>
-            <a:pPr lvl="1"/>
-            <a:r>
-              <a:rPr lang="en-US" dirty="0">
-                <a:hlinkClick r:id="rId2"/>
-              </a:rPr>
-              <a:t>https://github.com/gongzhitaao/tensorflow-adversarial</a:t>
-            </a:r>
-            <a:r>
-              <a:rPr lang="en-US" dirty="0"/>
-              <a:t> </a:t>
-            </a:r>
-          </a:p>
-          <a:p>
-            <a:pPr lvl="1"/>
-            <a:r>
-              <a:rPr lang="en-US" dirty="0" err="1"/>
-              <a:t>Tensorflow</a:t>
-            </a:r>
-            <a:r>
-              <a:rPr lang="en-US" dirty="0"/>
-              <a:t> </a:t>
+              <a:t>What are the models (use at least one)</a:t>
+            </a:r>
+          </a:p>
+        </p:txBody>
+      </p:sp>
+      <p:sp>
+        <p:nvSpPr>
+          <p:cNvPr id="3" name="Content Placeholder 2">
+            <a:extLst>
+              <a:ext uri="{FF2B5EF4-FFF2-40B4-BE49-F238E27FC236}">
+                <a16:creationId xmlns:a16="http://schemas.microsoft.com/office/drawing/2014/main" id="{387E5CC9-5F47-5B40-8CE0-B6F5A14D5B68}"/>
+              </a:ext>
+            </a:extLst>
+          </p:cNvPr>
+          <p:cNvSpPr>
+            <a:spLocks noGrp="1"/>
+          </p:cNvSpPr>
+          <p:nvPr>
+            <p:ph idx="1"/>
+          </p:nvPr>
+        </p:nvSpPr>
+        <p:spPr/>
+        <p:txBody>
+          <a:bodyPr/>
+          <a:lstStyle/>
+          <a:p>
+            <a:r>
+              <a:rPr lang="en-US" dirty="0"/>
+              <a:t>Parameters</a:t>
+            </a:r>
+          </a:p>
+          <a:p>
+            <a:r>
+              <a:rPr lang="en-US" dirty="0"/>
+              <a:t>Training</a:t>
+            </a:r>
+          </a:p>
+          <a:p>
+            <a:r>
+              <a:rPr lang="en-US" dirty="0"/>
+              <a:t>Accuracy on test set</a:t>
+            </a:r>
+          </a:p>
+          <a:p>
+            <a:r>
+              <a:rPr lang="en-US" dirty="0"/>
+              <a:t>What data set</a:t>
             </a:r>
           </a:p>
         </p:txBody>
@@ -6954,7 +7381,7 @@
     </p:spTree>
     <p:extLst>
       <p:ext uri="{BB962C8B-B14F-4D97-AF65-F5344CB8AC3E}">
-        <p14:creationId xmlns:p14="http://schemas.microsoft.com/office/powerpoint/2010/main" val="285251880"/>
+        <p14:creationId xmlns:p14="http://schemas.microsoft.com/office/powerpoint/2010/main" val="36405737"/>
       </p:ext>
     </p:extLst>
   </p:cSld>

--- a/Docs/Progress slides.pptx
+++ b/Docs/Progress slides.pptx
@@ -3226,45 +3226,8 @@
           <a:p>
             <a:r>
               <a:rPr lang="en-US" dirty="0"/>
-              <a:t>Have a table like slide 16 </a:t>
-            </a:r>
-            <a:r>
-              <a:rPr lang="en-US"/>
-              <a:t>or image</a:t>
-            </a:r>
-            <a:endParaRPr lang="en-US" dirty="0"/>
-          </a:p>
-        </p:txBody>
-      </p:sp>
-      <p:sp>
-        <p:nvSpPr>
-          <p:cNvPr id="4" name="TextBox 3">
-            <a:extLst>
-              <a:ext uri="{FF2B5EF4-FFF2-40B4-BE49-F238E27FC236}">
-                <a16:creationId xmlns:a16="http://schemas.microsoft.com/office/drawing/2014/main" id="{029C2145-84E1-2549-AEEF-2981EBF6F580}"/>
-              </a:ext>
-            </a:extLst>
-          </p:cNvPr>
-          <p:cNvSpPr txBox="1"/>
-          <p:nvPr/>
-        </p:nvSpPr>
-        <p:spPr>
-          <a:xfrm>
-            <a:off x="3028208" y="2078182"/>
-            <a:ext cx="184731" cy="369332"/>
-          </a:xfrm>
-          <a:prstGeom prst="rect">
-            <a:avLst/>
-          </a:prstGeom>
-          <a:noFill/>
-        </p:spPr>
-        <p:txBody>
-          <a:bodyPr wrap="none" rtlCol="0">
-            <a:spAutoFit/>
-          </a:bodyPr>
-          <a:lstStyle/>
-          <a:p>
-            <a:endParaRPr lang="en-US" dirty="0"/>
+              <a:t>Have a table like slide 16 or image</a:t>
+            </a:r>
           </a:p>
         </p:txBody>
       </p:sp>
@@ -7376,6 +7339,39 @@
               <a:t>What data set</a:t>
             </a:r>
           </a:p>
+          <a:p>
+            <a:r>
+              <a:rPr lang="en-US" dirty="0"/>
+              <a:t>Maybe switch </a:t>
+            </a:r>
+            <a:r>
+              <a:rPr lang="en-US" dirty="0" err="1"/>
+              <a:t>elu</a:t>
+            </a:r>
+            <a:r>
+              <a:rPr lang="en-US" dirty="0"/>
+              <a:t>? </a:t>
+            </a:r>
+            <a:r>
+              <a:rPr lang="en-US" dirty="0" err="1"/>
+              <a:t>Relu</a:t>
+            </a:r>
+            <a:r>
+              <a:rPr lang="en-US" dirty="0"/>
+              <a:t> is best? Leaky </a:t>
+            </a:r>
+            <a:r>
+              <a:rPr lang="en-US" dirty="0" err="1"/>
+              <a:t>relu</a:t>
+            </a:r>
+            <a:r>
+              <a:rPr lang="en-US" dirty="0"/>
+              <a:t>?</a:t>
+            </a:r>
+          </a:p>
+          <a:p>
+            <a:endParaRPr lang="en-US" dirty="0"/>
+          </a:p>
         </p:txBody>
       </p:sp>
     </p:spTree>

--- a/Docs/Progress slides.pptx
+++ b/Docs/Progress slides.pptx
@@ -4,6 +4,9 @@
   <p:sldMasterIdLst>
     <p:sldMasterId id="2147483648" r:id="rId1"/>
   </p:sldMasterIdLst>
+  <p:notesMasterIdLst>
+    <p:notesMasterId r:id="rId21"/>
+  </p:notesMasterIdLst>
   <p:sldIdLst>
     <p:sldId id="256" r:id="rId2"/>
     <p:sldId id="257" r:id="rId3"/>
@@ -14,17 +17,16 @@
     <p:sldId id="272" r:id="rId8"/>
     <p:sldId id="273" r:id="rId9"/>
     <p:sldId id="274" r:id="rId10"/>
-    <p:sldId id="275" r:id="rId11"/>
-    <p:sldId id="276" r:id="rId12"/>
-    <p:sldId id="258" r:id="rId13"/>
-    <p:sldId id="259" r:id="rId14"/>
-    <p:sldId id="262" r:id="rId15"/>
-    <p:sldId id="266" r:id="rId16"/>
-    <p:sldId id="260" r:id="rId17"/>
-    <p:sldId id="263" r:id="rId18"/>
-    <p:sldId id="264" r:id="rId19"/>
-    <p:sldId id="265" r:id="rId20"/>
-    <p:sldId id="267" r:id="rId21"/>
+    <p:sldId id="276" r:id="rId11"/>
+    <p:sldId id="258" r:id="rId12"/>
+    <p:sldId id="259" r:id="rId13"/>
+    <p:sldId id="262" r:id="rId14"/>
+    <p:sldId id="266" r:id="rId15"/>
+    <p:sldId id="260" r:id="rId16"/>
+    <p:sldId id="263" r:id="rId17"/>
+    <p:sldId id="264" r:id="rId18"/>
+    <p:sldId id="265" r:id="rId19"/>
+    <p:sldId id="267" r:id="rId20"/>
   </p:sldIdLst>
   <p:sldSz cx="12192000" cy="6858000"/>
   <p:notesSz cx="6858000" cy="9144000"/>
@@ -131,6 +133,486 @@
 </p:presentation>
 </file>
 
+<file path=ppt/notesMasters/notesMaster1.xml><?xml version="1.0" encoding="utf-8"?>
+<p:notesMaster xmlns:a="http://schemas.openxmlformats.org/drawingml/2006/main" xmlns:r="http://schemas.openxmlformats.org/officeDocument/2006/relationships" xmlns:p="http://schemas.openxmlformats.org/presentationml/2006/main">
+  <p:cSld>
+    <p:bg>
+      <p:bgRef idx="1001">
+        <a:schemeClr val="bg1"/>
+      </p:bgRef>
+    </p:bg>
+    <p:spTree>
+      <p:nvGrpSpPr>
+        <p:cNvPr id="1" name=""/>
+        <p:cNvGrpSpPr/>
+        <p:nvPr/>
+      </p:nvGrpSpPr>
+      <p:grpSpPr>
+        <a:xfrm>
+          <a:off x="0" y="0"/>
+          <a:ext cx="0" cy="0"/>
+          <a:chOff x="0" y="0"/>
+          <a:chExt cx="0" cy="0"/>
+        </a:xfrm>
+      </p:grpSpPr>
+      <p:sp>
+        <p:nvSpPr>
+          <p:cNvPr id="2" name="Header Placeholder 1"/>
+          <p:cNvSpPr>
+            <a:spLocks noGrp="1"/>
+          </p:cNvSpPr>
+          <p:nvPr>
+            <p:ph type="hdr" sz="quarter"/>
+          </p:nvPr>
+        </p:nvSpPr>
+        <p:spPr>
+          <a:xfrm>
+            <a:off x="0" y="0"/>
+            <a:ext cx="2971800" cy="458788"/>
+          </a:xfrm>
+          <a:prstGeom prst="rect">
+            <a:avLst/>
+          </a:prstGeom>
+        </p:spPr>
+        <p:txBody>
+          <a:bodyPr vert="horz" lIns="91440" tIns="45720" rIns="91440" bIns="45720" rtlCol="0"/>
+          <a:lstStyle>
+            <a:lvl1pPr algn="l">
+              <a:defRPr sz="1200"/>
+            </a:lvl1pPr>
+          </a:lstStyle>
+          <a:p>
+            <a:endParaRPr lang="en-US"/>
+          </a:p>
+        </p:txBody>
+      </p:sp>
+      <p:sp>
+        <p:nvSpPr>
+          <p:cNvPr id="3" name="Date Placeholder 2"/>
+          <p:cNvSpPr>
+            <a:spLocks noGrp="1"/>
+          </p:cNvSpPr>
+          <p:nvPr>
+            <p:ph type="dt" idx="1"/>
+          </p:nvPr>
+        </p:nvSpPr>
+        <p:spPr>
+          <a:xfrm>
+            <a:off x="3884613" y="0"/>
+            <a:ext cx="2971800" cy="458788"/>
+          </a:xfrm>
+          <a:prstGeom prst="rect">
+            <a:avLst/>
+          </a:prstGeom>
+        </p:spPr>
+        <p:txBody>
+          <a:bodyPr vert="horz" lIns="91440" tIns="45720" rIns="91440" bIns="45720" rtlCol="0"/>
+          <a:lstStyle>
+            <a:lvl1pPr algn="r">
+              <a:defRPr sz="1200"/>
+            </a:lvl1pPr>
+          </a:lstStyle>
+          <a:p>
+            <a:fld id="{5882F29C-0176-C743-AB03-CEB0EA3447C7}" type="datetimeFigureOut">
+              <a:rPr lang="en-US" smtClean="0"/>
+              <a:t>4/17/18</a:t>
+            </a:fld>
+            <a:endParaRPr lang="en-US"/>
+          </a:p>
+        </p:txBody>
+      </p:sp>
+      <p:sp>
+        <p:nvSpPr>
+          <p:cNvPr id="4" name="Slide Image Placeholder 3"/>
+          <p:cNvSpPr>
+            <a:spLocks noGrp="1" noRot="1" noChangeAspect="1"/>
+          </p:cNvSpPr>
+          <p:nvPr>
+            <p:ph type="sldImg" idx="2"/>
+          </p:nvPr>
+        </p:nvSpPr>
+        <p:spPr>
+          <a:xfrm>
+            <a:off x="685800" y="1143000"/>
+            <a:ext cx="5486400" cy="3086100"/>
+          </a:xfrm>
+          <a:prstGeom prst="rect">
+            <a:avLst/>
+          </a:prstGeom>
+          <a:noFill/>
+          <a:ln w="12700">
+            <a:solidFill>
+              <a:prstClr val="black"/>
+            </a:solidFill>
+          </a:ln>
+        </p:spPr>
+        <p:txBody>
+          <a:bodyPr vert="horz" lIns="91440" tIns="45720" rIns="91440" bIns="45720" rtlCol="0" anchor="ctr"/>
+          <a:lstStyle/>
+          <a:p>
+            <a:endParaRPr lang="en-US"/>
+          </a:p>
+        </p:txBody>
+      </p:sp>
+      <p:sp>
+        <p:nvSpPr>
+          <p:cNvPr id="5" name="Notes Placeholder 4"/>
+          <p:cNvSpPr>
+            <a:spLocks noGrp="1"/>
+          </p:cNvSpPr>
+          <p:nvPr>
+            <p:ph type="body" sz="quarter" idx="3"/>
+          </p:nvPr>
+        </p:nvSpPr>
+        <p:spPr>
+          <a:xfrm>
+            <a:off x="685800" y="4400550"/>
+            <a:ext cx="5486400" cy="3600450"/>
+          </a:xfrm>
+          <a:prstGeom prst="rect">
+            <a:avLst/>
+          </a:prstGeom>
+        </p:spPr>
+        <p:txBody>
+          <a:bodyPr vert="horz" lIns="91440" tIns="45720" rIns="91440" bIns="45720" rtlCol="0"/>
+          <a:lstStyle/>
+          <a:p>
+            <a:pPr lvl="0"/>
+            <a:r>
+              <a:rPr lang="en-US"/>
+              <a:t>Edit Master text styles</a:t>
+            </a:r>
+          </a:p>
+          <a:p>
+            <a:pPr lvl="1"/>
+            <a:r>
+              <a:rPr lang="en-US"/>
+              <a:t>Second level</a:t>
+            </a:r>
+          </a:p>
+          <a:p>
+            <a:pPr lvl="2"/>
+            <a:r>
+              <a:rPr lang="en-US"/>
+              <a:t>Third level</a:t>
+            </a:r>
+          </a:p>
+          <a:p>
+            <a:pPr lvl="3"/>
+            <a:r>
+              <a:rPr lang="en-US"/>
+              <a:t>Fourth level</a:t>
+            </a:r>
+          </a:p>
+          <a:p>
+            <a:pPr lvl="4"/>
+            <a:r>
+              <a:rPr lang="en-US"/>
+              <a:t>Fifth level</a:t>
+            </a:r>
+          </a:p>
+        </p:txBody>
+      </p:sp>
+      <p:sp>
+        <p:nvSpPr>
+          <p:cNvPr id="6" name="Footer Placeholder 5"/>
+          <p:cNvSpPr>
+            <a:spLocks noGrp="1"/>
+          </p:cNvSpPr>
+          <p:nvPr>
+            <p:ph type="ftr" sz="quarter" idx="4"/>
+          </p:nvPr>
+        </p:nvSpPr>
+        <p:spPr>
+          <a:xfrm>
+            <a:off x="0" y="8685213"/>
+            <a:ext cx="2971800" cy="458787"/>
+          </a:xfrm>
+          <a:prstGeom prst="rect">
+            <a:avLst/>
+          </a:prstGeom>
+        </p:spPr>
+        <p:txBody>
+          <a:bodyPr vert="horz" lIns="91440" tIns="45720" rIns="91440" bIns="45720" rtlCol="0" anchor="b"/>
+          <a:lstStyle>
+            <a:lvl1pPr algn="l">
+              <a:defRPr sz="1200"/>
+            </a:lvl1pPr>
+          </a:lstStyle>
+          <a:p>
+            <a:endParaRPr lang="en-US"/>
+          </a:p>
+        </p:txBody>
+      </p:sp>
+      <p:sp>
+        <p:nvSpPr>
+          <p:cNvPr id="7" name="Slide Number Placeholder 6"/>
+          <p:cNvSpPr>
+            <a:spLocks noGrp="1"/>
+          </p:cNvSpPr>
+          <p:nvPr>
+            <p:ph type="sldNum" sz="quarter" idx="5"/>
+          </p:nvPr>
+        </p:nvSpPr>
+        <p:spPr>
+          <a:xfrm>
+            <a:off x="3884613" y="8685213"/>
+            <a:ext cx="2971800" cy="458787"/>
+          </a:xfrm>
+          <a:prstGeom prst="rect">
+            <a:avLst/>
+          </a:prstGeom>
+        </p:spPr>
+        <p:txBody>
+          <a:bodyPr vert="horz" lIns="91440" tIns="45720" rIns="91440" bIns="45720" rtlCol="0" anchor="b"/>
+          <a:lstStyle>
+            <a:lvl1pPr algn="r">
+              <a:defRPr sz="1200"/>
+            </a:lvl1pPr>
+          </a:lstStyle>
+          <a:p>
+            <a:fld id="{5090C45A-AAC3-C249-8DC6-F14ED589DD21}" type="slidenum">
+              <a:rPr lang="en-US" smtClean="0"/>
+              <a:t>‹#›</a:t>
+            </a:fld>
+            <a:endParaRPr lang="en-US"/>
+          </a:p>
+        </p:txBody>
+      </p:sp>
+    </p:spTree>
+    <p:extLst>
+      <p:ext uri="{BB962C8B-B14F-4D97-AF65-F5344CB8AC3E}">
+        <p14:creationId xmlns:p14="http://schemas.microsoft.com/office/powerpoint/2010/main" val="2177848497"/>
+      </p:ext>
+    </p:extLst>
+  </p:cSld>
+  <p:clrMap bg1="lt1" tx1="dk1" bg2="lt2" tx2="dk2" accent1="accent1" accent2="accent2" accent3="accent3" accent4="accent4" accent5="accent5" accent6="accent6" hlink="hlink" folHlink="folHlink"/>
+  <p:notesStyle>
+    <a:lvl1pPr marL="0" algn="l" defTabSz="914400" rtl="0" eaLnBrk="1" latinLnBrk="0" hangingPunct="1">
+      <a:defRPr sz="1200" kern="1200">
+        <a:solidFill>
+          <a:schemeClr val="tx1"/>
+        </a:solidFill>
+        <a:latin typeface="+mn-lt"/>
+        <a:ea typeface="+mn-ea"/>
+        <a:cs typeface="+mn-cs"/>
+      </a:defRPr>
+    </a:lvl1pPr>
+    <a:lvl2pPr marL="457200" algn="l" defTabSz="914400" rtl="0" eaLnBrk="1" latinLnBrk="0" hangingPunct="1">
+      <a:defRPr sz="1200" kern="1200">
+        <a:solidFill>
+          <a:schemeClr val="tx1"/>
+        </a:solidFill>
+        <a:latin typeface="+mn-lt"/>
+        <a:ea typeface="+mn-ea"/>
+        <a:cs typeface="+mn-cs"/>
+      </a:defRPr>
+    </a:lvl2pPr>
+    <a:lvl3pPr marL="914400" algn="l" defTabSz="914400" rtl="0" eaLnBrk="1" latinLnBrk="0" hangingPunct="1">
+      <a:defRPr sz="1200" kern="1200">
+        <a:solidFill>
+          <a:schemeClr val="tx1"/>
+        </a:solidFill>
+        <a:latin typeface="+mn-lt"/>
+        <a:ea typeface="+mn-ea"/>
+        <a:cs typeface="+mn-cs"/>
+      </a:defRPr>
+    </a:lvl3pPr>
+    <a:lvl4pPr marL="1371600" algn="l" defTabSz="914400" rtl="0" eaLnBrk="1" latinLnBrk="0" hangingPunct="1">
+      <a:defRPr sz="1200" kern="1200">
+        <a:solidFill>
+          <a:schemeClr val="tx1"/>
+        </a:solidFill>
+        <a:latin typeface="+mn-lt"/>
+        <a:ea typeface="+mn-ea"/>
+        <a:cs typeface="+mn-cs"/>
+      </a:defRPr>
+    </a:lvl4pPr>
+    <a:lvl5pPr marL="1828800" algn="l" defTabSz="914400" rtl="0" eaLnBrk="1" latinLnBrk="0" hangingPunct="1">
+      <a:defRPr sz="1200" kern="1200">
+        <a:solidFill>
+          <a:schemeClr val="tx1"/>
+        </a:solidFill>
+        <a:latin typeface="+mn-lt"/>
+        <a:ea typeface="+mn-ea"/>
+        <a:cs typeface="+mn-cs"/>
+      </a:defRPr>
+    </a:lvl5pPr>
+    <a:lvl6pPr marL="2286000" algn="l" defTabSz="914400" rtl="0" eaLnBrk="1" latinLnBrk="0" hangingPunct="1">
+      <a:defRPr sz="1200" kern="1200">
+        <a:solidFill>
+          <a:schemeClr val="tx1"/>
+        </a:solidFill>
+        <a:latin typeface="+mn-lt"/>
+        <a:ea typeface="+mn-ea"/>
+        <a:cs typeface="+mn-cs"/>
+      </a:defRPr>
+    </a:lvl6pPr>
+    <a:lvl7pPr marL="2743200" algn="l" defTabSz="914400" rtl="0" eaLnBrk="1" latinLnBrk="0" hangingPunct="1">
+      <a:defRPr sz="1200" kern="1200">
+        <a:solidFill>
+          <a:schemeClr val="tx1"/>
+        </a:solidFill>
+        <a:latin typeface="+mn-lt"/>
+        <a:ea typeface="+mn-ea"/>
+        <a:cs typeface="+mn-cs"/>
+      </a:defRPr>
+    </a:lvl7pPr>
+    <a:lvl8pPr marL="3200400" algn="l" defTabSz="914400" rtl="0" eaLnBrk="1" latinLnBrk="0" hangingPunct="1">
+      <a:defRPr sz="1200" kern="1200">
+        <a:solidFill>
+          <a:schemeClr val="tx1"/>
+        </a:solidFill>
+        <a:latin typeface="+mn-lt"/>
+        <a:ea typeface="+mn-ea"/>
+        <a:cs typeface="+mn-cs"/>
+      </a:defRPr>
+    </a:lvl8pPr>
+    <a:lvl9pPr marL="3657600" algn="l" defTabSz="914400" rtl="0" eaLnBrk="1" latinLnBrk="0" hangingPunct="1">
+      <a:defRPr sz="1200" kern="1200">
+        <a:solidFill>
+          <a:schemeClr val="tx1"/>
+        </a:solidFill>
+        <a:latin typeface="+mn-lt"/>
+        <a:ea typeface="+mn-ea"/>
+        <a:cs typeface="+mn-cs"/>
+      </a:defRPr>
+    </a:lvl9pPr>
+  </p:notesStyle>
+</p:notesMaster>
+</file>
+
+<file path=ppt/notesSlides/notesSlide1.xml><?xml version="1.0" encoding="utf-8"?>
+<p:notes xmlns:a="http://schemas.openxmlformats.org/drawingml/2006/main" xmlns:r="http://schemas.openxmlformats.org/officeDocument/2006/relationships" xmlns:p="http://schemas.openxmlformats.org/presentationml/2006/main">
+  <p:cSld>
+    <p:spTree>
+      <p:nvGrpSpPr>
+        <p:cNvPr id="1" name=""/>
+        <p:cNvGrpSpPr/>
+        <p:nvPr/>
+      </p:nvGrpSpPr>
+      <p:grpSpPr>
+        <a:xfrm>
+          <a:off x="0" y="0"/>
+          <a:ext cx="0" cy="0"/>
+          <a:chOff x="0" y="0"/>
+          <a:chExt cx="0" cy="0"/>
+        </a:xfrm>
+      </p:grpSpPr>
+      <p:sp>
+        <p:nvSpPr>
+          <p:cNvPr id="2" name="Slide Image Placeholder 1"/>
+          <p:cNvSpPr>
+            <a:spLocks noGrp="1" noRot="1" noChangeAspect="1"/>
+          </p:cNvSpPr>
+          <p:nvPr>
+            <p:ph type="sldImg"/>
+          </p:nvPr>
+        </p:nvSpPr>
+        <p:spPr/>
+      </p:sp>
+      <p:sp>
+        <p:nvSpPr>
+          <p:cNvPr id="3" name="Notes Placeholder 2"/>
+          <p:cNvSpPr>
+            <a:spLocks noGrp="1"/>
+          </p:cNvSpPr>
+          <p:nvPr>
+            <p:ph type="body" idx="1"/>
+          </p:nvPr>
+        </p:nvSpPr>
+        <p:spPr/>
+        <p:txBody>
+          <a:bodyPr/>
+          <a:lstStyle/>
+          <a:p>
+            <a:pPr marL="0" marR="0" lvl="0" indent="0" algn="l" defTabSz="914400" rtl="0" eaLnBrk="1" fontAlgn="auto" latinLnBrk="0" hangingPunct="1">
+              <a:lnSpc>
+                <a:spcPct val="100000"/>
+              </a:lnSpc>
+              <a:spcBef>
+                <a:spcPts val="0"/>
+              </a:spcBef>
+              <a:spcAft>
+                <a:spcPts val="0"/>
+              </a:spcAft>
+              <a:buClrTx/>
+              <a:buSzTx/>
+              <a:buFontTx/>
+              <a:buNone/>
+              <a:tabLst/>
+              <a:defRPr/>
+            </a:pPr>
+            <a:r>
+              <a:rPr lang="en-US" dirty="0"/>
+              <a:t>Maybe switch </a:t>
+            </a:r>
+            <a:r>
+              <a:rPr lang="en-US" dirty="0" err="1"/>
+              <a:t>elu</a:t>
+            </a:r>
+            <a:r>
+              <a:rPr lang="en-US" dirty="0"/>
+              <a:t>? </a:t>
+            </a:r>
+            <a:r>
+              <a:rPr lang="en-US" dirty="0" err="1"/>
+              <a:t>Relu</a:t>
+            </a:r>
+            <a:r>
+              <a:rPr lang="en-US" dirty="0"/>
+              <a:t> is best? Leaky </a:t>
+            </a:r>
+            <a:r>
+              <a:rPr lang="en-US" dirty="0" err="1"/>
+              <a:t>relu</a:t>
+            </a:r>
+            <a:r>
+              <a:rPr lang="en-US" dirty="0"/>
+              <a:t>?</a:t>
+            </a:r>
+          </a:p>
+          <a:p>
+            <a:endParaRPr lang="en-US" dirty="0"/>
+          </a:p>
+        </p:txBody>
+      </p:sp>
+      <p:sp>
+        <p:nvSpPr>
+          <p:cNvPr id="4" name="Slide Number Placeholder 3"/>
+          <p:cNvSpPr>
+            <a:spLocks noGrp="1"/>
+          </p:cNvSpPr>
+          <p:nvPr>
+            <p:ph type="sldNum" sz="quarter" idx="10"/>
+          </p:nvPr>
+        </p:nvSpPr>
+        <p:spPr/>
+        <p:txBody>
+          <a:bodyPr/>
+          <a:lstStyle/>
+          <a:p>
+            <a:fld id="{5090C45A-AAC3-C249-8DC6-F14ED589DD21}" type="slidenum">
+              <a:rPr lang="en-US" smtClean="0"/>
+              <a:t>9</a:t>
+            </a:fld>
+            <a:endParaRPr lang="en-US"/>
+          </a:p>
+        </p:txBody>
+      </p:sp>
+    </p:spTree>
+    <p:extLst>
+      <p:ext uri="{BB962C8B-B14F-4D97-AF65-F5344CB8AC3E}">
+        <p14:creationId xmlns:p14="http://schemas.microsoft.com/office/powerpoint/2010/main" val="3278914150"/>
+      </p:ext>
+    </p:extLst>
+  </p:cSld>
+  <p:clrMapOvr>
+    <a:masterClrMapping/>
+  </p:clrMapOvr>
+</p:notes>
+</file>
+
 <file path=ppt/slideLayouts/slideLayout1.xml><?xml version="1.0" encoding="utf-8"?>
 <p:sldLayout xmlns:a="http://schemas.openxmlformats.org/drawingml/2006/main" xmlns:r="http://schemas.openxmlformats.org/officeDocument/2006/relationships" xmlns:p="http://schemas.openxmlformats.org/presentationml/2006/main" type="title" preserve="1">
   <p:cSld name="Title Slide">
@@ -260,7 +742,7 @@
           <a:p>
             <a:fld id="{8D2E760F-CC1E-4233-984A-FEB50F5CF30D}" type="datetimeFigureOut">
               <a:rPr lang="en-US" smtClean="0"/>
-              <a:t>3/8/18</a:t>
+              <a:t>4/16/18</a:t>
             </a:fld>
             <a:endParaRPr lang="en-US"/>
           </a:p>
@@ -428,7 +910,7 @@
           <a:p>
             <a:fld id="{8D2E760F-CC1E-4233-984A-FEB50F5CF30D}" type="datetimeFigureOut">
               <a:rPr lang="en-US" smtClean="0"/>
-              <a:t>3/8/18</a:t>
+              <a:t>4/16/18</a:t>
             </a:fld>
             <a:endParaRPr lang="en-US"/>
           </a:p>
@@ -606,7 +1088,7 @@
           <a:p>
             <a:fld id="{8D2E760F-CC1E-4233-984A-FEB50F5CF30D}" type="datetimeFigureOut">
               <a:rPr lang="en-US" smtClean="0"/>
-              <a:t>3/8/18</a:t>
+              <a:t>4/16/18</a:t>
             </a:fld>
             <a:endParaRPr lang="en-US"/>
           </a:p>
@@ -774,7 +1256,7 @@
           <a:p>
             <a:fld id="{8D2E760F-CC1E-4233-984A-FEB50F5CF30D}" type="datetimeFigureOut">
               <a:rPr lang="en-US" smtClean="0"/>
-              <a:t>3/8/18</a:t>
+              <a:t>4/16/18</a:t>
             </a:fld>
             <a:endParaRPr lang="en-US"/>
           </a:p>
@@ -1019,7 +1501,7 @@
           <a:p>
             <a:fld id="{8D2E760F-CC1E-4233-984A-FEB50F5CF30D}" type="datetimeFigureOut">
               <a:rPr lang="en-US" smtClean="0"/>
-              <a:t>3/8/18</a:t>
+              <a:t>4/16/18</a:t>
             </a:fld>
             <a:endParaRPr lang="en-US"/>
           </a:p>
@@ -1248,7 +1730,7 @@
           <a:p>
             <a:fld id="{8D2E760F-CC1E-4233-984A-FEB50F5CF30D}" type="datetimeFigureOut">
               <a:rPr lang="en-US" smtClean="0"/>
-              <a:t>3/8/18</a:t>
+              <a:t>4/16/18</a:t>
             </a:fld>
             <a:endParaRPr lang="en-US"/>
           </a:p>
@@ -1612,7 +2094,7 @@
           <a:p>
             <a:fld id="{8D2E760F-CC1E-4233-984A-FEB50F5CF30D}" type="datetimeFigureOut">
               <a:rPr lang="en-US" smtClean="0"/>
-              <a:t>3/8/18</a:t>
+              <a:t>4/16/18</a:t>
             </a:fld>
             <a:endParaRPr lang="en-US"/>
           </a:p>
@@ -1729,7 +2211,7 @@
           <a:p>
             <a:fld id="{8D2E760F-CC1E-4233-984A-FEB50F5CF30D}" type="datetimeFigureOut">
               <a:rPr lang="en-US" smtClean="0"/>
-              <a:t>3/8/18</a:t>
+              <a:t>4/16/18</a:t>
             </a:fld>
             <a:endParaRPr lang="en-US"/>
           </a:p>
@@ -1824,7 +2306,7 @@
           <a:p>
             <a:fld id="{8D2E760F-CC1E-4233-984A-FEB50F5CF30D}" type="datetimeFigureOut">
               <a:rPr lang="en-US" smtClean="0"/>
-              <a:t>3/8/18</a:t>
+              <a:t>4/16/18</a:t>
             </a:fld>
             <a:endParaRPr lang="en-US"/>
           </a:p>
@@ -2099,7 +2581,7 @@
           <a:p>
             <a:fld id="{8D2E760F-CC1E-4233-984A-FEB50F5CF30D}" type="datetimeFigureOut">
               <a:rPr lang="en-US" smtClean="0"/>
-              <a:t>3/8/18</a:t>
+              <a:t>4/16/18</a:t>
             </a:fld>
             <a:endParaRPr lang="en-US"/>
           </a:p>
@@ -2351,7 +2833,7 @@
           <a:p>
             <a:fld id="{8D2E760F-CC1E-4233-984A-FEB50F5CF30D}" type="datetimeFigureOut">
               <a:rPr lang="en-US" smtClean="0"/>
-              <a:t>3/8/18</a:t>
+              <a:t>4/16/18</a:t>
             </a:fld>
             <a:endParaRPr lang="en-US"/>
           </a:p>
@@ -2562,7 +3044,7 @@
           <a:p>
             <a:fld id="{8D2E760F-CC1E-4233-984A-FEB50F5CF30D}" type="datetimeFigureOut">
               <a:rPr lang="en-US" smtClean="0"/>
-              <a:t>3/8/18</a:t>
+              <a:t>4/16/18</a:t>
             </a:fld>
             <a:endParaRPr lang="en-US"/>
           </a:p>
@@ -3089,7 +3571,7 @@
           <p:cNvPr id="2" name="Title 1">
             <a:extLst>
               <a:ext uri="{FF2B5EF4-FFF2-40B4-BE49-F238E27FC236}">
-                <a16:creationId xmlns:a16="http://schemas.microsoft.com/office/drawing/2014/main" id="{ECB17E02-01C7-C648-897F-0CEB5DD5D39C}"/>
+                <a16:creationId xmlns:a16="http://schemas.microsoft.com/office/drawing/2014/main" id="{493EB65C-5800-184B-97F6-0EC72C7D87C2}"/>
               </a:ext>
             </a:extLst>
           </p:cNvPr>
@@ -3107,15 +3589,7 @@
           <a:p>
             <a:r>
               <a:rPr lang="en-US" dirty="0"/>
-              <a:t>How </a:t>
-            </a:r>
-            <a:r>
-              <a:rPr lang="en-US" dirty="0" err="1"/>
-              <a:t>DeepFool</a:t>
-            </a:r>
-            <a:r>
-              <a:rPr lang="en-US" dirty="0"/>
-              <a:t> works</a:t>
+              <a:t>How did the adversarial distortion work</a:t>
             </a:r>
           </a:p>
         </p:txBody>
@@ -3125,7 +3599,7 @@
           <p:cNvPr id="3" name="Content Placeholder 2">
             <a:extLst>
               <a:ext uri="{FF2B5EF4-FFF2-40B4-BE49-F238E27FC236}">
-                <a16:creationId xmlns:a16="http://schemas.microsoft.com/office/drawing/2014/main" id="{8841D3C1-AD72-894D-916D-98948E126588}"/>
+                <a16:creationId xmlns:a16="http://schemas.microsoft.com/office/drawing/2014/main" id="{1FBCFFAE-F0B2-4644-95B4-FDD3F243A025}"/>
               </a:ext>
             </a:extLst>
           </p:cNvPr>
@@ -3141,14 +3615,17 @@
           <a:bodyPr/>
           <a:lstStyle/>
           <a:p>
-            <a:endParaRPr lang="en-US"/>
+            <a:r>
+              <a:rPr lang="en-US" dirty="0"/>
+              <a:t>Have a table like slide 16 or image</a:t>
+            </a:r>
           </a:p>
         </p:txBody>
       </p:sp>
     </p:spTree>
     <p:extLst>
       <p:ext uri="{BB962C8B-B14F-4D97-AF65-F5344CB8AC3E}">
-        <p14:creationId xmlns:p14="http://schemas.microsoft.com/office/powerpoint/2010/main" val="98500982"/>
+        <p14:creationId xmlns:p14="http://schemas.microsoft.com/office/powerpoint/2010/main" val="3313149022"/>
       </p:ext>
     </p:extLst>
   </p:cSld>
@@ -3177,13 +3654,7 @@
       </p:grpSpPr>
       <p:sp>
         <p:nvSpPr>
-          <p:cNvPr id="2" name="Title 1">
-            <a:extLst>
-              <a:ext uri="{FF2B5EF4-FFF2-40B4-BE49-F238E27FC236}">
-                <a16:creationId xmlns:a16="http://schemas.microsoft.com/office/drawing/2014/main" id="{493EB65C-5800-184B-97F6-0EC72C7D87C2}"/>
-              </a:ext>
-            </a:extLst>
-          </p:cNvPr>
+          <p:cNvPr id="2" name="Title 1"/>
           <p:cNvSpPr>
             <a:spLocks noGrp="1"/>
           </p:cNvSpPr>
@@ -3198,43 +3669,209 @@
           <a:p>
             <a:r>
               <a:rPr lang="en-US" dirty="0"/>
-              <a:t>How did the adversarial distortion work</a:t>
-            </a:r>
-          </a:p>
-        </p:txBody>
-      </p:sp>
-      <p:sp>
-        <p:nvSpPr>
-          <p:cNvPr id="3" name="Content Placeholder 2">
-            <a:extLst>
-              <a:ext uri="{FF2B5EF4-FFF2-40B4-BE49-F238E27FC236}">
-                <a16:creationId xmlns:a16="http://schemas.microsoft.com/office/drawing/2014/main" id="{1FBCFFAE-F0B2-4644-95B4-FDD3F243A025}"/>
-              </a:ext>
-            </a:extLst>
-          </p:cNvPr>
-          <p:cNvSpPr>
-            <a:spLocks noGrp="1"/>
-          </p:cNvSpPr>
-          <p:nvPr>
-            <p:ph idx="1"/>
-          </p:nvPr>
-        </p:nvSpPr>
-        <p:spPr/>
-        <p:txBody>
-          <a:bodyPr/>
-          <a:lstStyle/>
-          <a:p>
-            <a:r>
-              <a:rPr lang="en-US" dirty="0"/>
-              <a:t>Have a table like slide 16 or image</a:t>
-            </a:r>
+              <a:t>Methods Summary</a:t>
+            </a:r>
+          </a:p>
+        </p:txBody>
+      </p:sp>
+      <p:sp>
+        <p:nvSpPr>
+          <p:cNvPr id="4" name="Text Placeholder 3"/>
+          <p:cNvSpPr>
+            <a:spLocks noGrp="1"/>
+          </p:cNvSpPr>
+          <p:nvPr>
+            <p:ph type="body" idx="1"/>
+          </p:nvPr>
+        </p:nvSpPr>
+        <p:spPr/>
+        <p:txBody>
+          <a:bodyPr/>
+          <a:lstStyle/>
+          <a:p>
+            <a:r>
+              <a:rPr lang="en-US" dirty="0"/>
+              <a:t>1. </a:t>
+            </a:r>
+            <a:r>
+              <a:rPr lang="en-US" dirty="0" err="1"/>
+              <a:t>DeepFool</a:t>
+            </a:r>
+            <a:endParaRPr lang="en-US" dirty="0"/>
+          </a:p>
+        </p:txBody>
+      </p:sp>
+      <p:sp>
+        <p:nvSpPr>
+          <p:cNvPr id="5" name="Content Placeholder 4"/>
+          <p:cNvSpPr>
+            <a:spLocks noGrp="1"/>
+          </p:cNvSpPr>
+          <p:nvPr>
+            <p:ph sz="half" idx="2"/>
+          </p:nvPr>
+        </p:nvSpPr>
+        <p:spPr/>
+        <p:txBody>
+          <a:bodyPr>
+            <a:normAutofit lnSpcReduction="10000"/>
+          </a:bodyPr>
+          <a:lstStyle/>
+          <a:p>
+            <a:r>
+              <a:rPr lang="en-US" dirty="0">
+                <a:solidFill>
+                  <a:srgbClr val="FF0000"/>
+                </a:solidFill>
+              </a:rPr>
+              <a:t>Idea:</a:t>
+            </a:r>
+          </a:p>
+          <a:p>
+            <a:r>
+              <a:rPr lang="en-US" dirty="0"/>
+              <a:t>Paper:</a:t>
+            </a:r>
+          </a:p>
+          <a:p>
+            <a:pPr lvl="1"/>
+            <a:r>
+              <a:rPr lang="en-US" dirty="0"/>
+              <a:t>A simple and accurate method to fool deep neural networks</a:t>
+            </a:r>
+          </a:p>
+          <a:p>
+            <a:pPr lvl="1"/>
+            <a:r>
+              <a:rPr lang="en-US" dirty="0"/>
+              <a:t>https://arxiv.org/abs/1511.04599</a:t>
+            </a:r>
+          </a:p>
+          <a:p>
+            <a:r>
+              <a:rPr lang="en-US" dirty="0"/>
+              <a:t>Code:</a:t>
+            </a:r>
+          </a:p>
+          <a:p>
+            <a:pPr lvl="1"/>
+            <a:r>
+              <a:rPr lang="en-US" dirty="0">
+                <a:hlinkClick r:id="rId2"/>
+              </a:rPr>
+              <a:t>https://github.com/LTS4/DeepFool</a:t>
+            </a:r>
+            <a:endParaRPr lang="en-US" dirty="0"/>
+          </a:p>
+          <a:p>
+            <a:pPr lvl="1"/>
+            <a:r>
+              <a:rPr lang="en-US" dirty="0" err="1"/>
+              <a:t>Pytorch</a:t>
+            </a:r>
+            <a:endParaRPr lang="en-US" dirty="0"/>
+          </a:p>
+        </p:txBody>
+      </p:sp>
+      <p:sp>
+        <p:nvSpPr>
+          <p:cNvPr id="6" name="Text Placeholder 5"/>
+          <p:cNvSpPr>
+            <a:spLocks noGrp="1"/>
+          </p:cNvSpPr>
+          <p:nvPr>
+            <p:ph type="body" sz="quarter" idx="3"/>
+          </p:nvPr>
+        </p:nvSpPr>
+        <p:spPr/>
+        <p:txBody>
+          <a:bodyPr/>
+          <a:lstStyle/>
+          <a:p>
+            <a:r>
+              <a:rPr lang="en-US" dirty="0"/>
+              <a:t>2. Fast Gradient Sign Method (FGSM)</a:t>
+            </a:r>
+          </a:p>
+        </p:txBody>
+      </p:sp>
+      <p:sp>
+        <p:nvSpPr>
+          <p:cNvPr id="7" name="Content Placeholder 6"/>
+          <p:cNvSpPr>
+            <a:spLocks noGrp="1"/>
+          </p:cNvSpPr>
+          <p:nvPr>
+            <p:ph sz="quarter" idx="4"/>
+          </p:nvPr>
+        </p:nvSpPr>
+        <p:spPr/>
+        <p:txBody>
+          <a:bodyPr>
+            <a:normAutofit lnSpcReduction="10000"/>
+          </a:bodyPr>
+          <a:lstStyle/>
+          <a:p>
+            <a:r>
+              <a:rPr lang="en-US" dirty="0">
+                <a:solidFill>
+                  <a:srgbClr val="FF0000"/>
+                </a:solidFill>
+              </a:rPr>
+              <a:t>Idea:</a:t>
+            </a:r>
+          </a:p>
+          <a:p>
+            <a:r>
+              <a:rPr lang="en-US" dirty="0"/>
+              <a:t>Paper:</a:t>
+            </a:r>
+          </a:p>
+          <a:p>
+            <a:pPr lvl="1"/>
+            <a:r>
+              <a:rPr lang="en-US" dirty="0"/>
+              <a:t>Explaining and Harnessing Adversarial Examples</a:t>
+            </a:r>
+          </a:p>
+          <a:p>
+            <a:pPr lvl="1"/>
+            <a:r>
+              <a:rPr lang="en-US" dirty="0"/>
+              <a:t>https://arxiv.org/abs/1412.6572</a:t>
+            </a:r>
+          </a:p>
+          <a:p>
+            <a:r>
+              <a:rPr lang="en-US" dirty="0"/>
+              <a:t>Code:</a:t>
+            </a:r>
+          </a:p>
+          <a:p>
+            <a:pPr lvl="1"/>
+            <a:r>
+              <a:rPr lang="en-US" dirty="0"/>
+              <a:t>https://github.com/gongzhitaao/tensorflow-adversarial</a:t>
+            </a:r>
+          </a:p>
+          <a:p>
+            <a:pPr lvl="1"/>
+            <a:r>
+              <a:rPr lang="en-US" dirty="0" err="1"/>
+              <a:t>Tensorflow</a:t>
+            </a:r>
+            <a:endParaRPr lang="en-US" dirty="0"/>
+          </a:p>
+          <a:p>
+            <a:pPr lvl="1"/>
+            <a:endParaRPr lang="en-US" dirty="0"/>
           </a:p>
         </p:txBody>
       </p:sp>
     </p:spTree>
     <p:extLst>
       <p:ext uri="{BB962C8B-B14F-4D97-AF65-F5344CB8AC3E}">
-        <p14:creationId xmlns:p14="http://schemas.microsoft.com/office/powerpoint/2010/main" val="3313149022"/>
+        <p14:creationId xmlns:p14="http://schemas.microsoft.com/office/powerpoint/2010/main" val="3202584400"/>
       </p:ext>
     </p:extLst>
   </p:cSld>
@@ -3300,13 +3937,8 @@
           <a:p>
             <a:r>
               <a:rPr lang="en-US" dirty="0"/>
-              <a:t>1. </a:t>
-            </a:r>
-            <a:r>
-              <a:rPr lang="en-US" dirty="0" err="1"/>
-              <a:t>DeepFool</a:t>
-            </a:r>
-            <a:endParaRPr lang="en-US" dirty="0"/>
+              <a:t>3. Iterative FGSM</a:t>
+            </a:r>
           </a:p>
         </p:txBody>
       </p:sp>
@@ -3323,7 +3955,7 @@
         <p:spPr/>
         <p:txBody>
           <a:bodyPr>
-            <a:normAutofit lnSpcReduction="10000"/>
+            <a:normAutofit fontScale="92500" lnSpcReduction="10000"/>
           </a:bodyPr>
           <a:lstStyle/>
           <a:p>
@@ -3346,14 +3978,14 @@
             <a:pPr lvl="1"/>
             <a:r>
               <a:rPr lang="en-US" dirty="0"/>
-              <a:t>A simple and accurate method to fool deep neural networks</a:t>
+              <a:t>Adversarial examples in the physical world</a:t>
             </a:r>
           </a:p>
           <a:p>
             <a:pPr lvl="1"/>
             <a:r>
               <a:rPr lang="en-US" dirty="0"/>
-              <a:t>https://arxiv.org/abs/1511.04599</a:t>
+              <a:t>https://arxiv.org/abs/1607.02533</a:t>
             </a:r>
           </a:p>
           <a:p>
@@ -3368,18 +4000,28 @@
               <a:rPr lang="en-US" dirty="0">
                 <a:hlinkClick r:id="rId2"/>
               </a:rPr>
-              <a:t>https://github.com/LTS4/DeepFool</a:t>
+              <a:t>https://github.com/gongzhitaao/tensorflow-adversarial</a:t>
             </a:r>
             <a:endParaRPr lang="en-US" dirty="0"/>
           </a:p>
           <a:p>
             <a:pPr lvl="1"/>
             <a:r>
+              <a:rPr lang="en-US" dirty="0"/>
+              <a:t>Write codes based on FGSM</a:t>
+            </a:r>
+          </a:p>
+          <a:p>
+            <a:pPr lvl="1"/>
+            <a:r>
               <a:rPr lang="en-US" dirty="0" err="1"/>
-              <a:t>Pytorch</a:t>
+              <a:t>Tensorflow</a:t>
             </a:r>
             <a:endParaRPr lang="en-US" dirty="0"/>
           </a:p>
+          <a:p>
+            <a:endParaRPr lang="en-US" dirty="0"/>
+          </a:p>
         </p:txBody>
       </p:sp>
       <p:sp>
@@ -3399,7 +4041,15 @@
           <a:p>
             <a:r>
               <a:rPr lang="en-US" dirty="0"/>
-              <a:t>2. Fast Gradient Sign Method (FGSM)</a:t>
+              <a:t>4. </a:t>
+            </a:r>
+            <a:r>
+              <a:rPr lang="en-US" dirty="0" err="1"/>
+              <a:t>Carlini</a:t>
+            </a:r>
+            <a:r>
+              <a:rPr lang="en-US" dirty="0"/>
+              <a:t> Wagner Attack </a:t>
             </a:r>
           </a:p>
         </p:txBody>
@@ -3440,27 +4090,36 @@
             <a:pPr lvl="1"/>
             <a:r>
               <a:rPr lang="en-US" dirty="0"/>
-              <a:t>Explaining and Harnessing Adversarial Examples</a:t>
+              <a:t>Towards Evaluating the Robustness of Neural Networks</a:t>
             </a:r>
           </a:p>
           <a:p>
             <a:pPr lvl="1"/>
             <a:r>
-              <a:rPr lang="en-US" dirty="0"/>
-              <a:t>https://arxiv.org/abs/1412.6572</a:t>
-            </a:r>
-          </a:p>
-          <a:p>
-            <a:r>
-              <a:rPr lang="en-US" dirty="0"/>
-              <a:t>Code:</a:t>
+              <a:rPr lang="en-US" dirty="0">
+                <a:hlinkClick r:id="rId3"/>
+              </a:rPr>
+              <a:t>https://arxiv.org/abs/1608.04644</a:t>
+            </a:r>
+            <a:endParaRPr lang="en-US" dirty="0"/>
+          </a:p>
+          <a:p>
+            <a:r>
+              <a:rPr lang="en-US" dirty="0"/>
+              <a:t>Code</a:t>
             </a:r>
           </a:p>
           <a:p>
             <a:pPr lvl="1"/>
             <a:r>
-              <a:rPr lang="en-US" dirty="0"/>
+              <a:rPr lang="en-US" dirty="0">
+                <a:hlinkClick r:id="rId2"/>
+              </a:rPr>
               <a:t>https://github.com/gongzhitaao/tensorflow-adversarial</a:t>
+            </a:r>
+            <a:r>
+              <a:rPr lang="en-US" dirty="0"/>
+              <a:t> </a:t>
             </a:r>
           </a:p>
           <a:p>
@@ -3469,18 +4128,17 @@
               <a:rPr lang="en-US" dirty="0" err="1"/>
               <a:t>Tensorflow</a:t>
             </a:r>
-            <a:endParaRPr lang="en-US" dirty="0"/>
-          </a:p>
-          <a:p>
-            <a:pPr lvl="1"/>
-            <a:endParaRPr lang="en-US" dirty="0"/>
+            <a:r>
+              <a:rPr lang="en-US" dirty="0"/>
+              <a:t> </a:t>
+            </a:r>
           </a:p>
         </p:txBody>
       </p:sp>
     </p:spTree>
     <p:extLst>
       <p:ext uri="{BB962C8B-B14F-4D97-AF65-F5344CB8AC3E}">
-        <p14:creationId xmlns:p14="http://schemas.microsoft.com/office/powerpoint/2010/main" val="3202584400"/>
+        <p14:creationId xmlns:p14="http://schemas.microsoft.com/office/powerpoint/2010/main" val="285251880"/>
       </p:ext>
     </p:extLst>
   </p:cSld>
@@ -3523,273 +4181,6 @@
           <a:lstStyle/>
           <a:p>
             <a:r>
-              <a:rPr lang="en-US" dirty="0"/>
-              <a:t>Methods Summary</a:t>
-            </a:r>
-          </a:p>
-        </p:txBody>
-      </p:sp>
-      <p:sp>
-        <p:nvSpPr>
-          <p:cNvPr id="4" name="Text Placeholder 3"/>
-          <p:cNvSpPr>
-            <a:spLocks noGrp="1"/>
-          </p:cNvSpPr>
-          <p:nvPr>
-            <p:ph type="body" idx="1"/>
-          </p:nvPr>
-        </p:nvSpPr>
-        <p:spPr/>
-        <p:txBody>
-          <a:bodyPr/>
-          <a:lstStyle/>
-          <a:p>
-            <a:r>
-              <a:rPr lang="en-US" dirty="0"/>
-              <a:t>3. Iterative FGSM</a:t>
-            </a:r>
-          </a:p>
-        </p:txBody>
-      </p:sp>
-      <p:sp>
-        <p:nvSpPr>
-          <p:cNvPr id="5" name="Content Placeholder 4"/>
-          <p:cNvSpPr>
-            <a:spLocks noGrp="1"/>
-          </p:cNvSpPr>
-          <p:nvPr>
-            <p:ph sz="half" idx="2"/>
-          </p:nvPr>
-        </p:nvSpPr>
-        <p:spPr/>
-        <p:txBody>
-          <a:bodyPr>
-            <a:normAutofit fontScale="92500" lnSpcReduction="10000"/>
-          </a:bodyPr>
-          <a:lstStyle/>
-          <a:p>
-            <a:r>
-              <a:rPr lang="en-US" dirty="0">
-                <a:solidFill>
-                  <a:srgbClr val="FF0000"/>
-                </a:solidFill>
-              </a:rPr>
-              <a:t>Idea:</a:t>
-            </a:r>
-          </a:p>
-          <a:p>
-            <a:r>
-              <a:rPr lang="en-US" dirty="0"/>
-              <a:t>Paper:</a:t>
-            </a:r>
-          </a:p>
-          <a:p>
-            <a:pPr lvl="1"/>
-            <a:r>
-              <a:rPr lang="en-US" dirty="0"/>
-              <a:t>Adversarial examples in the physical world</a:t>
-            </a:r>
-          </a:p>
-          <a:p>
-            <a:pPr lvl="1"/>
-            <a:r>
-              <a:rPr lang="en-US" dirty="0"/>
-              <a:t>https://arxiv.org/abs/1607.02533</a:t>
-            </a:r>
-          </a:p>
-          <a:p>
-            <a:r>
-              <a:rPr lang="en-US" dirty="0"/>
-              <a:t>Code:</a:t>
-            </a:r>
-          </a:p>
-          <a:p>
-            <a:pPr lvl="1"/>
-            <a:r>
-              <a:rPr lang="en-US" dirty="0">
-                <a:hlinkClick r:id="rId2"/>
-              </a:rPr>
-              <a:t>https://github.com/gongzhitaao/tensorflow-adversarial</a:t>
-            </a:r>
-            <a:endParaRPr lang="en-US" dirty="0"/>
-          </a:p>
-          <a:p>
-            <a:pPr lvl="1"/>
-            <a:r>
-              <a:rPr lang="en-US" dirty="0"/>
-              <a:t>Write codes based on FGSM</a:t>
-            </a:r>
-          </a:p>
-          <a:p>
-            <a:pPr lvl="1"/>
-            <a:r>
-              <a:rPr lang="en-US" dirty="0" err="1"/>
-              <a:t>Tensorflow</a:t>
-            </a:r>
-            <a:endParaRPr lang="en-US" dirty="0"/>
-          </a:p>
-          <a:p>
-            <a:endParaRPr lang="en-US" dirty="0"/>
-          </a:p>
-        </p:txBody>
-      </p:sp>
-      <p:sp>
-        <p:nvSpPr>
-          <p:cNvPr id="6" name="Text Placeholder 5"/>
-          <p:cNvSpPr>
-            <a:spLocks noGrp="1"/>
-          </p:cNvSpPr>
-          <p:nvPr>
-            <p:ph type="body" sz="quarter" idx="3"/>
-          </p:nvPr>
-        </p:nvSpPr>
-        <p:spPr/>
-        <p:txBody>
-          <a:bodyPr/>
-          <a:lstStyle/>
-          <a:p>
-            <a:r>
-              <a:rPr lang="en-US" dirty="0"/>
-              <a:t>4. </a:t>
-            </a:r>
-            <a:r>
-              <a:rPr lang="en-US" dirty="0" err="1"/>
-              <a:t>Carlini</a:t>
-            </a:r>
-            <a:r>
-              <a:rPr lang="en-US" dirty="0"/>
-              <a:t> Wagner Attack </a:t>
-            </a:r>
-          </a:p>
-        </p:txBody>
-      </p:sp>
-      <p:sp>
-        <p:nvSpPr>
-          <p:cNvPr id="7" name="Content Placeholder 6"/>
-          <p:cNvSpPr>
-            <a:spLocks noGrp="1"/>
-          </p:cNvSpPr>
-          <p:nvPr>
-            <p:ph sz="quarter" idx="4"/>
-          </p:nvPr>
-        </p:nvSpPr>
-        <p:spPr/>
-        <p:txBody>
-          <a:bodyPr>
-            <a:normAutofit lnSpcReduction="10000"/>
-          </a:bodyPr>
-          <a:lstStyle/>
-          <a:p>
-            <a:r>
-              <a:rPr lang="en-US" dirty="0">
-                <a:solidFill>
-                  <a:srgbClr val="FF0000"/>
-                </a:solidFill>
-              </a:rPr>
-              <a:t>Idea:</a:t>
-            </a:r>
-          </a:p>
-          <a:p>
-            <a:r>
-              <a:rPr lang="en-US" dirty="0"/>
-              <a:t>Paper:</a:t>
-            </a:r>
-          </a:p>
-          <a:p>
-            <a:pPr lvl="1"/>
-            <a:r>
-              <a:rPr lang="en-US" dirty="0"/>
-              <a:t>Towards Evaluating the Robustness of Neural Networks</a:t>
-            </a:r>
-          </a:p>
-          <a:p>
-            <a:pPr lvl="1"/>
-            <a:r>
-              <a:rPr lang="en-US" dirty="0">
-                <a:hlinkClick r:id="rId3"/>
-              </a:rPr>
-              <a:t>https://arxiv.org/abs/1608.04644</a:t>
-            </a:r>
-            <a:endParaRPr lang="en-US" dirty="0"/>
-          </a:p>
-          <a:p>
-            <a:r>
-              <a:rPr lang="en-US" dirty="0"/>
-              <a:t>Code</a:t>
-            </a:r>
-          </a:p>
-          <a:p>
-            <a:pPr lvl="1"/>
-            <a:r>
-              <a:rPr lang="en-US" dirty="0">
-                <a:hlinkClick r:id="rId2"/>
-              </a:rPr>
-              <a:t>https://github.com/gongzhitaao/tensorflow-adversarial</a:t>
-            </a:r>
-            <a:r>
-              <a:rPr lang="en-US" dirty="0"/>
-              <a:t> </a:t>
-            </a:r>
-          </a:p>
-          <a:p>
-            <a:pPr lvl="1"/>
-            <a:r>
-              <a:rPr lang="en-US" dirty="0" err="1"/>
-              <a:t>Tensorflow</a:t>
-            </a:r>
-            <a:r>
-              <a:rPr lang="en-US" dirty="0"/>
-              <a:t> </a:t>
-            </a:r>
-          </a:p>
-        </p:txBody>
-      </p:sp>
-    </p:spTree>
-    <p:extLst>
-      <p:ext uri="{BB962C8B-B14F-4D97-AF65-F5344CB8AC3E}">
-        <p14:creationId xmlns:p14="http://schemas.microsoft.com/office/powerpoint/2010/main" val="285251880"/>
-      </p:ext>
-    </p:extLst>
-  </p:cSld>
-  <p:clrMapOvr>
-    <a:masterClrMapping/>
-  </p:clrMapOvr>
-</p:sld>
-</file>
-
-<file path=ppt/slides/slide14.xml><?xml version="1.0" encoding="utf-8"?>
-<p:sld xmlns:a="http://schemas.openxmlformats.org/drawingml/2006/main" xmlns:r="http://schemas.openxmlformats.org/officeDocument/2006/relationships" xmlns:p="http://schemas.openxmlformats.org/presentationml/2006/main">
-  <p:cSld>
-    <p:spTree>
-      <p:nvGrpSpPr>
-        <p:cNvPr id="1" name=""/>
-        <p:cNvGrpSpPr/>
-        <p:nvPr/>
-      </p:nvGrpSpPr>
-      <p:grpSpPr>
-        <a:xfrm>
-          <a:off x="0" y="0"/>
-          <a:ext cx="0" cy="0"/>
-          <a:chOff x="0" y="0"/>
-          <a:chExt cx="0" cy="0"/>
-        </a:xfrm>
-      </p:grpSpPr>
-      <p:sp>
-        <p:nvSpPr>
-          <p:cNvPr id="2" name="Title 1"/>
-          <p:cNvSpPr>
-            <a:spLocks noGrp="1"/>
-          </p:cNvSpPr>
-          <p:nvPr>
-            <p:ph type="title"/>
-          </p:nvPr>
-        </p:nvSpPr>
-        <p:spPr/>
-        <p:txBody>
-          <a:bodyPr/>
-          <a:lstStyle/>
-          <a:p>
-            <a:r>
               <a:rPr lang="en-US" dirty="0">
                 <a:solidFill>
                   <a:srgbClr val="FF0000"/>
@@ -3975,7 +4366,7 @@
 </p:sld>
 </file>
 
-<file path=ppt/slides/slide15.xml><?xml version="1.0" encoding="utf-8"?>
+<file path=ppt/slides/slide14.xml><?xml version="1.0" encoding="utf-8"?>
 <p:sld xmlns:a="http://schemas.openxmlformats.org/drawingml/2006/main" xmlns:r="http://schemas.openxmlformats.org/officeDocument/2006/relationships" xmlns:p="http://schemas.openxmlformats.org/presentationml/2006/main">
   <p:cSld>
     <p:spTree>
@@ -4674,7 +5065,7 @@
 </p:sld>
 </file>
 
-<file path=ppt/slides/slide16.xml><?xml version="1.0" encoding="utf-8"?>
+<file path=ppt/slides/slide15.xml><?xml version="1.0" encoding="utf-8"?>
 <p:sld xmlns:a="http://schemas.openxmlformats.org/drawingml/2006/main" xmlns:r="http://schemas.openxmlformats.org/officeDocument/2006/relationships" xmlns:p="http://schemas.openxmlformats.org/presentationml/2006/main">
   <p:cSld>
     <p:spTree>
@@ -4852,6 +5243,81 @@
     <p:extLst>
       <p:ext uri="{BB962C8B-B14F-4D97-AF65-F5344CB8AC3E}">
         <p14:creationId xmlns:p14="http://schemas.microsoft.com/office/powerpoint/2010/main" val="3469207618"/>
+      </p:ext>
+    </p:extLst>
+  </p:cSld>
+  <p:clrMapOvr>
+    <a:masterClrMapping/>
+  </p:clrMapOvr>
+</p:sld>
+</file>
+
+<file path=ppt/slides/slide16.xml><?xml version="1.0" encoding="utf-8"?>
+<p:sld xmlns:a="http://schemas.openxmlformats.org/drawingml/2006/main" xmlns:r="http://schemas.openxmlformats.org/officeDocument/2006/relationships" xmlns:p="http://schemas.openxmlformats.org/presentationml/2006/main">
+  <p:cSld>
+    <p:spTree>
+      <p:nvGrpSpPr>
+        <p:cNvPr id="1" name=""/>
+        <p:cNvGrpSpPr/>
+        <p:nvPr/>
+      </p:nvGrpSpPr>
+      <p:grpSpPr>
+        <a:xfrm>
+          <a:off x="0" y="0"/>
+          <a:ext cx="0" cy="0"/>
+          <a:chOff x="0" y="0"/>
+          <a:chExt cx="0" cy="0"/>
+        </a:xfrm>
+      </p:grpSpPr>
+      <p:sp>
+        <p:nvSpPr>
+          <p:cNvPr id="2" name="Title 1"/>
+          <p:cNvSpPr>
+            <a:spLocks noGrp="1"/>
+          </p:cNvSpPr>
+          <p:nvPr>
+            <p:ph type="title"/>
+          </p:nvPr>
+        </p:nvSpPr>
+        <p:spPr/>
+        <p:txBody>
+          <a:bodyPr/>
+          <a:lstStyle/>
+          <a:p>
+            <a:r>
+              <a:rPr lang="en-US" dirty="0">
+                <a:solidFill>
+                  <a:srgbClr val="FF0000"/>
+                </a:solidFill>
+              </a:rPr>
+              <a:t>Method 2: FGSM</a:t>
+            </a:r>
+          </a:p>
+        </p:txBody>
+      </p:sp>
+      <p:sp>
+        <p:nvSpPr>
+          <p:cNvPr id="3" name="Content Placeholder 2"/>
+          <p:cNvSpPr>
+            <a:spLocks noGrp="1"/>
+          </p:cNvSpPr>
+          <p:nvPr>
+            <p:ph idx="1"/>
+          </p:nvPr>
+        </p:nvSpPr>
+        <p:spPr/>
+        <p:txBody>
+          <a:bodyPr/>
+          <a:lstStyle/>
+          <a:p>
+            <a:endParaRPr lang="en-US"/>
+          </a:p>
+        </p:txBody>
+      </p:sp>
+    </p:spTree>
+    <p:extLst>
+      <p:ext uri="{BB962C8B-B14F-4D97-AF65-F5344CB8AC3E}">
+        <p14:creationId xmlns:p14="http://schemas.microsoft.com/office/powerpoint/2010/main" val="398368996"/>
       </p:ext>
     </p:extLst>
   </p:cSld>
@@ -4899,7 +5365,7 @@
                   <a:srgbClr val="FF0000"/>
                 </a:solidFill>
               </a:rPr>
-              <a:t>Method 2: FGSM</a:t>
+              <a:t>Method 3: I-FGSM</a:t>
             </a:r>
           </a:p>
         </p:txBody>
@@ -4926,7 +5392,7 @@
     </p:spTree>
     <p:extLst>
       <p:ext uri="{BB962C8B-B14F-4D97-AF65-F5344CB8AC3E}">
-        <p14:creationId xmlns:p14="http://schemas.microsoft.com/office/powerpoint/2010/main" val="398368996"/>
+        <p14:creationId xmlns:p14="http://schemas.microsoft.com/office/powerpoint/2010/main" val="421577842"/>
       </p:ext>
     </p:extLst>
   </p:cSld>
@@ -4974,81 +5440,6 @@
                   <a:srgbClr val="FF0000"/>
                 </a:solidFill>
               </a:rPr>
-              <a:t>Method 3: I-FGSM</a:t>
-            </a:r>
-          </a:p>
-        </p:txBody>
-      </p:sp>
-      <p:sp>
-        <p:nvSpPr>
-          <p:cNvPr id="3" name="Content Placeholder 2"/>
-          <p:cNvSpPr>
-            <a:spLocks noGrp="1"/>
-          </p:cNvSpPr>
-          <p:nvPr>
-            <p:ph idx="1"/>
-          </p:nvPr>
-        </p:nvSpPr>
-        <p:spPr/>
-        <p:txBody>
-          <a:bodyPr/>
-          <a:lstStyle/>
-          <a:p>
-            <a:endParaRPr lang="en-US"/>
-          </a:p>
-        </p:txBody>
-      </p:sp>
-    </p:spTree>
-    <p:extLst>
-      <p:ext uri="{BB962C8B-B14F-4D97-AF65-F5344CB8AC3E}">
-        <p14:creationId xmlns:p14="http://schemas.microsoft.com/office/powerpoint/2010/main" val="421577842"/>
-      </p:ext>
-    </p:extLst>
-  </p:cSld>
-  <p:clrMapOvr>
-    <a:masterClrMapping/>
-  </p:clrMapOvr>
-</p:sld>
-</file>
-
-<file path=ppt/slides/slide19.xml><?xml version="1.0" encoding="utf-8"?>
-<p:sld xmlns:a="http://schemas.openxmlformats.org/drawingml/2006/main" xmlns:r="http://schemas.openxmlformats.org/officeDocument/2006/relationships" xmlns:p="http://schemas.openxmlformats.org/presentationml/2006/main">
-  <p:cSld>
-    <p:spTree>
-      <p:nvGrpSpPr>
-        <p:cNvPr id="1" name=""/>
-        <p:cNvGrpSpPr/>
-        <p:nvPr/>
-      </p:nvGrpSpPr>
-      <p:grpSpPr>
-        <a:xfrm>
-          <a:off x="0" y="0"/>
-          <a:ext cx="0" cy="0"/>
-          <a:chOff x="0" y="0"/>
-          <a:chExt cx="0" cy="0"/>
-        </a:xfrm>
-      </p:grpSpPr>
-      <p:sp>
-        <p:nvSpPr>
-          <p:cNvPr id="2" name="Title 1"/>
-          <p:cNvSpPr>
-            <a:spLocks noGrp="1"/>
-          </p:cNvSpPr>
-          <p:nvPr>
-            <p:ph type="title"/>
-          </p:nvPr>
-        </p:nvSpPr>
-        <p:spPr/>
-        <p:txBody>
-          <a:bodyPr/>
-          <a:lstStyle/>
-          <a:p>
-            <a:r>
-              <a:rPr lang="en-US" dirty="0">
-                <a:solidFill>
-                  <a:srgbClr val="FF0000"/>
-                </a:solidFill>
-              </a:rPr>
               <a:t>Method 4: CW</a:t>
             </a:r>
           </a:p>
@@ -5086,89 +5477,7 @@
 </p:sld>
 </file>
 
-<file path=ppt/slides/slide2.xml><?xml version="1.0" encoding="utf-8"?>
-<p:sld xmlns:a="http://schemas.openxmlformats.org/drawingml/2006/main" xmlns:r="http://schemas.openxmlformats.org/officeDocument/2006/relationships" xmlns:p="http://schemas.openxmlformats.org/presentationml/2006/main">
-  <p:cSld>
-    <p:spTree>
-      <p:nvGrpSpPr>
-        <p:cNvPr id="1" name=""/>
-        <p:cNvGrpSpPr/>
-        <p:nvPr/>
-      </p:nvGrpSpPr>
-      <p:grpSpPr>
-        <a:xfrm>
-          <a:off x="0" y="0"/>
-          <a:ext cx="0" cy="0"/>
-          <a:chOff x="0" y="0"/>
-          <a:chExt cx="0" cy="0"/>
-        </a:xfrm>
-      </p:grpSpPr>
-      <p:sp>
-        <p:nvSpPr>
-          <p:cNvPr id="2" name="Title 1"/>
-          <p:cNvSpPr>
-            <a:spLocks noGrp="1"/>
-          </p:cNvSpPr>
-          <p:nvPr>
-            <p:ph type="title"/>
-          </p:nvPr>
-        </p:nvSpPr>
-        <p:spPr/>
-        <p:txBody>
-          <a:bodyPr/>
-          <a:lstStyle/>
-          <a:p>
-            <a:r>
-              <a:rPr lang="en-US" dirty="0">
-                <a:solidFill>
-                  <a:srgbClr val="FF0000"/>
-                </a:solidFill>
-              </a:rPr>
-              <a:t>Introductions/Motivations</a:t>
-            </a:r>
-          </a:p>
-        </p:txBody>
-      </p:sp>
-      <p:sp>
-        <p:nvSpPr>
-          <p:cNvPr id="3" name="Content Placeholder 2"/>
-          <p:cNvSpPr>
-            <a:spLocks noGrp="1"/>
-          </p:cNvSpPr>
-          <p:nvPr>
-            <p:ph idx="1"/>
-          </p:nvPr>
-        </p:nvSpPr>
-        <p:spPr/>
-        <p:txBody>
-          <a:bodyPr/>
-          <a:lstStyle/>
-          <a:p>
-            <a:r>
-              <a:rPr lang="en-US" dirty="0">
-                <a:solidFill>
-                  <a:srgbClr val="FF0000"/>
-                </a:solidFill>
-              </a:rPr>
-              <a:t>Try to summarize from the introductions of the papers </a:t>
-            </a:r>
-          </a:p>
-        </p:txBody>
-      </p:sp>
-    </p:spTree>
-    <p:extLst>
-      <p:ext uri="{BB962C8B-B14F-4D97-AF65-F5344CB8AC3E}">
-        <p14:creationId xmlns:p14="http://schemas.microsoft.com/office/powerpoint/2010/main" val="3763483425"/>
-      </p:ext>
-    </p:extLst>
-  </p:cSld>
-  <p:clrMapOvr>
-    <a:masterClrMapping/>
-  </p:clrMapOvr>
-</p:sld>
-</file>
-
-<file path=ppt/slides/slide20.xml><?xml version="1.0" encoding="utf-8"?>
+<file path=ppt/slides/slide19.xml><?xml version="1.0" encoding="utf-8"?>
 <p:sld xmlns:a="http://schemas.openxmlformats.org/drawingml/2006/main" xmlns:r="http://schemas.openxmlformats.org/officeDocument/2006/relationships" xmlns:p="http://schemas.openxmlformats.org/presentationml/2006/main">
   <p:cSld>
     <p:spTree>
@@ -5968,6 +6277,88 @@
 </p:sld>
 </file>
 
+<file path=ppt/slides/slide2.xml><?xml version="1.0" encoding="utf-8"?>
+<p:sld xmlns:a="http://schemas.openxmlformats.org/drawingml/2006/main" xmlns:r="http://schemas.openxmlformats.org/officeDocument/2006/relationships" xmlns:p="http://schemas.openxmlformats.org/presentationml/2006/main">
+  <p:cSld>
+    <p:spTree>
+      <p:nvGrpSpPr>
+        <p:cNvPr id="1" name=""/>
+        <p:cNvGrpSpPr/>
+        <p:nvPr/>
+      </p:nvGrpSpPr>
+      <p:grpSpPr>
+        <a:xfrm>
+          <a:off x="0" y="0"/>
+          <a:ext cx="0" cy="0"/>
+          <a:chOff x="0" y="0"/>
+          <a:chExt cx="0" cy="0"/>
+        </a:xfrm>
+      </p:grpSpPr>
+      <p:sp>
+        <p:nvSpPr>
+          <p:cNvPr id="2" name="Title 1"/>
+          <p:cNvSpPr>
+            <a:spLocks noGrp="1"/>
+          </p:cNvSpPr>
+          <p:nvPr>
+            <p:ph type="title"/>
+          </p:nvPr>
+        </p:nvSpPr>
+        <p:spPr/>
+        <p:txBody>
+          <a:bodyPr/>
+          <a:lstStyle/>
+          <a:p>
+            <a:r>
+              <a:rPr lang="en-US" dirty="0">
+                <a:solidFill>
+                  <a:srgbClr val="FF0000"/>
+                </a:solidFill>
+              </a:rPr>
+              <a:t>Introductions/Motivations</a:t>
+            </a:r>
+          </a:p>
+        </p:txBody>
+      </p:sp>
+      <p:sp>
+        <p:nvSpPr>
+          <p:cNvPr id="3" name="Content Placeholder 2"/>
+          <p:cNvSpPr>
+            <a:spLocks noGrp="1"/>
+          </p:cNvSpPr>
+          <p:nvPr>
+            <p:ph idx="1"/>
+          </p:nvPr>
+        </p:nvSpPr>
+        <p:spPr/>
+        <p:txBody>
+          <a:bodyPr/>
+          <a:lstStyle/>
+          <a:p>
+            <a:r>
+              <a:rPr lang="en-US" dirty="0">
+                <a:solidFill>
+                  <a:srgbClr val="FF0000"/>
+                </a:solidFill>
+              </a:rPr>
+              <a:t>Try to summarize from the introductions of the papers </a:t>
+            </a:r>
+          </a:p>
+        </p:txBody>
+      </p:sp>
+    </p:spTree>
+    <p:extLst>
+      <p:ext uri="{BB962C8B-B14F-4D97-AF65-F5344CB8AC3E}">
+        <p14:creationId xmlns:p14="http://schemas.microsoft.com/office/powerpoint/2010/main" val="3763483425"/>
+      </p:ext>
+    </p:extLst>
+  </p:cSld>
+  <p:clrMapOvr>
+    <a:masterClrMapping/>
+  </p:clrMapOvr>
+</p:sld>
+</file>
+
 <file path=ppt/slides/slide3.xml><?xml version="1.0" encoding="utf-8"?>
 <p:sld xmlns:a="http://schemas.openxmlformats.org/drawingml/2006/main" xmlns:r="http://schemas.openxmlformats.org/officeDocument/2006/relationships" xmlns:p="http://schemas.openxmlformats.org/presentationml/2006/main">
   <p:cSld>
@@ -6007,10 +6398,17 @@
           <a:lstStyle/>
           <a:p>
             <a:r>
+              <a:rPr lang="en-US" dirty="0"/>
+              <a:t>How </a:t>
+            </a:r>
+            <a:r>
               <a:rPr lang="en-US" dirty="0" err="1"/>
               <a:t>DeepFool</a:t>
             </a:r>
-            <a:endParaRPr lang="en-US" dirty="0"/>
+            <a:r>
+              <a:rPr lang="en-US" dirty="0"/>
+              <a:t> works</a:t>
+            </a:r>
           </a:p>
         </p:txBody>
       </p:sp>
@@ -7190,7 +7588,7 @@
           <a:p>
             <a:r>
               <a:rPr lang="en-US" dirty="0"/>
-              <a:t>Need to revise deep fool code by</a:t>
+              <a:t>Revised deep fool code by</a:t>
             </a:r>
           </a:p>
         </p:txBody>
@@ -7218,7 +7616,7 @@
           <a:p>
             <a:r>
               <a:rPr lang="en-US" dirty="0"/>
-              <a:t>Either use </a:t>
+              <a:t>Using </a:t>
             </a:r>
             <a:r>
               <a:rPr lang="en-US" dirty="0" err="1"/>
@@ -7232,7 +7630,14 @@
           <a:p>
             <a:r>
               <a:rPr lang="en-US" dirty="0"/>
-              <a:t>Add functions to calculate distortion</a:t>
+              <a:t>Adding functions to calculate distortion</a:t>
+            </a:r>
+          </a:p>
+          <a:p>
+            <a:pPr lvl="1"/>
+            <a:r>
+              <a:rPr lang="en-US" dirty="0"/>
+              <a:t>to do for this week</a:t>
             </a:r>
           </a:p>
         </p:txBody>
@@ -7290,7 +7695,43 @@
           <a:p>
             <a:r>
               <a:rPr lang="en-US" dirty="0"/>
-              <a:t>What are the models (use at least one)</a:t>
+              <a:t>What are the models used with Deep Fool?</a:t>
+            </a:r>
+          </a:p>
+        </p:txBody>
+      </p:sp>
+      <p:sp>
+        <p:nvSpPr>
+          <p:cNvPr id="5" name="Text Placeholder 4">
+            <a:extLst>
+              <a:ext uri="{FF2B5EF4-FFF2-40B4-BE49-F238E27FC236}">
+                <a16:creationId xmlns:a16="http://schemas.microsoft.com/office/drawing/2014/main" id="{E2FFD279-AEB8-9D44-A547-E9BD4937FAF2}"/>
+              </a:ext>
+            </a:extLst>
+          </p:cNvPr>
+          <p:cNvSpPr>
+            <a:spLocks noGrp="1"/>
+          </p:cNvSpPr>
+          <p:nvPr>
+            <p:ph type="body" idx="1"/>
+          </p:nvPr>
+        </p:nvSpPr>
+        <p:spPr/>
+        <p:txBody>
+          <a:bodyPr/>
+          <a:lstStyle/>
+          <a:p>
+            <a:r>
+              <a:rPr lang="en-US" dirty="0"/>
+              <a:t>2 layer </a:t>
+            </a:r>
+            <a:r>
+              <a:rPr lang="en-US" dirty="0" err="1"/>
+              <a:t>nn</a:t>
+            </a:r>
+            <a:r>
+              <a:rPr lang="en-US" dirty="0"/>
+              <a:t> trained on MNIST</a:t>
             </a:r>
           </a:p>
         </p:txBody>
@@ -7308,12 +7749,14 @@
             <a:spLocks noGrp="1"/>
           </p:cNvSpPr>
           <p:nvPr>
-            <p:ph idx="1"/>
-          </p:nvPr>
-        </p:nvSpPr>
-        <p:spPr/>
-        <p:txBody>
-          <a:bodyPr/>
+            <p:ph sz="half" idx="2"/>
+          </p:nvPr>
+        </p:nvSpPr>
+        <p:spPr/>
+        <p:txBody>
+          <a:bodyPr>
+            <a:normAutofit/>
+          </a:bodyPr>
           <a:lstStyle/>
           <a:p>
             <a:r>
@@ -7322,51 +7765,164 @@
             </a:r>
           </a:p>
           <a:p>
+            <a:pPr lvl="1"/>
+            <a:r>
+              <a:rPr lang="en-US" dirty="0"/>
+              <a:t>200 hidden units, </a:t>
+            </a:r>
+            <a:r>
+              <a:rPr lang="en-US" dirty="0" err="1"/>
+              <a:t>lr</a:t>
+            </a:r>
+            <a:r>
+              <a:rPr lang="en-US" dirty="0"/>
+              <a:t> = 1e-3, 20 epochs</a:t>
+            </a:r>
+          </a:p>
+          <a:p>
             <a:r>
               <a:rPr lang="en-US" dirty="0"/>
               <a:t>Training</a:t>
             </a:r>
           </a:p>
           <a:p>
-            <a:r>
-              <a:rPr lang="en-US" dirty="0"/>
-              <a:t>Accuracy on test set</a:t>
-            </a:r>
-          </a:p>
-          <a:p>
-            <a:r>
-              <a:rPr lang="en-US" dirty="0"/>
-              <a:t>What data set</a:t>
-            </a:r>
-          </a:p>
-          <a:p>
-            <a:r>
-              <a:rPr lang="en-US" dirty="0"/>
-              <a:t>Maybe switch </a:t>
+            <a:pPr lvl="1"/>
+            <a:r>
+              <a:rPr lang="en-US" dirty="0"/>
+              <a:t>used above parameters</a:t>
+            </a:r>
+          </a:p>
+          <a:p>
+            <a:r>
+              <a:rPr lang="en-US" dirty="0"/>
+              <a:t>Accuracy on test set (MNIST)</a:t>
+            </a:r>
+          </a:p>
+          <a:p>
+            <a:pPr lvl="1"/>
+            <a:r>
+              <a:rPr lang="en-US" dirty="0"/>
+              <a:t>98%</a:t>
+            </a:r>
+          </a:p>
+          <a:p>
+            <a:pPr marL="0" indent="0">
+              <a:buNone/>
+            </a:pPr>
+            <a:endParaRPr lang="en-US" dirty="0"/>
+          </a:p>
+        </p:txBody>
+      </p:sp>
+      <p:sp>
+        <p:nvSpPr>
+          <p:cNvPr id="6" name="Text Placeholder 5">
+            <a:extLst>
+              <a:ext uri="{FF2B5EF4-FFF2-40B4-BE49-F238E27FC236}">
+                <a16:creationId xmlns:a16="http://schemas.microsoft.com/office/drawing/2014/main" id="{0000085A-FD51-8C4D-B789-6EC0364A2174}"/>
+              </a:ext>
+            </a:extLst>
+          </p:cNvPr>
+          <p:cNvSpPr>
+            <a:spLocks noGrp="1"/>
+          </p:cNvSpPr>
+          <p:nvPr>
+            <p:ph type="body" sz="quarter" idx="3"/>
+          </p:nvPr>
+        </p:nvSpPr>
+        <p:spPr/>
+        <p:txBody>
+          <a:bodyPr/>
+          <a:lstStyle/>
+          <a:p>
+            <a:r>
+              <a:rPr lang="en-US" dirty="0"/>
+              <a:t>3 layer </a:t>
             </a:r>
             <a:r>
               <a:rPr lang="en-US" dirty="0" err="1"/>
-              <a:t>elu</a:t>
-            </a:r>
-            <a:r>
-              <a:rPr lang="en-US" dirty="0"/>
-              <a:t>? </a:t>
+              <a:t>nn</a:t>
+            </a:r>
+            <a:r>
+              <a:rPr lang="en-US" dirty="0"/>
+              <a:t> trained on MNIST</a:t>
+            </a:r>
+          </a:p>
+        </p:txBody>
+      </p:sp>
+      <p:sp>
+        <p:nvSpPr>
+          <p:cNvPr id="7" name="Content Placeholder 6">
+            <a:extLst>
+              <a:ext uri="{FF2B5EF4-FFF2-40B4-BE49-F238E27FC236}">
+                <a16:creationId xmlns:a16="http://schemas.microsoft.com/office/drawing/2014/main" id="{7A5CD769-12E7-F14B-8E9A-0611A94171E8}"/>
+              </a:ext>
+            </a:extLst>
+          </p:cNvPr>
+          <p:cNvSpPr>
+            <a:spLocks noGrp="1"/>
+          </p:cNvSpPr>
+          <p:nvPr>
+            <p:ph sz="quarter" idx="4"/>
+          </p:nvPr>
+        </p:nvSpPr>
+        <p:spPr/>
+        <p:txBody>
+          <a:bodyPr>
+            <a:normAutofit/>
+          </a:bodyPr>
+          <a:lstStyle/>
+          <a:p>
+            <a:r>
+              <a:rPr lang="en-US" dirty="0"/>
+              <a:t>Parameters</a:t>
+            </a:r>
+          </a:p>
+          <a:p>
+            <a:pPr lvl="1"/>
+            <a:r>
+              <a:rPr lang="en-US" dirty="0"/>
+              <a:t>300 and 100 hidden units, </a:t>
             </a:r>
             <a:r>
               <a:rPr lang="en-US" dirty="0" err="1"/>
-              <a:t>Relu</a:t>
-            </a:r>
-            <a:r>
-              <a:rPr lang="en-US" dirty="0"/>
-              <a:t> is best? Leaky </a:t>
-            </a:r>
-            <a:r>
-              <a:rPr lang="en-US" dirty="0" err="1"/>
-              <a:t>relu</a:t>
-            </a:r>
-            <a:r>
-              <a:rPr lang="en-US" dirty="0"/>
-              <a:t>?</a:t>
+              <a:t>lr</a:t>
+            </a:r>
+            <a:r>
+              <a:rPr lang="en-US" dirty="0"/>
+              <a:t> = 1e-4, 10 epochs</a:t>
+            </a:r>
+          </a:p>
+          <a:p>
+            <a:pPr lvl="1"/>
+            <a:r>
+              <a:rPr lang="en-US" dirty="0"/>
+              <a:t>need to tune more</a:t>
+            </a:r>
+          </a:p>
+          <a:p>
+            <a:r>
+              <a:rPr lang="en-US" dirty="0"/>
+              <a:t>Training</a:t>
+            </a:r>
+          </a:p>
+          <a:p>
+            <a:pPr lvl="1"/>
+            <a:r>
+              <a:rPr lang="en-US" dirty="0"/>
+              <a:t>used above parameters</a:t>
+            </a:r>
+          </a:p>
+          <a:p>
+            <a:r>
+              <a:rPr lang="en-US" dirty="0"/>
+              <a:t>Accuracy on test set (MNIST)</a:t>
+            </a:r>
+          </a:p>
+          <a:p>
+            <a:pPr lvl="1"/>
+            <a:r>
+              <a:rPr lang="en-US" dirty="0"/>
+              <a:t>98%</a:t>
             </a:r>
           </a:p>
           <a:p>
@@ -7646,4 +8202,299 @@
     </a:ext>
   </a:extLst>
 </a:theme>
+</file>
+
+<file path=ppt/theme/theme2.xml><?xml version="1.0" encoding="utf-8"?>
+<a:theme xmlns:a="http://schemas.openxmlformats.org/drawingml/2006/main" name="Office Theme">
+  <a:themeElements>
+    <a:clrScheme name="Office">
+      <a:dk1>
+        <a:sysClr val="windowText" lastClr="000000"/>
+      </a:dk1>
+      <a:lt1>
+        <a:sysClr val="window" lastClr="FFFFFF"/>
+      </a:lt1>
+      <a:dk2>
+        <a:srgbClr val="44546A"/>
+      </a:dk2>
+      <a:lt2>
+        <a:srgbClr val="E7E6E6"/>
+      </a:lt2>
+      <a:accent1>
+        <a:srgbClr val="4472C4"/>
+      </a:accent1>
+      <a:accent2>
+        <a:srgbClr val="ED7D31"/>
+      </a:accent2>
+      <a:accent3>
+        <a:srgbClr val="A5A5A5"/>
+      </a:accent3>
+      <a:accent4>
+        <a:srgbClr val="FFC000"/>
+      </a:accent4>
+      <a:accent5>
+        <a:srgbClr val="5B9BD5"/>
+      </a:accent5>
+      <a:accent6>
+        <a:srgbClr val="70AD47"/>
+      </a:accent6>
+      <a:hlink>
+        <a:srgbClr val="0563C1"/>
+      </a:hlink>
+      <a:folHlink>
+        <a:srgbClr val="954F72"/>
+      </a:folHlink>
+    </a:clrScheme>
+    <a:fontScheme name="Office">
+      <a:majorFont>
+        <a:latin typeface="Calibri Light" panose="020F0302020204030204"/>
+        <a:ea typeface=""/>
+        <a:cs typeface=""/>
+        <a:font script="Jpan" typeface="游ゴシック Light"/>
+        <a:font script="Hang" typeface="맑은 고딕"/>
+        <a:font script="Hans" typeface="等线 Light"/>
+        <a:font script="Hant" typeface="新細明體"/>
+        <a:font script="Arab" typeface="Times New Roman"/>
+        <a:font script="Hebr" typeface="Times New Roman"/>
+        <a:font script="Thai" typeface="Angsana New"/>
+        <a:font script="Ethi" typeface="Nyala"/>
+        <a:font script="Beng" typeface="Vrinda"/>
+        <a:font script="Gujr" typeface="Shruti"/>
+        <a:font script="Khmr" typeface="MoolBoran"/>
+        <a:font script="Knda" typeface="Tunga"/>
+        <a:font script="Guru" typeface="Raavi"/>
+        <a:font script="Cans" typeface="Euphemia"/>
+        <a:font script="Cher" typeface="Plantagenet Cherokee"/>
+        <a:font script="Yiii" typeface="Microsoft Yi Baiti"/>
+        <a:font script="Tibt" typeface="Microsoft Himalaya"/>
+        <a:font script="Thaa" typeface="MV Boli"/>
+        <a:font script="Deva" typeface="Mangal"/>
+        <a:font script="Telu" typeface="Gautami"/>
+        <a:font script="Taml" typeface="Latha"/>
+        <a:font script="Syrc" typeface="Estrangelo Edessa"/>
+        <a:font script="Orya" typeface="Kalinga"/>
+        <a:font script="Mlym" typeface="Kartika"/>
+        <a:font script="Laoo" typeface="DokChampa"/>
+        <a:font script="Sinh" typeface="Iskoola Pota"/>
+        <a:font script="Mong" typeface="Mongolian Baiti"/>
+        <a:font script="Viet" typeface="Times New Roman"/>
+        <a:font script="Uigh" typeface="Microsoft Uighur"/>
+        <a:font script="Geor" typeface="Sylfaen"/>
+        <a:font script="Armn" typeface="Arial"/>
+        <a:font script="Bugi" typeface="Leelawadee UI"/>
+        <a:font script="Bopo" typeface="Microsoft JhengHei"/>
+        <a:font script="Java" typeface="Javanese Text"/>
+        <a:font script="Lisu" typeface="Segoe UI"/>
+        <a:font script="Mymr" typeface="Myanmar Text"/>
+        <a:font script="Nkoo" typeface="Ebrima"/>
+        <a:font script="Olck" typeface="Nirmala UI"/>
+        <a:font script="Osma" typeface="Ebrima"/>
+        <a:font script="Phag" typeface="Phagspa"/>
+        <a:font script="Syrn" typeface="Estrangelo Edessa"/>
+        <a:font script="Syrj" typeface="Estrangelo Edessa"/>
+        <a:font script="Syre" typeface="Estrangelo Edessa"/>
+        <a:font script="Sora" typeface="Nirmala UI"/>
+        <a:font script="Tale" typeface="Microsoft Tai Le"/>
+        <a:font script="Talu" typeface="Microsoft New Tai Lue"/>
+        <a:font script="Tfng" typeface="Ebrima"/>
+      </a:majorFont>
+      <a:minorFont>
+        <a:latin typeface="Calibri" panose="020F0502020204030204"/>
+        <a:ea typeface=""/>
+        <a:cs typeface=""/>
+        <a:font script="Jpan" typeface="游ゴシック"/>
+        <a:font script="Hang" typeface="맑은 고딕"/>
+        <a:font script="Hans" typeface="等线"/>
+        <a:font script="Hant" typeface="新細明體"/>
+        <a:font script="Arab" typeface="Arial"/>
+        <a:font script="Hebr" typeface="Arial"/>
+        <a:font script="Thai" typeface="Cordia New"/>
+        <a:font script="Ethi" typeface="Nyala"/>
+        <a:font script="Beng" typeface="Vrinda"/>
+        <a:font script="Gujr" typeface="Shruti"/>
+        <a:font script="Khmr" typeface="DaunPenh"/>
+        <a:font script="Knda" typeface="Tunga"/>
+        <a:font script="Guru" typeface="Raavi"/>
+        <a:font script="Cans" typeface="Euphemia"/>
+        <a:font script="Cher" typeface="Plantagenet Cherokee"/>
+        <a:font script="Yiii" typeface="Microsoft Yi Baiti"/>
+        <a:font script="Tibt" typeface="Microsoft Himalaya"/>
+        <a:font script="Thaa" typeface="MV Boli"/>
+        <a:font script="Deva" typeface="Mangal"/>
+        <a:font script="Telu" typeface="Gautami"/>
+        <a:font script="Taml" typeface="Latha"/>
+        <a:font script="Syrc" typeface="Estrangelo Edessa"/>
+        <a:font script="Orya" typeface="Kalinga"/>
+        <a:font script="Mlym" typeface="Kartika"/>
+        <a:font script="Laoo" typeface="DokChampa"/>
+        <a:font script="Sinh" typeface="Iskoola Pota"/>
+        <a:font script="Mong" typeface="Mongolian Baiti"/>
+        <a:font script="Viet" typeface="Arial"/>
+        <a:font script="Uigh" typeface="Microsoft Uighur"/>
+        <a:font script="Geor" typeface="Sylfaen"/>
+        <a:font script="Armn" typeface="Arial"/>
+        <a:font script="Bugi" typeface="Leelawadee UI"/>
+        <a:font script="Bopo" typeface="Microsoft JhengHei"/>
+        <a:font script="Java" typeface="Javanese Text"/>
+        <a:font script="Lisu" typeface="Segoe UI"/>
+        <a:font script="Mymr" typeface="Myanmar Text"/>
+        <a:font script="Nkoo" typeface="Ebrima"/>
+        <a:font script="Olck" typeface="Nirmala UI"/>
+        <a:font script="Osma" typeface="Ebrima"/>
+        <a:font script="Phag" typeface="Phagspa"/>
+        <a:font script="Syrn" typeface="Estrangelo Edessa"/>
+        <a:font script="Syrj" typeface="Estrangelo Edessa"/>
+        <a:font script="Syre" typeface="Estrangelo Edessa"/>
+        <a:font script="Sora" typeface="Nirmala UI"/>
+        <a:font script="Tale" typeface="Microsoft Tai Le"/>
+        <a:font script="Talu" typeface="Microsoft New Tai Lue"/>
+        <a:font script="Tfng" typeface="Ebrima"/>
+      </a:minorFont>
+    </a:fontScheme>
+    <a:fmtScheme name="Office">
+      <a:fillStyleLst>
+        <a:solidFill>
+          <a:schemeClr val="phClr"/>
+        </a:solidFill>
+        <a:gradFill rotWithShape="1">
+          <a:gsLst>
+            <a:gs pos="0">
+              <a:schemeClr val="phClr">
+                <a:lumMod val="110000"/>
+                <a:satMod val="105000"/>
+                <a:tint val="67000"/>
+              </a:schemeClr>
+            </a:gs>
+            <a:gs pos="50000">
+              <a:schemeClr val="phClr">
+                <a:lumMod val="105000"/>
+                <a:satMod val="103000"/>
+                <a:tint val="73000"/>
+              </a:schemeClr>
+            </a:gs>
+            <a:gs pos="100000">
+              <a:schemeClr val="phClr">
+                <a:lumMod val="105000"/>
+                <a:satMod val="109000"/>
+                <a:tint val="81000"/>
+              </a:schemeClr>
+            </a:gs>
+          </a:gsLst>
+          <a:lin ang="5400000" scaled="0"/>
+        </a:gradFill>
+        <a:gradFill rotWithShape="1">
+          <a:gsLst>
+            <a:gs pos="0">
+              <a:schemeClr val="phClr">
+                <a:satMod val="103000"/>
+                <a:lumMod val="102000"/>
+                <a:tint val="94000"/>
+              </a:schemeClr>
+            </a:gs>
+            <a:gs pos="50000">
+              <a:schemeClr val="phClr">
+                <a:satMod val="110000"/>
+                <a:lumMod val="100000"/>
+                <a:shade val="100000"/>
+              </a:schemeClr>
+            </a:gs>
+            <a:gs pos="100000">
+              <a:schemeClr val="phClr">
+                <a:lumMod val="99000"/>
+                <a:satMod val="120000"/>
+                <a:shade val="78000"/>
+              </a:schemeClr>
+            </a:gs>
+          </a:gsLst>
+          <a:lin ang="5400000" scaled="0"/>
+        </a:gradFill>
+      </a:fillStyleLst>
+      <a:lnStyleLst>
+        <a:ln w="6350" cap="flat" cmpd="sng" algn="ctr">
+          <a:solidFill>
+            <a:schemeClr val="phClr"/>
+          </a:solidFill>
+          <a:prstDash val="solid"/>
+          <a:miter lim="800000"/>
+        </a:ln>
+        <a:ln w="12700" cap="flat" cmpd="sng" algn="ctr">
+          <a:solidFill>
+            <a:schemeClr val="phClr"/>
+          </a:solidFill>
+          <a:prstDash val="solid"/>
+          <a:miter lim="800000"/>
+        </a:ln>
+        <a:ln w="19050" cap="flat" cmpd="sng" algn="ctr">
+          <a:solidFill>
+            <a:schemeClr val="phClr"/>
+          </a:solidFill>
+          <a:prstDash val="solid"/>
+          <a:miter lim="800000"/>
+        </a:ln>
+      </a:lnStyleLst>
+      <a:effectStyleLst>
+        <a:effectStyle>
+          <a:effectLst/>
+        </a:effectStyle>
+        <a:effectStyle>
+          <a:effectLst/>
+        </a:effectStyle>
+        <a:effectStyle>
+          <a:effectLst>
+            <a:outerShdw blurRad="57150" dist="19050" dir="5400000" algn="ctr" rotWithShape="0">
+              <a:srgbClr val="000000">
+                <a:alpha val="63000"/>
+              </a:srgbClr>
+            </a:outerShdw>
+          </a:effectLst>
+        </a:effectStyle>
+      </a:effectStyleLst>
+      <a:bgFillStyleLst>
+        <a:solidFill>
+          <a:schemeClr val="phClr"/>
+        </a:solidFill>
+        <a:solidFill>
+          <a:schemeClr val="phClr">
+            <a:tint val="95000"/>
+            <a:satMod val="170000"/>
+          </a:schemeClr>
+        </a:solidFill>
+        <a:gradFill rotWithShape="1">
+          <a:gsLst>
+            <a:gs pos="0">
+              <a:schemeClr val="phClr">
+                <a:tint val="93000"/>
+                <a:satMod val="150000"/>
+                <a:shade val="98000"/>
+                <a:lumMod val="102000"/>
+              </a:schemeClr>
+            </a:gs>
+            <a:gs pos="50000">
+              <a:schemeClr val="phClr">
+                <a:tint val="98000"/>
+                <a:satMod val="130000"/>
+                <a:shade val="90000"/>
+                <a:lumMod val="103000"/>
+              </a:schemeClr>
+            </a:gs>
+            <a:gs pos="100000">
+              <a:schemeClr val="phClr">
+                <a:shade val="63000"/>
+                <a:satMod val="120000"/>
+              </a:schemeClr>
+            </a:gs>
+          </a:gsLst>
+          <a:lin ang="5400000" scaled="0"/>
+        </a:gradFill>
+      </a:bgFillStyleLst>
+    </a:fmtScheme>
+  </a:themeElements>
+  <a:objectDefaults/>
+  <a:extraClrSchemeLst/>
+  <a:extLst>
+    <a:ext uri="{05A4C25C-085E-4340-85A3-A5531E510DB2}">
+      <thm15:themeFamily xmlns:thm15="http://schemas.microsoft.com/office/thememl/2012/main" name="Office Theme" id="{62F939B6-93AF-4DB8-9C6B-D6C7DFDC589F}" vid="{4A3C46E8-61CC-4603-A589-7422A47A8E4A}"/>
+    </a:ext>
+  </a:extLst>
+</a:theme>
 </file>